--- a/media/process.pptx
+++ b/media/process.pptx
@@ -4,8 +4,12 @@
   <p:sldMasterIdLst>
     <p:sldMasterId id="2147483648" r:id="rId1"/>
   </p:sldMasterIdLst>
+  <p:notesMasterIdLst>
+    <p:notesMasterId r:id="rId4"/>
+  </p:notesMasterIdLst>
   <p:sldIdLst>
-    <p:sldId id="256" r:id="rId2"/>
+    <p:sldId id="257" r:id="rId2"/>
+    <p:sldId id="256" r:id="rId3"/>
   </p:sldIdLst>
   <p:sldSz cx="5832475" cy="2663825"/>
   <p:notesSz cx="6858000" cy="9144000"/>
@@ -106,7 +110,7 @@
   </p:defaultTextStyle>
   <p:extLst>
     <p:ext uri="{EFAFB233-063F-42B5-8137-9DF3F51BA10A}">
-      <p15:sldGuideLst xmlns:p15="http://schemas.microsoft.com/office/powerpoint/2012/main" xmlns="">
+      <p15:sldGuideLst xmlns="" xmlns:p15="http://schemas.microsoft.com/office/powerpoint/2012/main">
         <p15:guide id="1" orient="horz" pos="839">
           <p15:clr>
             <a:srgbClr val="A4A3A4"/>
@@ -870,7 +874,1028 @@
 </dgm:colorsDef>
 </file>
 
+<file path=ppt/diagrams/colors2.xml><?xml version="1.0" encoding="utf-8"?>
+<dgm:colorsDef xmlns:dgm="http://schemas.openxmlformats.org/drawingml/2006/diagram" xmlns:a="http://schemas.openxmlformats.org/drawingml/2006/main" uniqueId="urn:microsoft.com/office/officeart/2005/8/colors/accent1_2">
+  <dgm:title val=""/>
+  <dgm:desc val=""/>
+  <dgm:catLst>
+    <dgm:cat type="accent1" pri="11200"/>
+  </dgm:catLst>
+  <dgm:styleLbl name="node0">
+    <dgm:fillClrLst meth="repeat">
+      <a:schemeClr val="accent1"/>
+    </dgm:fillClrLst>
+    <dgm:linClrLst meth="repeat">
+      <a:schemeClr val="lt1"/>
+    </dgm:linClrLst>
+    <dgm:effectClrLst/>
+    <dgm:txLinClrLst/>
+    <dgm:txFillClrLst/>
+    <dgm:txEffectClrLst/>
+  </dgm:styleLbl>
+  <dgm:styleLbl name="alignNode1">
+    <dgm:fillClrLst meth="repeat">
+      <a:schemeClr val="accent1"/>
+    </dgm:fillClrLst>
+    <dgm:linClrLst meth="repeat">
+      <a:schemeClr val="accent1"/>
+    </dgm:linClrLst>
+    <dgm:effectClrLst/>
+    <dgm:txLinClrLst/>
+    <dgm:txFillClrLst/>
+    <dgm:txEffectClrLst/>
+  </dgm:styleLbl>
+  <dgm:styleLbl name="node1">
+    <dgm:fillClrLst meth="repeat">
+      <a:schemeClr val="accent1"/>
+    </dgm:fillClrLst>
+    <dgm:linClrLst meth="repeat">
+      <a:schemeClr val="lt1"/>
+    </dgm:linClrLst>
+    <dgm:effectClrLst/>
+    <dgm:txLinClrLst/>
+    <dgm:txFillClrLst/>
+    <dgm:txEffectClrLst/>
+  </dgm:styleLbl>
+  <dgm:styleLbl name="lnNode1">
+    <dgm:fillClrLst meth="repeat">
+      <a:schemeClr val="accent1"/>
+    </dgm:fillClrLst>
+    <dgm:linClrLst meth="repeat">
+      <a:schemeClr val="lt1"/>
+    </dgm:linClrLst>
+    <dgm:effectClrLst/>
+    <dgm:txLinClrLst/>
+    <dgm:txFillClrLst/>
+    <dgm:txEffectClrLst/>
+  </dgm:styleLbl>
+  <dgm:styleLbl name="vennNode1">
+    <dgm:fillClrLst meth="repeat">
+      <a:schemeClr val="accent1">
+        <a:alpha val="50000"/>
+      </a:schemeClr>
+    </dgm:fillClrLst>
+    <dgm:linClrLst meth="repeat">
+      <a:schemeClr val="lt1"/>
+    </dgm:linClrLst>
+    <dgm:effectClrLst/>
+    <dgm:txLinClrLst/>
+    <dgm:txFillClrLst/>
+    <dgm:txEffectClrLst/>
+  </dgm:styleLbl>
+  <dgm:styleLbl name="node2">
+    <dgm:fillClrLst meth="repeat">
+      <a:schemeClr val="accent1"/>
+    </dgm:fillClrLst>
+    <dgm:linClrLst meth="repeat">
+      <a:schemeClr val="lt1"/>
+    </dgm:linClrLst>
+    <dgm:effectClrLst/>
+    <dgm:txLinClrLst/>
+    <dgm:txFillClrLst/>
+    <dgm:txEffectClrLst/>
+  </dgm:styleLbl>
+  <dgm:styleLbl name="node3">
+    <dgm:fillClrLst meth="repeat">
+      <a:schemeClr val="accent1"/>
+    </dgm:fillClrLst>
+    <dgm:linClrLst meth="repeat">
+      <a:schemeClr val="lt1"/>
+    </dgm:linClrLst>
+    <dgm:effectClrLst/>
+    <dgm:txLinClrLst/>
+    <dgm:txFillClrLst/>
+    <dgm:txEffectClrLst/>
+  </dgm:styleLbl>
+  <dgm:styleLbl name="node4">
+    <dgm:fillClrLst meth="repeat">
+      <a:schemeClr val="accent1"/>
+    </dgm:fillClrLst>
+    <dgm:linClrLst meth="repeat">
+      <a:schemeClr val="lt1"/>
+    </dgm:linClrLst>
+    <dgm:effectClrLst/>
+    <dgm:txLinClrLst/>
+    <dgm:txFillClrLst/>
+    <dgm:txEffectClrLst/>
+  </dgm:styleLbl>
+  <dgm:styleLbl name="fgImgPlace1">
+    <dgm:fillClrLst meth="repeat">
+      <a:schemeClr val="accent1">
+        <a:tint val="50000"/>
+      </a:schemeClr>
+    </dgm:fillClrLst>
+    <dgm:linClrLst meth="repeat">
+      <a:schemeClr val="lt1"/>
+    </dgm:linClrLst>
+    <dgm:effectClrLst/>
+    <dgm:txLinClrLst/>
+    <dgm:txFillClrLst meth="repeat">
+      <a:schemeClr val="lt1"/>
+    </dgm:txFillClrLst>
+    <dgm:txEffectClrLst/>
+  </dgm:styleLbl>
+  <dgm:styleLbl name="alignImgPlace1">
+    <dgm:fillClrLst meth="repeat">
+      <a:schemeClr val="accent1">
+        <a:tint val="50000"/>
+      </a:schemeClr>
+    </dgm:fillClrLst>
+    <dgm:linClrLst meth="repeat">
+      <a:schemeClr val="lt1"/>
+    </dgm:linClrLst>
+    <dgm:effectClrLst/>
+    <dgm:txLinClrLst/>
+    <dgm:txFillClrLst meth="repeat">
+      <a:schemeClr val="lt1"/>
+    </dgm:txFillClrLst>
+    <dgm:txEffectClrLst/>
+  </dgm:styleLbl>
+  <dgm:styleLbl name="bgImgPlace1">
+    <dgm:fillClrLst meth="repeat">
+      <a:schemeClr val="accent1">
+        <a:tint val="50000"/>
+      </a:schemeClr>
+    </dgm:fillClrLst>
+    <dgm:linClrLst meth="repeat">
+      <a:schemeClr val="lt1"/>
+    </dgm:linClrLst>
+    <dgm:effectClrLst/>
+    <dgm:txLinClrLst/>
+    <dgm:txFillClrLst meth="repeat">
+      <a:schemeClr val="lt1"/>
+    </dgm:txFillClrLst>
+    <dgm:txEffectClrLst/>
+  </dgm:styleLbl>
+  <dgm:styleLbl name="sibTrans2D1">
+    <dgm:fillClrLst meth="repeat">
+      <a:schemeClr val="accent1">
+        <a:tint val="60000"/>
+      </a:schemeClr>
+    </dgm:fillClrLst>
+    <dgm:linClrLst meth="repeat">
+      <a:schemeClr val="accent1">
+        <a:tint val="60000"/>
+      </a:schemeClr>
+    </dgm:linClrLst>
+    <dgm:effectClrLst/>
+    <dgm:txLinClrLst/>
+    <dgm:txFillClrLst/>
+    <dgm:txEffectClrLst/>
+  </dgm:styleLbl>
+  <dgm:styleLbl name="fgSibTrans2D1">
+    <dgm:fillClrLst meth="repeat">
+      <a:schemeClr val="accent1">
+        <a:tint val="60000"/>
+      </a:schemeClr>
+    </dgm:fillClrLst>
+    <dgm:linClrLst meth="repeat">
+      <a:schemeClr val="accent1">
+        <a:tint val="60000"/>
+      </a:schemeClr>
+    </dgm:linClrLst>
+    <dgm:effectClrLst/>
+    <dgm:txLinClrLst/>
+    <dgm:txFillClrLst/>
+    <dgm:txEffectClrLst/>
+  </dgm:styleLbl>
+  <dgm:styleLbl name="bgSibTrans2D1">
+    <dgm:fillClrLst meth="repeat">
+      <a:schemeClr val="accent1">
+        <a:tint val="60000"/>
+      </a:schemeClr>
+    </dgm:fillClrLst>
+    <dgm:linClrLst meth="repeat">
+      <a:schemeClr val="accent1">
+        <a:tint val="60000"/>
+      </a:schemeClr>
+    </dgm:linClrLst>
+    <dgm:effectClrLst/>
+    <dgm:txLinClrLst/>
+    <dgm:txFillClrLst/>
+    <dgm:txEffectClrLst/>
+  </dgm:styleLbl>
+  <dgm:styleLbl name="sibTrans1D1">
+    <dgm:fillClrLst meth="repeat">
+      <a:schemeClr val="accent1"/>
+    </dgm:fillClrLst>
+    <dgm:linClrLst meth="repeat">
+      <a:schemeClr val="accent1"/>
+    </dgm:linClrLst>
+    <dgm:effectClrLst/>
+    <dgm:txLinClrLst/>
+    <dgm:txFillClrLst meth="repeat">
+      <a:schemeClr val="tx1"/>
+    </dgm:txFillClrLst>
+    <dgm:txEffectClrLst/>
+  </dgm:styleLbl>
+  <dgm:styleLbl name="callout">
+    <dgm:fillClrLst meth="repeat">
+      <a:schemeClr val="accent1"/>
+    </dgm:fillClrLst>
+    <dgm:linClrLst meth="repeat">
+      <a:schemeClr val="accent1">
+        <a:tint val="50000"/>
+      </a:schemeClr>
+    </dgm:linClrLst>
+    <dgm:effectClrLst/>
+    <dgm:txLinClrLst/>
+    <dgm:txFillClrLst meth="repeat">
+      <a:schemeClr val="tx1"/>
+    </dgm:txFillClrLst>
+    <dgm:txEffectClrLst/>
+  </dgm:styleLbl>
+  <dgm:styleLbl name="asst0">
+    <dgm:fillClrLst meth="repeat">
+      <a:schemeClr val="accent1"/>
+    </dgm:fillClrLst>
+    <dgm:linClrLst meth="repeat">
+      <a:schemeClr val="lt1"/>
+    </dgm:linClrLst>
+    <dgm:effectClrLst/>
+    <dgm:txLinClrLst/>
+    <dgm:txFillClrLst/>
+    <dgm:txEffectClrLst/>
+  </dgm:styleLbl>
+  <dgm:styleLbl name="asst1">
+    <dgm:fillClrLst meth="repeat">
+      <a:schemeClr val="accent1"/>
+    </dgm:fillClrLst>
+    <dgm:linClrLst meth="repeat">
+      <a:schemeClr val="lt1"/>
+    </dgm:linClrLst>
+    <dgm:effectClrLst/>
+    <dgm:txLinClrLst/>
+    <dgm:txFillClrLst/>
+    <dgm:txEffectClrLst/>
+  </dgm:styleLbl>
+  <dgm:styleLbl name="asst2">
+    <dgm:fillClrLst meth="repeat">
+      <a:schemeClr val="accent1"/>
+    </dgm:fillClrLst>
+    <dgm:linClrLst meth="repeat">
+      <a:schemeClr val="lt1"/>
+    </dgm:linClrLst>
+    <dgm:effectClrLst/>
+    <dgm:txLinClrLst/>
+    <dgm:txFillClrLst/>
+    <dgm:txEffectClrLst/>
+  </dgm:styleLbl>
+  <dgm:styleLbl name="asst3">
+    <dgm:fillClrLst meth="repeat">
+      <a:schemeClr val="accent1"/>
+    </dgm:fillClrLst>
+    <dgm:linClrLst meth="repeat">
+      <a:schemeClr val="lt1"/>
+    </dgm:linClrLst>
+    <dgm:effectClrLst/>
+    <dgm:txLinClrLst/>
+    <dgm:txFillClrLst/>
+    <dgm:txEffectClrLst/>
+  </dgm:styleLbl>
+  <dgm:styleLbl name="asst4">
+    <dgm:fillClrLst meth="repeat">
+      <a:schemeClr val="accent1"/>
+    </dgm:fillClrLst>
+    <dgm:linClrLst meth="repeat">
+      <a:schemeClr val="lt1"/>
+    </dgm:linClrLst>
+    <dgm:effectClrLst/>
+    <dgm:txLinClrLst/>
+    <dgm:txFillClrLst/>
+    <dgm:txEffectClrLst/>
+  </dgm:styleLbl>
+  <dgm:styleLbl name="parChTrans2D1">
+    <dgm:fillClrLst meth="repeat">
+      <a:schemeClr val="accent1">
+        <a:tint val="60000"/>
+      </a:schemeClr>
+    </dgm:fillClrLst>
+    <dgm:linClrLst meth="repeat">
+      <a:schemeClr val="accent1">
+        <a:tint val="60000"/>
+      </a:schemeClr>
+    </dgm:linClrLst>
+    <dgm:effectClrLst/>
+    <dgm:txLinClrLst/>
+    <dgm:txFillClrLst meth="repeat">
+      <a:schemeClr val="lt1"/>
+    </dgm:txFillClrLst>
+    <dgm:txEffectClrLst/>
+  </dgm:styleLbl>
+  <dgm:styleLbl name="parChTrans2D2">
+    <dgm:fillClrLst meth="repeat">
+      <a:schemeClr val="accent1"/>
+    </dgm:fillClrLst>
+    <dgm:linClrLst meth="repeat">
+      <a:schemeClr val="accent1"/>
+    </dgm:linClrLst>
+    <dgm:effectClrLst/>
+    <dgm:txLinClrLst/>
+    <dgm:txFillClrLst meth="repeat">
+      <a:schemeClr val="lt1"/>
+    </dgm:txFillClrLst>
+    <dgm:txEffectClrLst/>
+  </dgm:styleLbl>
+  <dgm:styleLbl name="parChTrans2D3">
+    <dgm:fillClrLst meth="repeat">
+      <a:schemeClr val="accent1"/>
+    </dgm:fillClrLst>
+    <dgm:linClrLst meth="repeat">
+      <a:schemeClr val="accent1"/>
+    </dgm:linClrLst>
+    <dgm:effectClrLst/>
+    <dgm:txLinClrLst/>
+    <dgm:txFillClrLst meth="repeat">
+      <a:schemeClr val="lt1"/>
+    </dgm:txFillClrLst>
+    <dgm:txEffectClrLst/>
+  </dgm:styleLbl>
+  <dgm:styleLbl name="parChTrans2D4">
+    <dgm:fillClrLst meth="repeat">
+      <a:schemeClr val="accent1"/>
+    </dgm:fillClrLst>
+    <dgm:linClrLst meth="repeat">
+      <a:schemeClr val="accent1"/>
+    </dgm:linClrLst>
+    <dgm:effectClrLst/>
+    <dgm:txLinClrLst/>
+    <dgm:txFillClrLst meth="repeat">
+      <a:schemeClr val="lt1"/>
+    </dgm:txFillClrLst>
+    <dgm:txEffectClrLst/>
+  </dgm:styleLbl>
+  <dgm:styleLbl name="parChTrans1D1">
+    <dgm:fillClrLst meth="repeat">
+      <a:schemeClr val="accent1"/>
+    </dgm:fillClrLst>
+    <dgm:linClrLst meth="repeat">
+      <a:schemeClr val="accent1">
+        <a:shade val="60000"/>
+      </a:schemeClr>
+    </dgm:linClrLst>
+    <dgm:effectClrLst/>
+    <dgm:txLinClrLst/>
+    <dgm:txFillClrLst meth="repeat">
+      <a:schemeClr val="tx1"/>
+    </dgm:txFillClrLst>
+    <dgm:txEffectClrLst/>
+  </dgm:styleLbl>
+  <dgm:styleLbl name="parChTrans1D2">
+    <dgm:fillClrLst meth="repeat">
+      <a:schemeClr val="accent1"/>
+    </dgm:fillClrLst>
+    <dgm:linClrLst meth="repeat">
+      <a:schemeClr val="accent1">
+        <a:shade val="60000"/>
+      </a:schemeClr>
+    </dgm:linClrLst>
+    <dgm:effectClrLst/>
+    <dgm:txLinClrLst/>
+    <dgm:txFillClrLst meth="repeat">
+      <a:schemeClr val="tx1"/>
+    </dgm:txFillClrLst>
+    <dgm:txEffectClrLst/>
+  </dgm:styleLbl>
+  <dgm:styleLbl name="parChTrans1D3">
+    <dgm:fillClrLst meth="repeat">
+      <a:schemeClr val="accent1"/>
+    </dgm:fillClrLst>
+    <dgm:linClrLst meth="repeat">
+      <a:schemeClr val="accent1">
+        <a:shade val="80000"/>
+      </a:schemeClr>
+    </dgm:linClrLst>
+    <dgm:effectClrLst/>
+    <dgm:txLinClrLst/>
+    <dgm:txFillClrLst meth="repeat">
+      <a:schemeClr val="tx1"/>
+    </dgm:txFillClrLst>
+    <dgm:txEffectClrLst/>
+  </dgm:styleLbl>
+  <dgm:styleLbl name="parChTrans1D4">
+    <dgm:fillClrLst meth="repeat">
+      <a:schemeClr val="accent1"/>
+    </dgm:fillClrLst>
+    <dgm:linClrLst meth="repeat">
+      <a:schemeClr val="accent1">
+        <a:shade val="80000"/>
+      </a:schemeClr>
+    </dgm:linClrLst>
+    <dgm:effectClrLst/>
+    <dgm:txLinClrLst/>
+    <dgm:txFillClrLst meth="repeat">
+      <a:schemeClr val="tx1"/>
+    </dgm:txFillClrLst>
+    <dgm:txEffectClrLst/>
+  </dgm:styleLbl>
+  <dgm:styleLbl name="fgAcc1">
+    <dgm:fillClrLst meth="repeat">
+      <a:schemeClr val="lt1">
+        <a:alpha val="90000"/>
+      </a:schemeClr>
+    </dgm:fillClrLst>
+    <dgm:linClrLst meth="repeat">
+      <a:schemeClr val="accent1"/>
+    </dgm:linClrLst>
+    <dgm:effectClrLst/>
+    <dgm:txLinClrLst/>
+    <dgm:txFillClrLst meth="repeat">
+      <a:schemeClr val="dk1"/>
+    </dgm:txFillClrLst>
+    <dgm:txEffectClrLst/>
+  </dgm:styleLbl>
+  <dgm:styleLbl name="conFgAcc1">
+    <dgm:fillClrLst meth="repeat">
+      <a:schemeClr val="lt1">
+        <a:alpha val="90000"/>
+      </a:schemeClr>
+    </dgm:fillClrLst>
+    <dgm:linClrLst meth="repeat">
+      <a:schemeClr val="accent1"/>
+    </dgm:linClrLst>
+    <dgm:effectClrLst/>
+    <dgm:txLinClrLst/>
+    <dgm:txFillClrLst meth="repeat">
+      <a:schemeClr val="dk1"/>
+    </dgm:txFillClrLst>
+    <dgm:txEffectClrLst/>
+  </dgm:styleLbl>
+  <dgm:styleLbl name="alignAcc1">
+    <dgm:fillClrLst meth="repeat">
+      <a:schemeClr val="lt1">
+        <a:alpha val="90000"/>
+      </a:schemeClr>
+    </dgm:fillClrLst>
+    <dgm:linClrLst meth="repeat">
+      <a:schemeClr val="accent1"/>
+    </dgm:linClrLst>
+    <dgm:effectClrLst/>
+    <dgm:txLinClrLst/>
+    <dgm:txFillClrLst meth="repeat">
+      <a:schemeClr val="dk1"/>
+    </dgm:txFillClrLst>
+    <dgm:txEffectClrLst/>
+  </dgm:styleLbl>
+  <dgm:styleLbl name="trAlignAcc1">
+    <dgm:fillClrLst meth="repeat">
+      <a:schemeClr val="lt1">
+        <a:alpha val="40000"/>
+      </a:schemeClr>
+    </dgm:fillClrLst>
+    <dgm:linClrLst meth="repeat">
+      <a:schemeClr val="accent1"/>
+    </dgm:linClrLst>
+    <dgm:effectClrLst/>
+    <dgm:txLinClrLst/>
+    <dgm:txFillClrLst meth="repeat">
+      <a:schemeClr val="dk1"/>
+    </dgm:txFillClrLst>
+    <dgm:txEffectClrLst/>
+  </dgm:styleLbl>
+  <dgm:styleLbl name="bgAcc1">
+    <dgm:fillClrLst meth="repeat">
+      <a:schemeClr val="lt1">
+        <a:alpha val="90000"/>
+      </a:schemeClr>
+    </dgm:fillClrLst>
+    <dgm:linClrLst meth="repeat">
+      <a:schemeClr val="accent1"/>
+    </dgm:linClrLst>
+    <dgm:effectClrLst/>
+    <dgm:txLinClrLst/>
+    <dgm:txFillClrLst meth="repeat">
+      <a:schemeClr val="dk1"/>
+    </dgm:txFillClrLst>
+    <dgm:txEffectClrLst/>
+  </dgm:styleLbl>
+  <dgm:styleLbl name="solidFgAcc1">
+    <dgm:fillClrLst meth="repeat">
+      <a:schemeClr val="lt1"/>
+    </dgm:fillClrLst>
+    <dgm:linClrLst meth="repeat">
+      <a:schemeClr val="accent1"/>
+    </dgm:linClrLst>
+    <dgm:effectClrLst/>
+    <dgm:txLinClrLst/>
+    <dgm:txFillClrLst meth="repeat">
+      <a:schemeClr val="dk1"/>
+    </dgm:txFillClrLst>
+    <dgm:txEffectClrLst/>
+  </dgm:styleLbl>
+  <dgm:styleLbl name="solidAlignAcc1">
+    <dgm:fillClrLst meth="repeat">
+      <a:schemeClr val="lt1"/>
+    </dgm:fillClrLst>
+    <dgm:linClrLst meth="repeat">
+      <a:schemeClr val="accent1"/>
+    </dgm:linClrLst>
+    <dgm:effectClrLst/>
+    <dgm:txLinClrLst/>
+    <dgm:txFillClrLst meth="repeat">
+      <a:schemeClr val="dk1"/>
+    </dgm:txFillClrLst>
+    <dgm:txEffectClrLst/>
+  </dgm:styleLbl>
+  <dgm:styleLbl name="solidBgAcc1">
+    <dgm:fillClrLst meth="repeat">
+      <a:schemeClr val="lt1"/>
+    </dgm:fillClrLst>
+    <dgm:linClrLst meth="repeat">
+      <a:schemeClr val="accent1"/>
+    </dgm:linClrLst>
+    <dgm:effectClrLst/>
+    <dgm:txLinClrLst/>
+    <dgm:txFillClrLst meth="repeat">
+      <a:schemeClr val="dk1"/>
+    </dgm:txFillClrLst>
+    <dgm:txEffectClrLst/>
+  </dgm:styleLbl>
+  <dgm:styleLbl name="fgAccFollowNode1">
+    <dgm:fillClrLst meth="repeat">
+      <a:schemeClr val="accent1">
+        <a:alpha val="90000"/>
+        <a:tint val="40000"/>
+      </a:schemeClr>
+    </dgm:fillClrLst>
+    <dgm:linClrLst meth="repeat">
+      <a:schemeClr val="accent1">
+        <a:alpha val="90000"/>
+        <a:tint val="40000"/>
+      </a:schemeClr>
+    </dgm:linClrLst>
+    <dgm:effectClrLst/>
+    <dgm:txLinClrLst/>
+    <dgm:txFillClrLst meth="repeat">
+      <a:schemeClr val="dk1"/>
+    </dgm:txFillClrLst>
+    <dgm:txEffectClrLst/>
+  </dgm:styleLbl>
+  <dgm:styleLbl name="alignAccFollowNode1">
+    <dgm:fillClrLst meth="repeat">
+      <a:schemeClr val="accent1">
+        <a:alpha val="90000"/>
+        <a:tint val="40000"/>
+      </a:schemeClr>
+    </dgm:fillClrLst>
+    <dgm:linClrLst meth="repeat">
+      <a:schemeClr val="accent1">
+        <a:alpha val="90000"/>
+        <a:tint val="40000"/>
+      </a:schemeClr>
+    </dgm:linClrLst>
+    <dgm:effectClrLst/>
+    <dgm:txLinClrLst/>
+    <dgm:txFillClrLst meth="repeat">
+      <a:schemeClr val="dk1"/>
+    </dgm:txFillClrLst>
+    <dgm:txEffectClrLst/>
+  </dgm:styleLbl>
+  <dgm:styleLbl name="bgAccFollowNode1">
+    <dgm:fillClrLst meth="repeat">
+      <a:schemeClr val="accent1">
+        <a:alpha val="90000"/>
+        <a:tint val="40000"/>
+      </a:schemeClr>
+    </dgm:fillClrLst>
+    <dgm:linClrLst meth="repeat">
+      <a:schemeClr val="accent1">
+        <a:alpha val="90000"/>
+        <a:tint val="40000"/>
+      </a:schemeClr>
+    </dgm:linClrLst>
+    <dgm:effectClrLst/>
+    <dgm:txLinClrLst/>
+    <dgm:txFillClrLst meth="repeat">
+      <a:schemeClr val="dk1"/>
+    </dgm:txFillClrLst>
+    <dgm:txEffectClrLst/>
+  </dgm:styleLbl>
+  <dgm:styleLbl name="fgAcc0">
+    <dgm:fillClrLst meth="repeat">
+      <a:schemeClr val="lt1">
+        <a:alpha val="90000"/>
+      </a:schemeClr>
+    </dgm:fillClrLst>
+    <dgm:linClrLst meth="repeat">
+      <a:schemeClr val="accent1"/>
+    </dgm:linClrLst>
+    <dgm:effectClrLst/>
+    <dgm:txLinClrLst/>
+    <dgm:txFillClrLst meth="repeat">
+      <a:schemeClr val="dk1"/>
+    </dgm:txFillClrLst>
+    <dgm:txEffectClrLst/>
+  </dgm:styleLbl>
+  <dgm:styleLbl name="fgAcc2">
+    <dgm:fillClrLst meth="repeat">
+      <a:schemeClr val="lt1">
+        <a:alpha val="90000"/>
+      </a:schemeClr>
+    </dgm:fillClrLst>
+    <dgm:linClrLst meth="repeat">
+      <a:schemeClr val="accent1"/>
+    </dgm:linClrLst>
+    <dgm:effectClrLst/>
+    <dgm:txLinClrLst/>
+    <dgm:txFillClrLst meth="repeat">
+      <a:schemeClr val="dk1"/>
+    </dgm:txFillClrLst>
+    <dgm:txEffectClrLst/>
+  </dgm:styleLbl>
+  <dgm:styleLbl name="fgAcc3">
+    <dgm:fillClrLst meth="repeat">
+      <a:schemeClr val="lt1">
+        <a:alpha val="90000"/>
+      </a:schemeClr>
+    </dgm:fillClrLst>
+    <dgm:linClrLst meth="repeat">
+      <a:schemeClr val="accent1"/>
+    </dgm:linClrLst>
+    <dgm:effectClrLst/>
+    <dgm:txLinClrLst/>
+    <dgm:txFillClrLst meth="repeat">
+      <a:schemeClr val="dk1"/>
+    </dgm:txFillClrLst>
+    <dgm:txEffectClrLst/>
+  </dgm:styleLbl>
+  <dgm:styleLbl name="fgAcc4">
+    <dgm:fillClrLst meth="repeat">
+      <a:schemeClr val="lt1">
+        <a:alpha val="90000"/>
+      </a:schemeClr>
+    </dgm:fillClrLst>
+    <dgm:linClrLst meth="repeat">
+      <a:schemeClr val="accent1"/>
+    </dgm:linClrLst>
+    <dgm:effectClrLst/>
+    <dgm:txLinClrLst/>
+    <dgm:txFillClrLst meth="repeat">
+      <a:schemeClr val="dk1"/>
+    </dgm:txFillClrLst>
+    <dgm:txEffectClrLst/>
+  </dgm:styleLbl>
+  <dgm:styleLbl name="bgShp">
+    <dgm:fillClrLst meth="repeat">
+      <a:schemeClr val="accent1">
+        <a:tint val="40000"/>
+      </a:schemeClr>
+    </dgm:fillClrLst>
+    <dgm:linClrLst meth="repeat">
+      <a:schemeClr val="accent1"/>
+    </dgm:linClrLst>
+    <dgm:effectClrLst/>
+    <dgm:txLinClrLst/>
+    <dgm:txFillClrLst meth="repeat">
+      <a:schemeClr val="dk1"/>
+    </dgm:txFillClrLst>
+    <dgm:txEffectClrLst/>
+  </dgm:styleLbl>
+  <dgm:styleLbl name="dkBgShp">
+    <dgm:fillClrLst meth="repeat">
+      <a:schemeClr val="accent1">
+        <a:shade val="80000"/>
+      </a:schemeClr>
+    </dgm:fillClrLst>
+    <dgm:linClrLst meth="repeat">
+      <a:schemeClr val="accent1"/>
+    </dgm:linClrLst>
+    <dgm:effectClrLst/>
+    <dgm:txLinClrLst/>
+    <dgm:txFillClrLst meth="repeat">
+      <a:schemeClr val="lt1"/>
+    </dgm:txFillClrLst>
+    <dgm:txEffectClrLst/>
+  </dgm:styleLbl>
+  <dgm:styleLbl name="trBgShp">
+    <dgm:fillClrLst meth="repeat">
+      <a:schemeClr val="accent1">
+        <a:tint val="50000"/>
+        <a:alpha val="40000"/>
+      </a:schemeClr>
+    </dgm:fillClrLst>
+    <dgm:linClrLst meth="repeat">
+      <a:schemeClr val="accent1"/>
+    </dgm:linClrLst>
+    <dgm:effectClrLst/>
+    <dgm:txLinClrLst/>
+    <dgm:txFillClrLst meth="repeat">
+      <a:schemeClr val="lt1"/>
+    </dgm:txFillClrLst>
+    <dgm:txEffectClrLst/>
+  </dgm:styleLbl>
+  <dgm:styleLbl name="fgShp">
+    <dgm:fillClrLst meth="repeat">
+      <a:schemeClr val="accent1">
+        <a:tint val="60000"/>
+      </a:schemeClr>
+    </dgm:fillClrLst>
+    <dgm:linClrLst meth="repeat">
+      <a:schemeClr val="lt1"/>
+    </dgm:linClrLst>
+    <dgm:effectClrLst/>
+    <dgm:txLinClrLst/>
+    <dgm:txFillClrLst meth="repeat">
+      <a:schemeClr val="dk1"/>
+    </dgm:txFillClrLst>
+    <dgm:txEffectClrLst/>
+  </dgm:styleLbl>
+  <dgm:styleLbl name="revTx">
+    <dgm:fillClrLst meth="repeat">
+      <a:schemeClr val="lt1">
+        <a:alpha val="0"/>
+      </a:schemeClr>
+    </dgm:fillClrLst>
+    <dgm:linClrLst meth="repeat">
+      <a:schemeClr val="dk1">
+        <a:alpha val="0"/>
+      </a:schemeClr>
+    </dgm:linClrLst>
+    <dgm:effectClrLst/>
+    <dgm:txLinClrLst/>
+    <dgm:txFillClrLst meth="repeat">
+      <a:schemeClr val="tx1"/>
+    </dgm:txFillClrLst>
+    <dgm:txEffectClrLst/>
+  </dgm:styleLbl>
+</dgm:colorsDef>
+</file>
+
 <file path=ppt/diagrams/data1.xml><?xml version="1.0" encoding="utf-8"?>
+<dgm:dataModel xmlns:dgm="http://schemas.openxmlformats.org/drawingml/2006/diagram" xmlns:a="http://schemas.openxmlformats.org/drawingml/2006/main">
+  <dgm:ptLst>
+    <dgm:pt modelId="{0EB6BE91-E96C-4587-B286-5EF2C7262826}" type="doc">
+      <dgm:prSet loTypeId="urn:microsoft.com/office/officeart/2005/8/layout/chevron1" loCatId="process" qsTypeId="urn:microsoft.com/office/officeart/2005/8/quickstyle/simple1" qsCatId="simple" csTypeId="urn:microsoft.com/office/officeart/2005/8/colors/accent1_2" csCatId="accent1" phldr="1"/>
+      <dgm:spPr/>
+    </dgm:pt>
+    <dgm:pt modelId="{FF8ADAA4-FAFF-4095-AF09-16995FC20993}">
+      <dgm:prSet phldrT="[Text]"/>
+      <dgm:spPr/>
+      <dgm:t>
+        <a:bodyPr/>
+        <a:lstStyle/>
+        <a:p>
+          <a:r>
+            <a:rPr lang="de-DE" dirty="0" smtClean="0"/>
+            <a:t>Development</a:t>
+          </a:r>
+          <a:endParaRPr lang="en-US" dirty="0"/>
+        </a:p>
+      </dgm:t>
+    </dgm:pt>
+    <dgm:pt modelId="{1A273BF8-4C09-4D0B-AA7C-98C7B5C24182}" type="parTrans" cxnId="{C978F6E0-33DC-4BF5-B0FA-738B3B674938}">
+      <dgm:prSet/>
+      <dgm:spPr/>
+      <dgm:t>
+        <a:bodyPr/>
+        <a:lstStyle/>
+        <a:p>
+          <a:endParaRPr lang="en-US"/>
+        </a:p>
+      </dgm:t>
+    </dgm:pt>
+    <dgm:pt modelId="{ABBA3832-E26D-4EE6-861B-1A3D690B764A}" type="sibTrans" cxnId="{C978F6E0-33DC-4BF5-B0FA-738B3B674938}">
+      <dgm:prSet/>
+      <dgm:spPr/>
+      <dgm:t>
+        <a:bodyPr/>
+        <a:lstStyle/>
+        <a:p>
+          <a:endParaRPr lang="en-US"/>
+        </a:p>
+      </dgm:t>
+    </dgm:pt>
+    <dgm:pt modelId="{09F6A35B-5D5C-4AEE-B2DF-B5B910646C5D}">
+      <dgm:prSet phldrT="[Text]"/>
+      <dgm:spPr/>
+      <dgm:t>
+        <a:bodyPr/>
+        <a:lstStyle/>
+        <a:p>
+          <a:r>
+            <a:rPr lang="de-DE" dirty="0" err="1" smtClean="0"/>
+            <a:t>Testing</a:t>
+          </a:r>
+          <a:endParaRPr lang="en-US" dirty="0"/>
+        </a:p>
+      </dgm:t>
+    </dgm:pt>
+    <dgm:pt modelId="{A4135FA8-EB46-4822-9E73-F70DD89BD922}" type="parTrans" cxnId="{7A5B3EA0-554E-4790-8F68-8B6183D8A9D1}">
+      <dgm:prSet/>
+      <dgm:spPr/>
+      <dgm:t>
+        <a:bodyPr/>
+        <a:lstStyle/>
+        <a:p>
+          <a:endParaRPr lang="en-US"/>
+        </a:p>
+      </dgm:t>
+    </dgm:pt>
+    <dgm:pt modelId="{A9D07AFB-BB37-435B-A8DC-79DB8CBDEAC4}" type="sibTrans" cxnId="{7A5B3EA0-554E-4790-8F68-8B6183D8A9D1}">
+      <dgm:prSet/>
+      <dgm:spPr/>
+      <dgm:t>
+        <a:bodyPr/>
+        <a:lstStyle/>
+        <a:p>
+          <a:endParaRPr lang="en-US"/>
+        </a:p>
+      </dgm:t>
+    </dgm:pt>
+    <dgm:pt modelId="{A5B2C75E-273A-4404-BE80-6201C68C9EDB}">
+      <dgm:prSet phldrT="[Text]"/>
+      <dgm:spPr/>
+      <dgm:t>
+        <a:bodyPr/>
+        <a:lstStyle/>
+        <a:p>
+          <a:r>
+            <a:rPr lang="de-DE" dirty="0" err="1" smtClean="0"/>
+            <a:t>Building</a:t>
+          </a:r>
+          <a:endParaRPr lang="en-US" dirty="0"/>
+        </a:p>
+      </dgm:t>
+    </dgm:pt>
+    <dgm:pt modelId="{9C1B37AE-8899-425A-9733-080D2E6FF2E6}" type="parTrans" cxnId="{581E5E19-74DD-4BD4-9E91-C936A92B7D07}">
+      <dgm:prSet/>
+      <dgm:spPr/>
+      <dgm:t>
+        <a:bodyPr/>
+        <a:lstStyle/>
+        <a:p>
+          <a:endParaRPr lang="en-US"/>
+        </a:p>
+      </dgm:t>
+    </dgm:pt>
+    <dgm:pt modelId="{0478BD90-2D3C-4CB6-B8EC-15F6D84F2E91}" type="sibTrans" cxnId="{581E5E19-74DD-4BD4-9E91-C936A92B7D07}">
+      <dgm:prSet/>
+      <dgm:spPr/>
+      <dgm:t>
+        <a:bodyPr/>
+        <a:lstStyle/>
+        <a:p>
+          <a:endParaRPr lang="en-US"/>
+        </a:p>
+      </dgm:t>
+    </dgm:pt>
+    <dgm:pt modelId="{EEC9F6EC-8789-4FD2-AFDB-B5D63A1CC8D1}">
+      <dgm:prSet phldrT="[Text]"/>
+      <dgm:spPr/>
+      <dgm:t>
+        <a:bodyPr/>
+        <a:lstStyle/>
+        <a:p>
+          <a:r>
+            <a:rPr lang="de-DE" dirty="0" err="1" smtClean="0"/>
+            <a:t>Deployment</a:t>
+          </a:r>
+          <a:endParaRPr lang="en-US" dirty="0"/>
+        </a:p>
+      </dgm:t>
+    </dgm:pt>
+    <dgm:pt modelId="{79854CB4-F935-4D6E-B728-486399EE6BDB}" type="parTrans" cxnId="{54F6DCAE-619D-42BE-B359-6891D91846B4}">
+      <dgm:prSet/>
+      <dgm:spPr/>
+      <dgm:t>
+        <a:bodyPr/>
+        <a:lstStyle/>
+        <a:p>
+          <a:endParaRPr lang="en-US"/>
+        </a:p>
+      </dgm:t>
+    </dgm:pt>
+    <dgm:pt modelId="{20B5F3EB-8661-4D60-93D7-73B5B19D977C}" type="sibTrans" cxnId="{54F6DCAE-619D-42BE-B359-6891D91846B4}">
+      <dgm:prSet/>
+      <dgm:spPr/>
+      <dgm:t>
+        <a:bodyPr/>
+        <a:lstStyle/>
+        <a:p>
+          <a:endParaRPr lang="en-US"/>
+        </a:p>
+      </dgm:t>
+    </dgm:pt>
+    <dgm:pt modelId="{40F79579-AB6F-4F17-958C-F0D3416B4228}" type="pres">
+      <dgm:prSet presAssocID="{0EB6BE91-E96C-4587-B286-5EF2C7262826}" presName="Name0" presStyleCnt="0">
+        <dgm:presLayoutVars>
+          <dgm:dir/>
+          <dgm:animLvl val="lvl"/>
+          <dgm:resizeHandles val="exact"/>
+        </dgm:presLayoutVars>
+      </dgm:prSet>
+      <dgm:spPr/>
+    </dgm:pt>
+    <dgm:pt modelId="{2B535912-FFB7-4908-8C3B-3E30209641D3}" type="pres">
+      <dgm:prSet presAssocID="{FF8ADAA4-FAFF-4095-AF09-16995FC20993}" presName="parTxOnly" presStyleLbl="node1" presStyleIdx="0" presStyleCnt="4">
+        <dgm:presLayoutVars>
+          <dgm:chMax val="0"/>
+          <dgm:chPref val="0"/>
+          <dgm:bulletEnabled val="1"/>
+        </dgm:presLayoutVars>
+      </dgm:prSet>
+      <dgm:spPr/>
+      <dgm:t>
+        <a:bodyPr/>
+        <a:lstStyle/>
+        <a:p>
+          <a:endParaRPr lang="en-US"/>
+        </a:p>
+      </dgm:t>
+    </dgm:pt>
+    <dgm:pt modelId="{C73F4BF3-7799-44F7-8781-176942C4589B}" type="pres">
+      <dgm:prSet presAssocID="{ABBA3832-E26D-4EE6-861B-1A3D690B764A}" presName="parTxOnlySpace" presStyleCnt="0"/>
+      <dgm:spPr/>
+    </dgm:pt>
+    <dgm:pt modelId="{1A0BED00-428A-4143-A6E6-7058B43EE6E3}" type="pres">
+      <dgm:prSet presAssocID="{09F6A35B-5D5C-4AEE-B2DF-B5B910646C5D}" presName="parTxOnly" presStyleLbl="node1" presStyleIdx="1" presStyleCnt="4">
+        <dgm:presLayoutVars>
+          <dgm:chMax val="0"/>
+          <dgm:chPref val="0"/>
+          <dgm:bulletEnabled val="1"/>
+        </dgm:presLayoutVars>
+      </dgm:prSet>
+      <dgm:spPr/>
+      <dgm:t>
+        <a:bodyPr/>
+        <a:lstStyle/>
+        <a:p>
+          <a:endParaRPr lang="en-US"/>
+        </a:p>
+      </dgm:t>
+    </dgm:pt>
+    <dgm:pt modelId="{9BFF179C-5738-4598-8B83-B87080C5F443}" type="pres">
+      <dgm:prSet presAssocID="{A9D07AFB-BB37-435B-A8DC-79DB8CBDEAC4}" presName="parTxOnlySpace" presStyleCnt="0"/>
+      <dgm:spPr/>
+    </dgm:pt>
+    <dgm:pt modelId="{01FCF690-3A52-4BF2-9135-B54D20ED08E1}" type="pres">
+      <dgm:prSet presAssocID="{A5B2C75E-273A-4404-BE80-6201C68C9EDB}" presName="parTxOnly" presStyleLbl="node1" presStyleIdx="2" presStyleCnt="4">
+        <dgm:presLayoutVars>
+          <dgm:chMax val="0"/>
+          <dgm:chPref val="0"/>
+          <dgm:bulletEnabled val="1"/>
+        </dgm:presLayoutVars>
+      </dgm:prSet>
+      <dgm:spPr/>
+      <dgm:t>
+        <a:bodyPr/>
+        <a:lstStyle/>
+        <a:p>
+          <a:endParaRPr lang="en-US"/>
+        </a:p>
+      </dgm:t>
+    </dgm:pt>
+    <dgm:pt modelId="{3A767838-6DEF-4E87-8881-32B6DFC6B014}" type="pres">
+      <dgm:prSet presAssocID="{0478BD90-2D3C-4CB6-B8EC-15F6D84F2E91}" presName="parTxOnlySpace" presStyleCnt="0"/>
+      <dgm:spPr/>
+    </dgm:pt>
+    <dgm:pt modelId="{4B65C82B-1FAF-4964-93C3-3E28BC03D6B9}" type="pres">
+      <dgm:prSet presAssocID="{EEC9F6EC-8789-4FD2-AFDB-B5D63A1CC8D1}" presName="parTxOnly" presStyleLbl="node1" presStyleIdx="3" presStyleCnt="4" custScaleX="165701">
+        <dgm:presLayoutVars>
+          <dgm:chMax val="0"/>
+          <dgm:chPref val="0"/>
+          <dgm:bulletEnabled val="1"/>
+        </dgm:presLayoutVars>
+      </dgm:prSet>
+      <dgm:spPr/>
+      <dgm:t>
+        <a:bodyPr/>
+        <a:lstStyle/>
+        <a:p>
+          <a:endParaRPr lang="en-US"/>
+        </a:p>
+      </dgm:t>
+    </dgm:pt>
+  </dgm:ptLst>
+  <dgm:cxnLst>
+    <dgm:cxn modelId="{54F6DCAE-619D-42BE-B359-6891D91846B4}" srcId="{0EB6BE91-E96C-4587-B286-5EF2C7262826}" destId="{EEC9F6EC-8789-4FD2-AFDB-B5D63A1CC8D1}" srcOrd="3" destOrd="0" parTransId="{79854CB4-F935-4D6E-B728-486399EE6BDB}" sibTransId="{20B5F3EB-8661-4D60-93D7-73B5B19D977C}"/>
+    <dgm:cxn modelId="{3A16B6F7-BB61-44D8-BADF-D8BDE07A7493}" type="presOf" srcId="{FF8ADAA4-FAFF-4095-AF09-16995FC20993}" destId="{2B535912-FFB7-4908-8C3B-3E30209641D3}" srcOrd="0" destOrd="0" presId="urn:microsoft.com/office/officeart/2005/8/layout/chevron1"/>
+    <dgm:cxn modelId="{581E5E19-74DD-4BD4-9E91-C936A92B7D07}" srcId="{0EB6BE91-E96C-4587-B286-5EF2C7262826}" destId="{A5B2C75E-273A-4404-BE80-6201C68C9EDB}" srcOrd="2" destOrd="0" parTransId="{9C1B37AE-8899-425A-9733-080D2E6FF2E6}" sibTransId="{0478BD90-2D3C-4CB6-B8EC-15F6D84F2E91}"/>
+    <dgm:cxn modelId="{AB4BEC97-3780-40AB-8D35-30AD4EBADA00}" type="presOf" srcId="{A5B2C75E-273A-4404-BE80-6201C68C9EDB}" destId="{01FCF690-3A52-4BF2-9135-B54D20ED08E1}" srcOrd="0" destOrd="0" presId="urn:microsoft.com/office/officeart/2005/8/layout/chevron1"/>
+    <dgm:cxn modelId="{BBF36610-E759-4454-9DAD-92CCE1DFB7B4}" type="presOf" srcId="{EEC9F6EC-8789-4FD2-AFDB-B5D63A1CC8D1}" destId="{4B65C82B-1FAF-4964-93C3-3E28BC03D6B9}" srcOrd="0" destOrd="0" presId="urn:microsoft.com/office/officeart/2005/8/layout/chevron1"/>
+    <dgm:cxn modelId="{1A40BBB3-AC8F-42BD-81A4-E7FF69E24564}" type="presOf" srcId="{09F6A35B-5D5C-4AEE-B2DF-B5B910646C5D}" destId="{1A0BED00-428A-4143-A6E6-7058B43EE6E3}" srcOrd="0" destOrd="0" presId="urn:microsoft.com/office/officeart/2005/8/layout/chevron1"/>
+    <dgm:cxn modelId="{C978F6E0-33DC-4BF5-B0FA-738B3B674938}" srcId="{0EB6BE91-E96C-4587-B286-5EF2C7262826}" destId="{FF8ADAA4-FAFF-4095-AF09-16995FC20993}" srcOrd="0" destOrd="0" parTransId="{1A273BF8-4C09-4D0B-AA7C-98C7B5C24182}" sibTransId="{ABBA3832-E26D-4EE6-861B-1A3D690B764A}"/>
+    <dgm:cxn modelId="{01BDA30A-8347-4F6F-93C5-ACA030286D4A}" type="presOf" srcId="{0EB6BE91-E96C-4587-B286-5EF2C7262826}" destId="{40F79579-AB6F-4F17-958C-F0D3416B4228}" srcOrd="0" destOrd="0" presId="urn:microsoft.com/office/officeart/2005/8/layout/chevron1"/>
+    <dgm:cxn modelId="{7A5B3EA0-554E-4790-8F68-8B6183D8A9D1}" srcId="{0EB6BE91-E96C-4587-B286-5EF2C7262826}" destId="{09F6A35B-5D5C-4AEE-B2DF-B5B910646C5D}" srcOrd="1" destOrd="0" parTransId="{A4135FA8-EB46-4822-9E73-F70DD89BD922}" sibTransId="{A9D07AFB-BB37-435B-A8DC-79DB8CBDEAC4}"/>
+    <dgm:cxn modelId="{519C0A02-3614-4158-BC0C-978E765BDEF5}" type="presParOf" srcId="{40F79579-AB6F-4F17-958C-F0D3416B4228}" destId="{2B535912-FFB7-4908-8C3B-3E30209641D3}" srcOrd="0" destOrd="0" presId="urn:microsoft.com/office/officeart/2005/8/layout/chevron1"/>
+    <dgm:cxn modelId="{799A3F32-C530-4E2B-A91F-2853235997DC}" type="presParOf" srcId="{40F79579-AB6F-4F17-958C-F0D3416B4228}" destId="{C73F4BF3-7799-44F7-8781-176942C4589B}" srcOrd="1" destOrd="0" presId="urn:microsoft.com/office/officeart/2005/8/layout/chevron1"/>
+    <dgm:cxn modelId="{F88F928E-2E3F-4845-B072-9B22B1579570}" type="presParOf" srcId="{40F79579-AB6F-4F17-958C-F0D3416B4228}" destId="{1A0BED00-428A-4143-A6E6-7058B43EE6E3}" srcOrd="2" destOrd="0" presId="urn:microsoft.com/office/officeart/2005/8/layout/chevron1"/>
+    <dgm:cxn modelId="{0B0C07AB-12DF-4F5A-978A-BA6125EF51C6}" type="presParOf" srcId="{40F79579-AB6F-4F17-958C-F0D3416B4228}" destId="{9BFF179C-5738-4598-8B83-B87080C5F443}" srcOrd="3" destOrd="0" presId="urn:microsoft.com/office/officeart/2005/8/layout/chevron1"/>
+    <dgm:cxn modelId="{D2139160-925F-47F3-9EF4-C4005362C1B4}" type="presParOf" srcId="{40F79579-AB6F-4F17-958C-F0D3416B4228}" destId="{01FCF690-3A52-4BF2-9135-B54D20ED08E1}" srcOrd="4" destOrd="0" presId="urn:microsoft.com/office/officeart/2005/8/layout/chevron1"/>
+    <dgm:cxn modelId="{3B5EB1F3-F96B-4379-9F59-CBAF39184BBB}" type="presParOf" srcId="{40F79579-AB6F-4F17-958C-F0D3416B4228}" destId="{3A767838-6DEF-4E87-8881-32B6DFC6B014}" srcOrd="5" destOrd="0" presId="urn:microsoft.com/office/officeart/2005/8/layout/chevron1"/>
+    <dgm:cxn modelId="{B6D01AFE-20C6-4C51-8AED-3268CBA9262E}" type="presParOf" srcId="{40F79579-AB6F-4F17-958C-F0D3416B4228}" destId="{4B65C82B-1FAF-4964-93C3-3E28BC03D6B9}" srcOrd="6" destOrd="0" presId="urn:microsoft.com/office/officeart/2005/8/layout/chevron1"/>
+  </dgm:cxnLst>
+  <dgm:bg/>
+  <dgm:whole/>
+  <dgm:extLst>
+    <a:ext uri="http://schemas.microsoft.com/office/drawing/2008/diagram">
+      <dsp:dataModelExt xmlns:dsp="http://schemas.microsoft.com/office/drawing/2008/diagram" xmlns="" relId="rId7" minVer="http://schemas.openxmlformats.org/drawingml/2006/diagram"/>
+    </a:ext>
+  </dgm:extLst>
+</dgm:dataModel>
+</file>
+
+<file path=ppt/diagrams/data2.xml><?xml version="1.0" encoding="utf-8"?>
 <dgm:dataModel xmlns:dgm="http://schemas.openxmlformats.org/drawingml/2006/diagram" xmlns:a="http://schemas.openxmlformats.org/drawingml/2006/main">
   <dgm:ptLst>
     <dgm:pt modelId="{0EB6BE91-E96C-4587-B286-5EF2C7262826}" type="doc">
@@ -1118,14 +2143,14 @@
   </dgm:ptLst>
   <dgm:cxnLst>
     <dgm:cxn modelId="{54F6DCAE-619D-42BE-B359-6891D91846B4}" srcId="{0EB6BE91-E96C-4587-B286-5EF2C7262826}" destId="{EEC9F6EC-8789-4FD2-AFDB-B5D63A1CC8D1}" srcOrd="3" destOrd="0" parTransId="{79854CB4-F935-4D6E-B728-486399EE6BDB}" sibTransId="{20B5F3EB-8661-4D60-93D7-73B5B19D977C}"/>
+    <dgm:cxn modelId="{581E5E19-74DD-4BD4-9E91-C936A92B7D07}" srcId="{0EB6BE91-E96C-4587-B286-5EF2C7262826}" destId="{A5B2C75E-273A-4404-BE80-6201C68C9EDB}" srcOrd="2" destOrd="0" parTransId="{9C1B37AE-8899-425A-9733-080D2E6FF2E6}" sibTransId="{0478BD90-2D3C-4CB6-B8EC-15F6D84F2E91}"/>
     <dgm:cxn modelId="{0EBE4204-F5CD-4033-AC2D-B60BB29C3F50}" type="presOf" srcId="{A5B2C75E-273A-4404-BE80-6201C68C9EDB}" destId="{01FCF690-3A52-4BF2-9135-B54D20ED08E1}" srcOrd="0" destOrd="0" presId="urn:microsoft.com/office/officeart/2005/8/layout/chevron1"/>
+    <dgm:cxn modelId="{C978F6E0-33DC-4BF5-B0FA-738B3B674938}" srcId="{0EB6BE91-E96C-4587-B286-5EF2C7262826}" destId="{FF8ADAA4-FAFF-4095-AF09-16995FC20993}" srcOrd="0" destOrd="0" parTransId="{1A273BF8-4C09-4D0B-AA7C-98C7B5C24182}" sibTransId="{ABBA3832-E26D-4EE6-861B-1A3D690B764A}"/>
+    <dgm:cxn modelId="{4BCF09DB-40CA-47AD-A6A2-F51631F1067F}" type="presOf" srcId="{09F6A35B-5D5C-4AEE-B2DF-B5B910646C5D}" destId="{1A0BED00-428A-4143-A6E6-7058B43EE6E3}" srcOrd="0" destOrd="0" presId="urn:microsoft.com/office/officeart/2005/8/layout/chevron1"/>
+    <dgm:cxn modelId="{1CDC1B4C-33A3-47F4-8423-5B84EB50D3FD}" type="presOf" srcId="{FF8ADAA4-FAFF-4095-AF09-16995FC20993}" destId="{2B535912-FFB7-4908-8C3B-3E30209641D3}" srcOrd="0" destOrd="0" presId="urn:microsoft.com/office/officeart/2005/8/layout/chevron1"/>
     <dgm:cxn modelId="{645C62F6-B80A-4127-A667-DA7D6EC0C84A}" type="presOf" srcId="{EEC9F6EC-8789-4FD2-AFDB-B5D63A1CC8D1}" destId="{4B65C82B-1FAF-4964-93C3-3E28BC03D6B9}" srcOrd="0" destOrd="0" presId="urn:microsoft.com/office/officeart/2005/8/layout/chevron1"/>
-    <dgm:cxn modelId="{C978F6E0-33DC-4BF5-B0FA-738B3B674938}" srcId="{0EB6BE91-E96C-4587-B286-5EF2C7262826}" destId="{FF8ADAA4-FAFF-4095-AF09-16995FC20993}" srcOrd="0" destOrd="0" parTransId="{1A273BF8-4C09-4D0B-AA7C-98C7B5C24182}" sibTransId="{ABBA3832-E26D-4EE6-861B-1A3D690B764A}"/>
     <dgm:cxn modelId="{7A5B3EA0-554E-4790-8F68-8B6183D8A9D1}" srcId="{0EB6BE91-E96C-4587-B286-5EF2C7262826}" destId="{09F6A35B-5D5C-4AEE-B2DF-B5B910646C5D}" srcOrd="1" destOrd="0" parTransId="{A4135FA8-EB46-4822-9E73-F70DD89BD922}" sibTransId="{A9D07AFB-BB37-435B-A8DC-79DB8CBDEAC4}"/>
-    <dgm:cxn modelId="{581E5E19-74DD-4BD4-9E91-C936A92B7D07}" srcId="{0EB6BE91-E96C-4587-B286-5EF2C7262826}" destId="{A5B2C75E-273A-4404-BE80-6201C68C9EDB}" srcOrd="2" destOrd="0" parTransId="{9C1B37AE-8899-425A-9733-080D2E6FF2E6}" sibTransId="{0478BD90-2D3C-4CB6-B8EC-15F6D84F2E91}"/>
     <dgm:cxn modelId="{8ABD9DDB-7661-4F63-9289-B8C427EF698D}" type="presOf" srcId="{0EB6BE91-E96C-4587-B286-5EF2C7262826}" destId="{40F79579-AB6F-4F17-958C-F0D3416B4228}" srcOrd="0" destOrd="0" presId="urn:microsoft.com/office/officeart/2005/8/layout/chevron1"/>
-    <dgm:cxn modelId="{1CDC1B4C-33A3-47F4-8423-5B84EB50D3FD}" type="presOf" srcId="{FF8ADAA4-FAFF-4095-AF09-16995FC20993}" destId="{2B535912-FFB7-4908-8C3B-3E30209641D3}" srcOrd="0" destOrd="0" presId="urn:microsoft.com/office/officeart/2005/8/layout/chevron1"/>
-    <dgm:cxn modelId="{4BCF09DB-40CA-47AD-A6A2-F51631F1067F}" type="presOf" srcId="{09F6A35B-5D5C-4AEE-B2DF-B5B910646C5D}" destId="{1A0BED00-428A-4143-A6E6-7058B43EE6E3}" srcOrd="0" destOrd="0" presId="urn:microsoft.com/office/officeart/2005/8/layout/chevron1"/>
     <dgm:cxn modelId="{6AFB5EFE-DC13-4E11-A1AF-50A0DD8FDE7B}" type="presParOf" srcId="{40F79579-AB6F-4F17-958C-F0D3416B4228}" destId="{2B535912-FFB7-4908-8C3B-3E30209641D3}" srcOrd="0" destOrd="0" presId="urn:microsoft.com/office/officeart/2005/8/layout/chevron1"/>
     <dgm:cxn modelId="{790F8F85-E06D-4E75-8E66-D76F28624DCB}" type="presParOf" srcId="{40F79579-AB6F-4F17-958C-F0D3416B4228}" destId="{C73F4BF3-7799-44F7-8781-176942C4589B}" srcOrd="1" destOrd="0" presId="urn:microsoft.com/office/officeart/2005/8/layout/chevron1"/>
     <dgm:cxn modelId="{CFCBD135-6FD6-4D1A-8F67-184954FF76E5}" type="presParOf" srcId="{40F79579-AB6F-4F17-958C-F0D3416B4228}" destId="{1A0BED00-428A-4143-A6E6-7058B43EE6E3}" srcOrd="2" destOrd="0" presId="urn:microsoft.com/office/officeart/2005/8/layout/chevron1"/>
@@ -1138,14 +2163,334 @@
   <dgm:whole/>
   <dgm:extLst>
     <a:ext uri="http://schemas.microsoft.com/office/drawing/2008/diagram">
-      <dsp:dataModelExt xmlns:dsp="http://schemas.microsoft.com/office/drawing/2008/diagram" relId="rId6" minVer="http://schemas.openxmlformats.org/drawingml/2006/diagram"/>
+      <dsp:dataModelExt xmlns:dsp="http://schemas.microsoft.com/office/drawing/2008/diagram" xmlns="" relId="rId7" minVer="http://schemas.openxmlformats.org/drawingml/2006/diagram"/>
     </a:ext>
   </dgm:extLst>
 </dgm:dataModel>
 </file>
 
 <file path=ppt/diagrams/drawing1.xml><?xml version="1.0" encoding="utf-8"?>
-<dsp:drawing xmlns:dgm="http://schemas.openxmlformats.org/drawingml/2006/diagram" xmlns:dsp="http://schemas.microsoft.com/office/drawing/2008/diagram" xmlns:a="http://schemas.openxmlformats.org/drawingml/2006/main">
+<dsp:drawing xmlns:dgm="http://schemas.openxmlformats.org/drawingml/2006/diagram" xmlns:a="http://schemas.openxmlformats.org/drawingml/2006/main" xmlns:dsp="http://schemas.microsoft.com/office/drawing/2008/diagram">
+  <dsp:spTree>
+    <dsp:nvGrpSpPr>
+      <dsp:cNvPr id="0" name=""/>
+      <dsp:cNvGrpSpPr/>
+    </dsp:nvGrpSpPr>
+    <dsp:grpSpPr/>
+    <dsp:sp modelId="{2B535912-FFB7-4908-8C3B-3E30209641D3}">
+      <dsp:nvSpPr>
+        <dsp:cNvPr id="0" name=""/>
+        <dsp:cNvSpPr/>
+      </dsp:nvSpPr>
+      <dsp:spPr>
+        <a:xfrm>
+          <a:off x="329" y="0"/>
+          <a:ext cx="1510043" cy="288001"/>
+        </a:xfrm>
+        <a:prstGeom prst="chevron">
+          <a:avLst/>
+        </a:prstGeom>
+        <a:solidFill>
+          <a:schemeClr val="accent1">
+            <a:hueOff val="0"/>
+            <a:satOff val="0"/>
+            <a:lumOff val="0"/>
+            <a:alphaOff val="0"/>
+          </a:schemeClr>
+        </a:solidFill>
+        <a:ln w="25400" cap="flat" cmpd="sng" algn="ctr">
+          <a:solidFill>
+            <a:schemeClr val="lt1">
+              <a:hueOff val="0"/>
+              <a:satOff val="0"/>
+              <a:lumOff val="0"/>
+              <a:alphaOff val="0"/>
+            </a:schemeClr>
+          </a:solidFill>
+          <a:prstDash val="solid"/>
+        </a:ln>
+        <a:effectLst/>
+      </dsp:spPr>
+      <dsp:style>
+        <a:lnRef idx="2">
+          <a:scrgbClr r="0" g="0" b="0"/>
+        </a:lnRef>
+        <a:fillRef idx="1">
+          <a:scrgbClr r="0" g="0" b="0"/>
+        </a:fillRef>
+        <a:effectRef idx="0">
+          <a:scrgbClr r="0" g="0" b="0"/>
+        </a:effectRef>
+        <a:fontRef idx="minor">
+          <a:schemeClr val="lt1"/>
+        </a:fontRef>
+      </dsp:style>
+      <dsp:txBody>
+        <a:bodyPr spcFirstLastPara="0" vert="horz" wrap="square" lIns="64008" tIns="21336" rIns="21336" bIns="21336" numCol="1" spcCol="1270" anchor="ctr" anchorCtr="0">
+          <a:noAutofit/>
+        </a:bodyPr>
+        <a:lstStyle/>
+        <a:p>
+          <a:pPr lvl="0" algn="ctr" defTabSz="711200">
+            <a:lnSpc>
+              <a:spcPct val="90000"/>
+            </a:lnSpc>
+            <a:spcBef>
+              <a:spcPct val="0"/>
+            </a:spcBef>
+            <a:spcAft>
+              <a:spcPct val="35000"/>
+            </a:spcAft>
+          </a:pPr>
+          <a:r>
+            <a:rPr lang="de-DE" sz="1600" kern="1200" dirty="0" smtClean="0"/>
+            <a:t>Development</a:t>
+          </a:r>
+          <a:endParaRPr lang="en-US" sz="1600" kern="1200" dirty="0"/>
+        </a:p>
+      </dsp:txBody>
+      <dsp:txXfrm>
+        <a:off x="329" y="0"/>
+        <a:ext cx="1510043" cy="288001"/>
+      </dsp:txXfrm>
+    </dsp:sp>
+    <dsp:sp modelId="{1A0BED00-428A-4143-A6E6-7058B43EE6E3}">
+      <dsp:nvSpPr>
+        <dsp:cNvPr id="0" name=""/>
+        <dsp:cNvSpPr/>
+      </dsp:nvSpPr>
+      <dsp:spPr>
+        <a:xfrm>
+          <a:off x="1359369" y="0"/>
+          <a:ext cx="1510043" cy="288001"/>
+        </a:xfrm>
+        <a:prstGeom prst="chevron">
+          <a:avLst/>
+        </a:prstGeom>
+        <a:solidFill>
+          <a:schemeClr val="accent1">
+            <a:hueOff val="0"/>
+            <a:satOff val="0"/>
+            <a:lumOff val="0"/>
+            <a:alphaOff val="0"/>
+          </a:schemeClr>
+        </a:solidFill>
+        <a:ln w="25400" cap="flat" cmpd="sng" algn="ctr">
+          <a:solidFill>
+            <a:schemeClr val="lt1">
+              <a:hueOff val="0"/>
+              <a:satOff val="0"/>
+              <a:lumOff val="0"/>
+              <a:alphaOff val="0"/>
+            </a:schemeClr>
+          </a:solidFill>
+          <a:prstDash val="solid"/>
+        </a:ln>
+        <a:effectLst/>
+      </dsp:spPr>
+      <dsp:style>
+        <a:lnRef idx="2">
+          <a:scrgbClr r="0" g="0" b="0"/>
+        </a:lnRef>
+        <a:fillRef idx="1">
+          <a:scrgbClr r="0" g="0" b="0"/>
+        </a:fillRef>
+        <a:effectRef idx="0">
+          <a:scrgbClr r="0" g="0" b="0"/>
+        </a:effectRef>
+        <a:fontRef idx="minor">
+          <a:schemeClr val="lt1"/>
+        </a:fontRef>
+      </dsp:style>
+      <dsp:txBody>
+        <a:bodyPr spcFirstLastPara="0" vert="horz" wrap="square" lIns="64008" tIns="21336" rIns="21336" bIns="21336" numCol="1" spcCol="1270" anchor="ctr" anchorCtr="0">
+          <a:noAutofit/>
+        </a:bodyPr>
+        <a:lstStyle/>
+        <a:p>
+          <a:pPr lvl="0" algn="ctr" defTabSz="711200">
+            <a:lnSpc>
+              <a:spcPct val="90000"/>
+            </a:lnSpc>
+            <a:spcBef>
+              <a:spcPct val="0"/>
+            </a:spcBef>
+            <a:spcAft>
+              <a:spcPct val="35000"/>
+            </a:spcAft>
+          </a:pPr>
+          <a:r>
+            <a:rPr lang="de-DE" sz="1600" kern="1200" dirty="0" err="1" smtClean="0"/>
+            <a:t>Testing</a:t>
+          </a:r>
+          <a:endParaRPr lang="en-US" sz="1600" kern="1200" dirty="0"/>
+        </a:p>
+      </dsp:txBody>
+      <dsp:txXfrm>
+        <a:off x="1359369" y="0"/>
+        <a:ext cx="1510043" cy="288001"/>
+      </dsp:txXfrm>
+    </dsp:sp>
+    <dsp:sp modelId="{01FCF690-3A52-4BF2-9135-B54D20ED08E1}">
+      <dsp:nvSpPr>
+        <dsp:cNvPr id="0" name=""/>
+        <dsp:cNvSpPr/>
+      </dsp:nvSpPr>
+      <dsp:spPr>
+        <a:xfrm>
+          <a:off x="2718408" y="0"/>
+          <a:ext cx="1510043" cy="288001"/>
+        </a:xfrm>
+        <a:prstGeom prst="chevron">
+          <a:avLst/>
+        </a:prstGeom>
+        <a:solidFill>
+          <a:schemeClr val="accent1">
+            <a:hueOff val="0"/>
+            <a:satOff val="0"/>
+            <a:lumOff val="0"/>
+            <a:alphaOff val="0"/>
+          </a:schemeClr>
+        </a:solidFill>
+        <a:ln w="25400" cap="flat" cmpd="sng" algn="ctr">
+          <a:solidFill>
+            <a:schemeClr val="lt1">
+              <a:hueOff val="0"/>
+              <a:satOff val="0"/>
+              <a:lumOff val="0"/>
+              <a:alphaOff val="0"/>
+            </a:schemeClr>
+          </a:solidFill>
+          <a:prstDash val="solid"/>
+        </a:ln>
+        <a:effectLst/>
+      </dsp:spPr>
+      <dsp:style>
+        <a:lnRef idx="2">
+          <a:scrgbClr r="0" g="0" b="0"/>
+        </a:lnRef>
+        <a:fillRef idx="1">
+          <a:scrgbClr r="0" g="0" b="0"/>
+        </a:fillRef>
+        <a:effectRef idx="0">
+          <a:scrgbClr r="0" g="0" b="0"/>
+        </a:effectRef>
+        <a:fontRef idx="minor">
+          <a:schemeClr val="lt1"/>
+        </a:fontRef>
+      </dsp:style>
+      <dsp:txBody>
+        <a:bodyPr spcFirstLastPara="0" vert="horz" wrap="square" lIns="64008" tIns="21336" rIns="21336" bIns="21336" numCol="1" spcCol="1270" anchor="ctr" anchorCtr="0">
+          <a:noAutofit/>
+        </a:bodyPr>
+        <a:lstStyle/>
+        <a:p>
+          <a:pPr lvl="0" algn="ctr" defTabSz="711200">
+            <a:lnSpc>
+              <a:spcPct val="90000"/>
+            </a:lnSpc>
+            <a:spcBef>
+              <a:spcPct val="0"/>
+            </a:spcBef>
+            <a:spcAft>
+              <a:spcPct val="35000"/>
+            </a:spcAft>
+          </a:pPr>
+          <a:r>
+            <a:rPr lang="de-DE" sz="1600" kern="1200" dirty="0" err="1" smtClean="0"/>
+            <a:t>Building</a:t>
+          </a:r>
+          <a:endParaRPr lang="en-US" sz="1600" kern="1200" dirty="0"/>
+        </a:p>
+      </dsp:txBody>
+      <dsp:txXfrm>
+        <a:off x="2718408" y="0"/>
+        <a:ext cx="1510043" cy="288001"/>
+      </dsp:txXfrm>
+    </dsp:sp>
+    <dsp:sp modelId="{4B65C82B-1FAF-4964-93C3-3E28BC03D6B9}">
+      <dsp:nvSpPr>
+        <dsp:cNvPr id="0" name=""/>
+        <dsp:cNvSpPr/>
+      </dsp:nvSpPr>
+      <dsp:spPr>
+        <a:xfrm>
+          <a:off x="4077447" y="0"/>
+          <a:ext cx="2502157" cy="288001"/>
+        </a:xfrm>
+        <a:prstGeom prst="chevron">
+          <a:avLst/>
+        </a:prstGeom>
+        <a:solidFill>
+          <a:schemeClr val="accent1">
+            <a:hueOff val="0"/>
+            <a:satOff val="0"/>
+            <a:lumOff val="0"/>
+            <a:alphaOff val="0"/>
+          </a:schemeClr>
+        </a:solidFill>
+        <a:ln w="25400" cap="flat" cmpd="sng" algn="ctr">
+          <a:solidFill>
+            <a:schemeClr val="lt1">
+              <a:hueOff val="0"/>
+              <a:satOff val="0"/>
+              <a:lumOff val="0"/>
+              <a:alphaOff val="0"/>
+            </a:schemeClr>
+          </a:solidFill>
+          <a:prstDash val="solid"/>
+        </a:ln>
+        <a:effectLst/>
+      </dsp:spPr>
+      <dsp:style>
+        <a:lnRef idx="2">
+          <a:scrgbClr r="0" g="0" b="0"/>
+        </a:lnRef>
+        <a:fillRef idx="1">
+          <a:scrgbClr r="0" g="0" b="0"/>
+        </a:fillRef>
+        <a:effectRef idx="0">
+          <a:scrgbClr r="0" g="0" b="0"/>
+        </a:effectRef>
+        <a:fontRef idx="minor">
+          <a:schemeClr val="lt1"/>
+        </a:fontRef>
+      </dsp:style>
+      <dsp:txBody>
+        <a:bodyPr spcFirstLastPara="0" vert="horz" wrap="square" lIns="64008" tIns="21336" rIns="21336" bIns="21336" numCol="1" spcCol="1270" anchor="ctr" anchorCtr="0">
+          <a:noAutofit/>
+        </a:bodyPr>
+        <a:lstStyle/>
+        <a:p>
+          <a:pPr lvl="0" algn="ctr" defTabSz="711200">
+            <a:lnSpc>
+              <a:spcPct val="90000"/>
+            </a:lnSpc>
+            <a:spcBef>
+              <a:spcPct val="0"/>
+            </a:spcBef>
+            <a:spcAft>
+              <a:spcPct val="35000"/>
+            </a:spcAft>
+          </a:pPr>
+          <a:r>
+            <a:rPr lang="de-DE" sz="1600" kern="1200" dirty="0" err="1" smtClean="0"/>
+            <a:t>Deployment</a:t>
+          </a:r>
+          <a:endParaRPr lang="en-US" sz="1600" kern="1200" dirty="0"/>
+        </a:p>
+      </dsp:txBody>
+      <dsp:txXfrm>
+        <a:off x="4077447" y="0"/>
+        <a:ext cx="2502157" cy="288001"/>
+      </dsp:txXfrm>
+    </dsp:sp>
+  </dsp:spTree>
+</dsp:drawing>
+</file>
+
+<file path=ppt/diagrams/drawing2.xml><?xml version="1.0" encoding="utf-8"?>
+<dsp:drawing xmlns:dgm="http://schemas.openxmlformats.org/drawingml/2006/diagram" xmlns:a="http://schemas.openxmlformats.org/drawingml/2006/main" xmlns:dsp="http://schemas.microsoft.com/office/drawing/2008/diagram">
   <dsp:spTree>
     <dsp:nvGrpSpPr>
       <dsp:cNvPr id="0" name=""/>
@@ -1160,7 +2505,7 @@
       <dsp:spPr>
         <a:xfrm>
           <a:off x="2626" y="0"/>
-          <a:ext cx="1529188" cy="288000"/>
+          <a:ext cx="1529188" cy="288001"/>
         </a:xfrm>
         <a:prstGeom prst="chevron">
           <a:avLst/>
@@ -1225,8 +2570,8 @@
         </a:p>
       </dsp:txBody>
       <dsp:txXfrm>
-        <a:off x="146626" y="0"/>
-        <a:ext cx="1241188" cy="288000"/>
+        <a:off x="2626" y="0"/>
+        <a:ext cx="1529188" cy="288001"/>
       </dsp:txXfrm>
     </dsp:sp>
     <dsp:sp modelId="{1A0BED00-428A-4143-A6E6-7058B43EE6E3}">
@@ -1237,7 +2582,7 @@
       <dsp:spPr>
         <a:xfrm>
           <a:off x="1378897" y="0"/>
-          <a:ext cx="1529188" cy="288000"/>
+          <a:ext cx="1529188" cy="288001"/>
         </a:xfrm>
         <a:prstGeom prst="chevron">
           <a:avLst/>
@@ -1302,8 +2647,8 @@
         </a:p>
       </dsp:txBody>
       <dsp:txXfrm>
-        <a:off x="1522897" y="0"/>
-        <a:ext cx="1241188" cy="288000"/>
+        <a:off x="1378897" y="0"/>
+        <a:ext cx="1529188" cy="288001"/>
       </dsp:txXfrm>
     </dsp:sp>
     <dsp:sp modelId="{01FCF690-3A52-4BF2-9135-B54D20ED08E1}">
@@ -1314,7 +2659,7 @@
       <dsp:spPr>
         <a:xfrm>
           <a:off x="2755167" y="0"/>
-          <a:ext cx="1529188" cy="288000"/>
+          <a:ext cx="1529188" cy="288001"/>
         </a:xfrm>
         <a:prstGeom prst="chevron">
           <a:avLst/>
@@ -1379,8 +2724,8 @@
         </a:p>
       </dsp:txBody>
       <dsp:txXfrm>
-        <a:off x="2899167" y="0"/>
-        <a:ext cx="1241188" cy="288000"/>
+        <a:off x="2755167" y="0"/>
+        <a:ext cx="1529188" cy="288001"/>
       </dsp:txXfrm>
     </dsp:sp>
     <dsp:sp modelId="{4B65C82B-1FAF-4964-93C3-3E28BC03D6B9}">
@@ -1391,7 +2736,7 @@
       <dsp:spPr>
         <a:xfrm>
           <a:off x="4131437" y="0"/>
-          <a:ext cx="1529188" cy="288000"/>
+          <a:ext cx="1529188" cy="288001"/>
         </a:xfrm>
         <a:prstGeom prst="chevron">
           <a:avLst/>
@@ -1456,8 +2801,8 @@
         </a:p>
       </dsp:txBody>
       <dsp:txXfrm>
-        <a:off x="4275437" y="0"/>
-        <a:ext cx="1241188" cy="288000"/>
+        <a:off x="4131437" y="0"/>
+        <a:ext cx="1529188" cy="288001"/>
       </dsp:txXfrm>
     </dsp:sp>
   </dsp:spTree>
@@ -1465,6 +2810,289 @@
 </file>
 
 <file path=ppt/diagrams/layout1.xml><?xml version="1.0" encoding="utf-8"?>
+<dgm:layoutDef xmlns:dgm="http://schemas.openxmlformats.org/drawingml/2006/diagram" xmlns:a="http://schemas.openxmlformats.org/drawingml/2006/main" uniqueId="urn:microsoft.com/office/officeart/2005/8/layout/chevron1">
+  <dgm:title val=""/>
+  <dgm:desc val=""/>
+  <dgm:catLst>
+    <dgm:cat type="process" pri="9000"/>
+  </dgm:catLst>
+  <dgm:sampData useDef="1">
+    <dgm:dataModel>
+      <dgm:ptLst/>
+      <dgm:bg/>
+      <dgm:whole/>
+    </dgm:dataModel>
+  </dgm:sampData>
+  <dgm:styleData>
+    <dgm:dataModel>
+      <dgm:ptLst>
+        <dgm:pt modelId="0" type="doc"/>
+        <dgm:pt modelId="1"/>
+        <dgm:pt modelId="2"/>
+      </dgm:ptLst>
+      <dgm:cxnLst>
+        <dgm:cxn modelId="3" srcId="0" destId="1" srcOrd="0" destOrd="0"/>
+        <dgm:cxn modelId="4" srcId="0" destId="2" srcOrd="1" destOrd="0"/>
+      </dgm:cxnLst>
+      <dgm:bg/>
+      <dgm:whole/>
+    </dgm:dataModel>
+  </dgm:styleData>
+  <dgm:clrData>
+    <dgm:dataModel>
+      <dgm:ptLst>
+        <dgm:pt modelId="0" type="doc"/>
+        <dgm:pt modelId="1"/>
+        <dgm:pt modelId="2"/>
+        <dgm:pt modelId="3"/>
+        <dgm:pt modelId="4"/>
+      </dgm:ptLst>
+      <dgm:cxnLst>
+        <dgm:cxn modelId="5" srcId="0" destId="1" srcOrd="0" destOrd="0"/>
+        <dgm:cxn modelId="6" srcId="0" destId="2" srcOrd="1" destOrd="0"/>
+        <dgm:cxn modelId="7" srcId="0" destId="3" srcOrd="2" destOrd="0"/>
+        <dgm:cxn modelId="8" srcId="0" destId="4" srcOrd="3" destOrd="0"/>
+      </dgm:cxnLst>
+      <dgm:bg/>
+      <dgm:whole/>
+    </dgm:dataModel>
+  </dgm:clrData>
+  <dgm:layoutNode name="Name0">
+    <dgm:varLst>
+      <dgm:dir/>
+      <dgm:animLvl val="lvl"/>
+      <dgm:resizeHandles val="exact"/>
+    </dgm:varLst>
+    <dgm:choose name="Name1">
+      <dgm:if name="Name2" func="var" arg="dir" op="equ" val="norm">
+        <dgm:alg type="lin"/>
+      </dgm:if>
+      <dgm:else name="Name3">
+        <dgm:alg type="lin">
+          <dgm:param type="linDir" val="fromR"/>
+        </dgm:alg>
+      </dgm:else>
+    </dgm:choose>
+    <dgm:shape xmlns:r="http://schemas.openxmlformats.org/officeDocument/2006/relationships" r:blip="">
+      <dgm:adjLst/>
+    </dgm:shape>
+    <dgm:presOf/>
+    <dgm:choose name="Name4">
+      <dgm:if name="Name5" axis="des" func="maxDepth" op="gte" val="2">
+        <dgm:constrLst>
+          <dgm:constr type="h" for="ch" forName="composite" refType="h"/>
+          <dgm:constr type="w" for="ch" forName="composite" refType="w"/>
+          <dgm:constr type="w" for="des" forName="parTx"/>
+          <dgm:constr type="h" for="des" forName="parTx" op="equ"/>
+          <dgm:constr type="w" for="des" forName="desTx"/>
+          <dgm:constr type="h" for="des" forName="desTx" op="equ"/>
+          <dgm:constr type="primFontSz" for="des" forName="parTx" val="65"/>
+          <dgm:constr type="secFontSz" for="des" forName="desTx" refType="primFontSz" refFor="des" refForName="parTx" op="equ"/>
+          <dgm:constr type="h" for="des" forName="parTx" refType="primFontSz" refFor="des" refForName="parTx" fact="1.5"/>
+          <dgm:constr type="h" for="des" forName="desTx" refType="primFontSz" refFor="des" refForName="parTx" fact="0.5"/>
+          <dgm:constr type="w" for="ch" forName="space" op="equ" val="-6"/>
+        </dgm:constrLst>
+        <dgm:ruleLst>
+          <dgm:rule type="w" for="ch" forName="composite" val="0" fact="NaN" max="NaN"/>
+          <dgm:rule type="primFontSz" for="des" forName="parTx" val="5" fact="NaN" max="NaN"/>
+        </dgm:ruleLst>
+        <dgm:forEach name="Name6" axis="ch" ptType="node">
+          <dgm:layoutNode name="composite">
+            <dgm:alg type="composite"/>
+            <dgm:shape xmlns:r="http://schemas.openxmlformats.org/officeDocument/2006/relationships" r:blip="">
+              <dgm:adjLst/>
+            </dgm:shape>
+            <dgm:presOf/>
+            <dgm:choose name="Name7">
+              <dgm:if name="Name8" func="var" arg="dir" op="equ" val="norm">
+                <dgm:constrLst>
+                  <dgm:constr type="l" for="ch" forName="parTx"/>
+                  <dgm:constr type="w" for="ch" forName="parTx" refType="w"/>
+                  <dgm:constr type="t" for="ch" forName="parTx"/>
+                  <dgm:constr type="l" for="ch" forName="desTx"/>
+                  <dgm:constr type="w" for="ch" forName="desTx" refType="w" refFor="ch" refForName="parTx" fact="0.8"/>
+                  <dgm:constr type="t" for="ch" forName="desTx" refType="h" refFor="ch" refForName="parTx" fact="1.125"/>
+                </dgm:constrLst>
+              </dgm:if>
+              <dgm:else name="Name9">
+                <dgm:constrLst>
+                  <dgm:constr type="l" for="ch" forName="parTx"/>
+                  <dgm:constr type="w" for="ch" forName="parTx" refType="w"/>
+                  <dgm:constr type="t" for="ch" forName="parTx"/>
+                  <dgm:constr type="l" for="ch" forName="desTx" refType="w" fact="0.2"/>
+                  <dgm:constr type="w" for="ch" forName="desTx" refType="w" refFor="ch" refForName="parTx" fact="0.8"/>
+                  <dgm:constr type="t" for="ch" forName="desTx" refType="h" refFor="ch" refForName="parTx" fact="1.125"/>
+                </dgm:constrLst>
+              </dgm:else>
+            </dgm:choose>
+            <dgm:ruleLst>
+              <dgm:rule type="h" val="INF" fact="NaN" max="NaN"/>
+            </dgm:ruleLst>
+            <dgm:layoutNode name="parTx">
+              <dgm:varLst>
+                <dgm:chMax val="0"/>
+                <dgm:chPref val="0"/>
+                <dgm:bulletEnabled val="1"/>
+              </dgm:varLst>
+              <dgm:alg type="tx"/>
+              <dgm:choose name="Name10">
+                <dgm:if name="Name11" func="var" arg="dir" op="equ" val="norm">
+                  <dgm:shape xmlns:r="http://schemas.openxmlformats.org/officeDocument/2006/relationships" type="chevron" r:blip="">
+                    <dgm:adjLst/>
+                  </dgm:shape>
+                </dgm:if>
+                <dgm:else name="Name12">
+                  <dgm:shape xmlns:r="http://schemas.openxmlformats.org/officeDocument/2006/relationships" rot="180" type="chevron" r:blip="">
+                    <dgm:adjLst/>
+                  </dgm:shape>
+                </dgm:else>
+              </dgm:choose>
+              <dgm:presOf axis="self" ptType="node"/>
+              <dgm:choose name="Name13">
+                <dgm:if name="Name14" func="var" arg="dir" op="equ" val="norm">
+                  <dgm:constrLst>
+                    <dgm:constr type="h" refType="w" op="lte" fact="0.4"/>
+                    <dgm:constr type="h"/>
+                    <dgm:constr type="tMarg" refType="primFontSz" fact="0.105"/>
+                    <dgm:constr type="bMarg" refType="primFontSz" fact="0.105"/>
+                    <dgm:constr type="lMarg" refType="primFontSz" fact="0.315"/>
+                    <dgm:constr type="rMarg" refType="primFontSz" fact="0.105"/>
+                  </dgm:constrLst>
+                </dgm:if>
+                <dgm:else name="Name15">
+                  <dgm:constrLst>
+                    <dgm:constr type="h" refType="w" op="lte" fact="0.4"/>
+                    <dgm:constr type="h"/>
+                    <dgm:constr type="tMarg" refType="primFontSz" fact="0.105"/>
+                    <dgm:constr type="bMarg" refType="primFontSz" fact="0.105"/>
+                    <dgm:constr type="lMarg" refType="primFontSz" fact="0.105"/>
+                    <dgm:constr type="rMarg" refType="primFontSz" fact="0.315"/>
+                  </dgm:constrLst>
+                </dgm:else>
+              </dgm:choose>
+              <dgm:ruleLst>
+                <dgm:rule type="h" val="INF" fact="NaN" max="NaN"/>
+              </dgm:ruleLst>
+            </dgm:layoutNode>
+            <dgm:layoutNode name="desTx" styleLbl="revTx">
+              <dgm:varLst>
+                <dgm:bulletEnabled val="1"/>
+              </dgm:varLst>
+              <dgm:alg type="tx">
+                <dgm:param type="stBulletLvl" val="1"/>
+              </dgm:alg>
+              <dgm:choose name="Name16">
+                <dgm:if name="Name17" axis="ch" ptType="node" func="cnt" op="gte" val="1">
+                  <dgm:shape xmlns:r="http://schemas.openxmlformats.org/officeDocument/2006/relationships" type="rect" r:blip="">
+                    <dgm:adjLst/>
+                  </dgm:shape>
+                </dgm:if>
+                <dgm:else name="Name18">
+                  <dgm:shape xmlns:r="http://schemas.openxmlformats.org/officeDocument/2006/relationships" type="rect" r:blip="" hideGeom="1">
+                    <dgm:adjLst/>
+                  </dgm:shape>
+                </dgm:else>
+              </dgm:choose>
+              <dgm:presOf axis="des" ptType="node"/>
+              <dgm:constrLst>
+                <dgm:constr type="secFontSz" val="65"/>
+                <dgm:constr type="primFontSz" refType="secFontSz"/>
+                <dgm:constr type="h"/>
+                <dgm:constr type="tMarg"/>
+                <dgm:constr type="bMarg"/>
+                <dgm:constr type="rMarg"/>
+                <dgm:constr type="lMarg"/>
+              </dgm:constrLst>
+              <dgm:ruleLst>
+                <dgm:rule type="h" val="INF" fact="NaN" max="NaN"/>
+              </dgm:ruleLst>
+            </dgm:layoutNode>
+          </dgm:layoutNode>
+          <dgm:forEach name="Name19" axis="followSib" ptType="sibTrans" cnt="1">
+            <dgm:layoutNode name="space">
+              <dgm:alg type="sp"/>
+              <dgm:shape xmlns:r="http://schemas.openxmlformats.org/officeDocument/2006/relationships" r:blip="">
+                <dgm:adjLst/>
+              </dgm:shape>
+              <dgm:presOf/>
+              <dgm:constrLst/>
+              <dgm:ruleLst/>
+            </dgm:layoutNode>
+          </dgm:forEach>
+        </dgm:forEach>
+      </dgm:if>
+      <dgm:else name="Name20">
+        <dgm:constrLst>
+          <dgm:constr type="w" for="ch" forName="parTxOnly" refType="w"/>
+          <dgm:constr type="h" for="des" forName="parTxOnly" op="equ"/>
+          <dgm:constr type="primFontSz" for="des" forName="parTxOnly" op="equ" val="65"/>
+          <dgm:constr type="w" for="ch" forName="parTxOnlySpace" refType="w" refFor="ch" refForName="parTxOnly" fact="-0.1"/>
+        </dgm:constrLst>
+        <dgm:ruleLst/>
+        <dgm:forEach name="Name21" axis="ch" ptType="node">
+          <dgm:layoutNode name="parTxOnly">
+            <dgm:varLst>
+              <dgm:chMax val="0"/>
+              <dgm:chPref val="0"/>
+              <dgm:bulletEnabled val="1"/>
+            </dgm:varLst>
+            <dgm:alg type="tx"/>
+            <dgm:choose name="Name22">
+              <dgm:if name="Name23" func="var" arg="dir" op="equ" val="norm">
+                <dgm:shape xmlns:r="http://schemas.openxmlformats.org/officeDocument/2006/relationships" type="chevron" r:blip="">
+                  <dgm:adjLst/>
+                </dgm:shape>
+              </dgm:if>
+              <dgm:else name="Name24">
+                <dgm:shape xmlns:r="http://schemas.openxmlformats.org/officeDocument/2006/relationships" rot="180" type="chevron" r:blip="">
+                  <dgm:adjLst/>
+                </dgm:shape>
+              </dgm:else>
+            </dgm:choose>
+            <dgm:presOf axis="self" ptType="node"/>
+            <dgm:choose name="Name25">
+              <dgm:if name="Name26" func="var" arg="dir" op="equ" val="norm">
+                <dgm:constrLst>
+                  <dgm:constr type="h" refType="w" op="equ" fact="0.4"/>
+                  <dgm:constr type="tMarg" refType="primFontSz" fact="0.105"/>
+                  <dgm:constr type="bMarg" refType="primFontSz" fact="0.105"/>
+                  <dgm:constr type="lMarg" refType="primFontSz" fact="0.315"/>
+                  <dgm:constr type="rMarg" refType="primFontSz" fact="0.105"/>
+                </dgm:constrLst>
+              </dgm:if>
+              <dgm:else name="Name27">
+                <dgm:constrLst>
+                  <dgm:constr type="h" refType="w" op="equ" fact="0.4"/>
+                  <dgm:constr type="tMarg" refType="primFontSz" fact="0.105"/>
+                  <dgm:constr type="bMarg" refType="primFontSz" fact="0.105"/>
+                  <dgm:constr type="lMarg" refType="primFontSz" fact="0.105"/>
+                  <dgm:constr type="rMarg" refType="primFontSz" fact="0.315"/>
+                </dgm:constrLst>
+              </dgm:else>
+            </dgm:choose>
+            <dgm:ruleLst>
+              <dgm:rule type="primFontSz" val="5" fact="NaN" max="NaN"/>
+            </dgm:ruleLst>
+          </dgm:layoutNode>
+          <dgm:forEach name="Name28" axis="followSib" ptType="sibTrans" cnt="1">
+            <dgm:layoutNode name="parTxOnlySpace">
+              <dgm:alg type="sp"/>
+              <dgm:shape xmlns:r="http://schemas.openxmlformats.org/officeDocument/2006/relationships" r:blip="">
+                <dgm:adjLst/>
+              </dgm:shape>
+              <dgm:presOf/>
+              <dgm:constrLst/>
+              <dgm:ruleLst/>
+            </dgm:layoutNode>
+          </dgm:forEach>
+        </dgm:forEach>
+      </dgm:else>
+    </dgm:choose>
+  </dgm:layoutNode>
+</dgm:layoutDef>
+</file>
+
+<file path=ppt/diagrams/layout2.xml><?xml version="1.0" encoding="utf-8"?>
 <dgm:layoutDef xmlns:dgm="http://schemas.openxmlformats.org/drawingml/2006/diagram" xmlns:a="http://schemas.openxmlformats.org/drawingml/2006/main" uniqueId="urn:microsoft.com/office/officeart/2005/8/layout/chevron1">
   <dgm:title val=""/>
   <dgm:desc val=""/>
@@ -2781,6 +4409,1549 @@
 </dgm:styleDef>
 </file>
 
+<file path=ppt/diagrams/quickStyle2.xml><?xml version="1.0" encoding="utf-8"?>
+<dgm:styleDef xmlns:dgm="http://schemas.openxmlformats.org/drawingml/2006/diagram" xmlns:a="http://schemas.openxmlformats.org/drawingml/2006/main" uniqueId="urn:microsoft.com/office/officeart/2005/8/quickstyle/simple1">
+  <dgm:title val=""/>
+  <dgm:desc val=""/>
+  <dgm:catLst>
+    <dgm:cat type="simple" pri="10100"/>
+  </dgm:catLst>
+  <dgm:scene3d>
+    <a:camera prst="orthographicFront"/>
+    <a:lightRig rig="threePt" dir="t"/>
+  </dgm:scene3d>
+  <dgm:styleLbl name="node0">
+    <dgm:scene3d>
+      <a:camera prst="orthographicFront"/>
+      <a:lightRig rig="threePt" dir="t"/>
+    </dgm:scene3d>
+    <dgm:sp3d/>
+    <dgm:txPr/>
+    <dgm:style>
+      <a:lnRef idx="2">
+        <a:scrgbClr r="0" g="0" b="0"/>
+      </a:lnRef>
+      <a:fillRef idx="1">
+        <a:scrgbClr r="0" g="0" b="0"/>
+      </a:fillRef>
+      <a:effectRef idx="0">
+        <a:scrgbClr r="0" g="0" b="0"/>
+      </a:effectRef>
+      <a:fontRef idx="minor">
+        <a:schemeClr val="lt1"/>
+      </a:fontRef>
+    </dgm:style>
+  </dgm:styleLbl>
+  <dgm:styleLbl name="lnNode1">
+    <dgm:scene3d>
+      <a:camera prst="orthographicFront"/>
+      <a:lightRig rig="threePt" dir="t"/>
+    </dgm:scene3d>
+    <dgm:sp3d/>
+    <dgm:txPr/>
+    <dgm:style>
+      <a:lnRef idx="2">
+        <a:scrgbClr r="0" g="0" b="0"/>
+      </a:lnRef>
+      <a:fillRef idx="1">
+        <a:scrgbClr r="0" g="0" b="0"/>
+      </a:fillRef>
+      <a:effectRef idx="0">
+        <a:scrgbClr r="0" g="0" b="0"/>
+      </a:effectRef>
+      <a:fontRef idx="minor">
+        <a:schemeClr val="lt1"/>
+      </a:fontRef>
+    </dgm:style>
+  </dgm:styleLbl>
+  <dgm:styleLbl name="vennNode1">
+    <dgm:scene3d>
+      <a:camera prst="orthographicFront"/>
+      <a:lightRig rig="threePt" dir="t"/>
+    </dgm:scene3d>
+    <dgm:sp3d/>
+    <dgm:txPr/>
+    <dgm:style>
+      <a:lnRef idx="2">
+        <a:scrgbClr r="0" g="0" b="0"/>
+      </a:lnRef>
+      <a:fillRef idx="1">
+        <a:scrgbClr r="0" g="0" b="0"/>
+      </a:fillRef>
+      <a:effectRef idx="0">
+        <a:scrgbClr r="0" g="0" b="0"/>
+      </a:effectRef>
+      <a:fontRef idx="minor">
+        <a:schemeClr val="tx1"/>
+      </a:fontRef>
+    </dgm:style>
+  </dgm:styleLbl>
+  <dgm:styleLbl name="alignNode1">
+    <dgm:scene3d>
+      <a:camera prst="orthographicFront"/>
+      <a:lightRig rig="threePt" dir="t"/>
+    </dgm:scene3d>
+    <dgm:sp3d/>
+    <dgm:txPr/>
+    <dgm:style>
+      <a:lnRef idx="2">
+        <a:scrgbClr r="0" g="0" b="0"/>
+      </a:lnRef>
+      <a:fillRef idx="1">
+        <a:scrgbClr r="0" g="0" b="0"/>
+      </a:fillRef>
+      <a:effectRef idx="0">
+        <a:scrgbClr r="0" g="0" b="0"/>
+      </a:effectRef>
+      <a:fontRef idx="minor">
+        <a:schemeClr val="lt1"/>
+      </a:fontRef>
+    </dgm:style>
+  </dgm:styleLbl>
+  <dgm:styleLbl name="node1">
+    <dgm:scene3d>
+      <a:camera prst="orthographicFront"/>
+      <a:lightRig rig="threePt" dir="t"/>
+    </dgm:scene3d>
+    <dgm:sp3d/>
+    <dgm:txPr/>
+    <dgm:style>
+      <a:lnRef idx="2">
+        <a:scrgbClr r="0" g="0" b="0"/>
+      </a:lnRef>
+      <a:fillRef idx="1">
+        <a:scrgbClr r="0" g="0" b="0"/>
+      </a:fillRef>
+      <a:effectRef idx="0">
+        <a:scrgbClr r="0" g="0" b="0"/>
+      </a:effectRef>
+      <a:fontRef idx="minor">
+        <a:schemeClr val="lt1"/>
+      </a:fontRef>
+    </dgm:style>
+  </dgm:styleLbl>
+  <dgm:styleLbl name="node2">
+    <dgm:scene3d>
+      <a:camera prst="orthographicFront"/>
+      <a:lightRig rig="threePt" dir="t"/>
+    </dgm:scene3d>
+    <dgm:sp3d/>
+    <dgm:txPr/>
+    <dgm:style>
+      <a:lnRef idx="2">
+        <a:scrgbClr r="0" g="0" b="0"/>
+      </a:lnRef>
+      <a:fillRef idx="1">
+        <a:scrgbClr r="0" g="0" b="0"/>
+      </a:fillRef>
+      <a:effectRef idx="0">
+        <a:scrgbClr r="0" g="0" b="0"/>
+      </a:effectRef>
+      <a:fontRef idx="minor">
+        <a:schemeClr val="lt1"/>
+      </a:fontRef>
+    </dgm:style>
+  </dgm:styleLbl>
+  <dgm:styleLbl name="node3">
+    <dgm:scene3d>
+      <a:camera prst="orthographicFront"/>
+      <a:lightRig rig="threePt" dir="t"/>
+    </dgm:scene3d>
+    <dgm:sp3d/>
+    <dgm:txPr/>
+    <dgm:style>
+      <a:lnRef idx="2">
+        <a:scrgbClr r="0" g="0" b="0"/>
+      </a:lnRef>
+      <a:fillRef idx="1">
+        <a:scrgbClr r="0" g="0" b="0"/>
+      </a:fillRef>
+      <a:effectRef idx="0">
+        <a:scrgbClr r="0" g="0" b="0"/>
+      </a:effectRef>
+      <a:fontRef idx="minor">
+        <a:schemeClr val="lt1"/>
+      </a:fontRef>
+    </dgm:style>
+  </dgm:styleLbl>
+  <dgm:styleLbl name="node4">
+    <dgm:scene3d>
+      <a:camera prst="orthographicFront"/>
+      <a:lightRig rig="threePt" dir="t"/>
+    </dgm:scene3d>
+    <dgm:sp3d/>
+    <dgm:txPr/>
+    <dgm:style>
+      <a:lnRef idx="2">
+        <a:scrgbClr r="0" g="0" b="0"/>
+      </a:lnRef>
+      <a:fillRef idx="1">
+        <a:scrgbClr r="0" g="0" b="0"/>
+      </a:fillRef>
+      <a:effectRef idx="0">
+        <a:scrgbClr r="0" g="0" b="0"/>
+      </a:effectRef>
+      <a:fontRef idx="minor">
+        <a:schemeClr val="lt1"/>
+      </a:fontRef>
+    </dgm:style>
+  </dgm:styleLbl>
+  <dgm:styleLbl name="fgImgPlace1">
+    <dgm:scene3d>
+      <a:camera prst="orthographicFront"/>
+      <a:lightRig rig="threePt" dir="t"/>
+    </dgm:scene3d>
+    <dgm:sp3d/>
+    <dgm:txPr/>
+    <dgm:style>
+      <a:lnRef idx="2">
+        <a:scrgbClr r="0" g="0" b="0"/>
+      </a:lnRef>
+      <a:fillRef idx="1">
+        <a:scrgbClr r="0" g="0" b="0"/>
+      </a:fillRef>
+      <a:effectRef idx="0">
+        <a:scrgbClr r="0" g="0" b="0"/>
+      </a:effectRef>
+      <a:fontRef idx="minor"/>
+    </dgm:style>
+  </dgm:styleLbl>
+  <dgm:styleLbl name="alignImgPlace1">
+    <dgm:scene3d>
+      <a:camera prst="orthographicFront"/>
+      <a:lightRig rig="threePt" dir="t"/>
+    </dgm:scene3d>
+    <dgm:sp3d/>
+    <dgm:txPr/>
+    <dgm:style>
+      <a:lnRef idx="2">
+        <a:scrgbClr r="0" g="0" b="0"/>
+      </a:lnRef>
+      <a:fillRef idx="1">
+        <a:scrgbClr r="0" g="0" b="0"/>
+      </a:fillRef>
+      <a:effectRef idx="0">
+        <a:scrgbClr r="0" g="0" b="0"/>
+      </a:effectRef>
+      <a:fontRef idx="minor"/>
+    </dgm:style>
+  </dgm:styleLbl>
+  <dgm:styleLbl name="bgImgPlace1">
+    <dgm:scene3d>
+      <a:camera prst="orthographicFront"/>
+      <a:lightRig rig="threePt" dir="t"/>
+    </dgm:scene3d>
+    <dgm:sp3d/>
+    <dgm:txPr/>
+    <dgm:style>
+      <a:lnRef idx="2">
+        <a:scrgbClr r="0" g="0" b="0"/>
+      </a:lnRef>
+      <a:fillRef idx="1">
+        <a:scrgbClr r="0" g="0" b="0"/>
+      </a:fillRef>
+      <a:effectRef idx="0">
+        <a:scrgbClr r="0" g="0" b="0"/>
+      </a:effectRef>
+      <a:fontRef idx="minor"/>
+    </dgm:style>
+  </dgm:styleLbl>
+  <dgm:styleLbl name="sibTrans2D1">
+    <dgm:scene3d>
+      <a:camera prst="orthographicFront"/>
+      <a:lightRig rig="threePt" dir="t"/>
+    </dgm:scene3d>
+    <dgm:sp3d/>
+    <dgm:txPr/>
+    <dgm:style>
+      <a:lnRef idx="0">
+        <a:scrgbClr r="0" g="0" b="0"/>
+      </a:lnRef>
+      <a:fillRef idx="1">
+        <a:scrgbClr r="0" g="0" b="0"/>
+      </a:fillRef>
+      <a:effectRef idx="0">
+        <a:scrgbClr r="0" g="0" b="0"/>
+      </a:effectRef>
+      <a:fontRef idx="minor">
+        <a:schemeClr val="lt1"/>
+      </a:fontRef>
+    </dgm:style>
+  </dgm:styleLbl>
+  <dgm:styleLbl name="fgSibTrans2D1">
+    <dgm:scene3d>
+      <a:camera prst="orthographicFront"/>
+      <a:lightRig rig="threePt" dir="t"/>
+    </dgm:scene3d>
+    <dgm:sp3d/>
+    <dgm:txPr/>
+    <dgm:style>
+      <a:lnRef idx="0">
+        <a:scrgbClr r="0" g="0" b="0"/>
+      </a:lnRef>
+      <a:fillRef idx="1">
+        <a:scrgbClr r="0" g="0" b="0"/>
+      </a:fillRef>
+      <a:effectRef idx="0">
+        <a:scrgbClr r="0" g="0" b="0"/>
+      </a:effectRef>
+      <a:fontRef idx="minor">
+        <a:schemeClr val="lt1"/>
+      </a:fontRef>
+    </dgm:style>
+  </dgm:styleLbl>
+  <dgm:styleLbl name="bgSibTrans2D1">
+    <dgm:scene3d>
+      <a:camera prst="orthographicFront"/>
+      <a:lightRig rig="threePt" dir="t"/>
+    </dgm:scene3d>
+    <dgm:sp3d/>
+    <dgm:txPr/>
+    <dgm:style>
+      <a:lnRef idx="0">
+        <a:scrgbClr r="0" g="0" b="0"/>
+      </a:lnRef>
+      <a:fillRef idx="1">
+        <a:scrgbClr r="0" g="0" b="0"/>
+      </a:fillRef>
+      <a:effectRef idx="0">
+        <a:scrgbClr r="0" g="0" b="0"/>
+      </a:effectRef>
+      <a:fontRef idx="minor">
+        <a:schemeClr val="lt1"/>
+      </a:fontRef>
+    </dgm:style>
+  </dgm:styleLbl>
+  <dgm:styleLbl name="sibTrans1D1">
+    <dgm:scene3d>
+      <a:camera prst="orthographicFront"/>
+      <a:lightRig rig="threePt" dir="t"/>
+    </dgm:scene3d>
+    <dgm:sp3d/>
+    <dgm:txPr/>
+    <dgm:style>
+      <a:lnRef idx="1">
+        <a:scrgbClr r="0" g="0" b="0"/>
+      </a:lnRef>
+      <a:fillRef idx="0">
+        <a:scrgbClr r="0" g="0" b="0"/>
+      </a:fillRef>
+      <a:effectRef idx="0">
+        <a:scrgbClr r="0" g="0" b="0"/>
+      </a:effectRef>
+      <a:fontRef idx="minor"/>
+    </dgm:style>
+  </dgm:styleLbl>
+  <dgm:styleLbl name="callout">
+    <dgm:scene3d>
+      <a:camera prst="orthographicFront"/>
+      <a:lightRig rig="threePt" dir="t"/>
+    </dgm:scene3d>
+    <dgm:sp3d/>
+    <dgm:txPr/>
+    <dgm:style>
+      <a:lnRef idx="2">
+        <a:scrgbClr r="0" g="0" b="0"/>
+      </a:lnRef>
+      <a:fillRef idx="1">
+        <a:scrgbClr r="0" g="0" b="0"/>
+      </a:fillRef>
+      <a:effectRef idx="0">
+        <a:scrgbClr r="0" g="0" b="0"/>
+      </a:effectRef>
+      <a:fontRef idx="minor"/>
+    </dgm:style>
+  </dgm:styleLbl>
+  <dgm:styleLbl name="asst0">
+    <dgm:scene3d>
+      <a:camera prst="orthographicFront"/>
+      <a:lightRig rig="threePt" dir="t"/>
+    </dgm:scene3d>
+    <dgm:sp3d/>
+    <dgm:txPr/>
+    <dgm:style>
+      <a:lnRef idx="2">
+        <a:scrgbClr r="0" g="0" b="0"/>
+      </a:lnRef>
+      <a:fillRef idx="1">
+        <a:scrgbClr r="0" g="0" b="0"/>
+      </a:fillRef>
+      <a:effectRef idx="0">
+        <a:scrgbClr r="0" g="0" b="0"/>
+      </a:effectRef>
+      <a:fontRef idx="minor">
+        <a:schemeClr val="lt1"/>
+      </a:fontRef>
+    </dgm:style>
+  </dgm:styleLbl>
+  <dgm:styleLbl name="asst1">
+    <dgm:scene3d>
+      <a:camera prst="orthographicFront"/>
+      <a:lightRig rig="threePt" dir="t"/>
+    </dgm:scene3d>
+    <dgm:sp3d/>
+    <dgm:txPr/>
+    <dgm:style>
+      <a:lnRef idx="2">
+        <a:scrgbClr r="0" g="0" b="0"/>
+      </a:lnRef>
+      <a:fillRef idx="1">
+        <a:scrgbClr r="0" g="0" b="0"/>
+      </a:fillRef>
+      <a:effectRef idx="0">
+        <a:scrgbClr r="0" g="0" b="0"/>
+      </a:effectRef>
+      <a:fontRef idx="minor">
+        <a:schemeClr val="lt1"/>
+      </a:fontRef>
+    </dgm:style>
+  </dgm:styleLbl>
+  <dgm:styleLbl name="asst2">
+    <dgm:scene3d>
+      <a:camera prst="orthographicFront"/>
+      <a:lightRig rig="threePt" dir="t"/>
+    </dgm:scene3d>
+    <dgm:sp3d/>
+    <dgm:txPr/>
+    <dgm:style>
+      <a:lnRef idx="2">
+        <a:scrgbClr r="0" g="0" b="0"/>
+      </a:lnRef>
+      <a:fillRef idx="1">
+        <a:scrgbClr r="0" g="0" b="0"/>
+      </a:fillRef>
+      <a:effectRef idx="0">
+        <a:scrgbClr r="0" g="0" b="0"/>
+      </a:effectRef>
+      <a:fontRef idx="minor">
+        <a:schemeClr val="lt1"/>
+      </a:fontRef>
+    </dgm:style>
+  </dgm:styleLbl>
+  <dgm:styleLbl name="asst3">
+    <dgm:scene3d>
+      <a:camera prst="orthographicFront"/>
+      <a:lightRig rig="threePt" dir="t"/>
+    </dgm:scene3d>
+    <dgm:sp3d/>
+    <dgm:txPr/>
+    <dgm:style>
+      <a:lnRef idx="2">
+        <a:scrgbClr r="0" g="0" b="0"/>
+      </a:lnRef>
+      <a:fillRef idx="1">
+        <a:scrgbClr r="0" g="0" b="0"/>
+      </a:fillRef>
+      <a:effectRef idx="0">
+        <a:scrgbClr r="0" g="0" b="0"/>
+      </a:effectRef>
+      <a:fontRef idx="minor">
+        <a:schemeClr val="lt1"/>
+      </a:fontRef>
+    </dgm:style>
+  </dgm:styleLbl>
+  <dgm:styleLbl name="asst4">
+    <dgm:scene3d>
+      <a:camera prst="orthographicFront"/>
+      <a:lightRig rig="threePt" dir="t"/>
+    </dgm:scene3d>
+    <dgm:sp3d/>
+    <dgm:txPr/>
+    <dgm:style>
+      <a:lnRef idx="2">
+        <a:scrgbClr r="0" g="0" b="0"/>
+      </a:lnRef>
+      <a:fillRef idx="1">
+        <a:scrgbClr r="0" g="0" b="0"/>
+      </a:fillRef>
+      <a:effectRef idx="0">
+        <a:scrgbClr r="0" g="0" b="0"/>
+      </a:effectRef>
+      <a:fontRef idx="minor">
+        <a:schemeClr val="lt1"/>
+      </a:fontRef>
+    </dgm:style>
+  </dgm:styleLbl>
+  <dgm:styleLbl name="parChTrans2D1">
+    <dgm:scene3d>
+      <a:camera prst="orthographicFront"/>
+      <a:lightRig rig="threePt" dir="t"/>
+    </dgm:scene3d>
+    <dgm:sp3d/>
+    <dgm:txPr/>
+    <dgm:style>
+      <a:lnRef idx="2">
+        <a:scrgbClr r="0" g="0" b="0"/>
+      </a:lnRef>
+      <a:fillRef idx="1">
+        <a:scrgbClr r="0" g="0" b="0"/>
+      </a:fillRef>
+      <a:effectRef idx="0">
+        <a:scrgbClr r="0" g="0" b="0"/>
+      </a:effectRef>
+      <a:fontRef idx="minor">
+        <a:schemeClr val="lt1"/>
+      </a:fontRef>
+    </dgm:style>
+  </dgm:styleLbl>
+  <dgm:styleLbl name="parChTrans2D2">
+    <dgm:scene3d>
+      <a:camera prst="orthographicFront"/>
+      <a:lightRig rig="threePt" dir="t"/>
+    </dgm:scene3d>
+    <dgm:sp3d/>
+    <dgm:txPr/>
+    <dgm:style>
+      <a:lnRef idx="2">
+        <a:scrgbClr r="0" g="0" b="0"/>
+      </a:lnRef>
+      <a:fillRef idx="1">
+        <a:scrgbClr r="0" g="0" b="0"/>
+      </a:fillRef>
+      <a:effectRef idx="0">
+        <a:scrgbClr r="0" g="0" b="0"/>
+      </a:effectRef>
+      <a:fontRef idx="minor">
+        <a:schemeClr val="lt1"/>
+      </a:fontRef>
+    </dgm:style>
+  </dgm:styleLbl>
+  <dgm:styleLbl name="parChTrans2D3">
+    <dgm:scene3d>
+      <a:camera prst="orthographicFront"/>
+      <a:lightRig rig="threePt" dir="t"/>
+    </dgm:scene3d>
+    <dgm:sp3d/>
+    <dgm:txPr/>
+    <dgm:style>
+      <a:lnRef idx="2">
+        <a:scrgbClr r="0" g="0" b="0"/>
+      </a:lnRef>
+      <a:fillRef idx="1">
+        <a:scrgbClr r="0" g="0" b="0"/>
+      </a:fillRef>
+      <a:effectRef idx="0">
+        <a:scrgbClr r="0" g="0" b="0"/>
+      </a:effectRef>
+      <a:fontRef idx="minor">
+        <a:schemeClr val="lt1"/>
+      </a:fontRef>
+    </dgm:style>
+  </dgm:styleLbl>
+  <dgm:styleLbl name="parChTrans2D4">
+    <dgm:scene3d>
+      <a:camera prst="orthographicFront"/>
+      <a:lightRig rig="threePt" dir="t"/>
+    </dgm:scene3d>
+    <dgm:sp3d/>
+    <dgm:txPr/>
+    <dgm:style>
+      <a:lnRef idx="2">
+        <a:scrgbClr r="0" g="0" b="0"/>
+      </a:lnRef>
+      <a:fillRef idx="1">
+        <a:scrgbClr r="0" g="0" b="0"/>
+      </a:fillRef>
+      <a:effectRef idx="0">
+        <a:scrgbClr r="0" g="0" b="0"/>
+      </a:effectRef>
+      <a:fontRef idx="minor">
+        <a:schemeClr val="lt1"/>
+      </a:fontRef>
+    </dgm:style>
+  </dgm:styleLbl>
+  <dgm:styleLbl name="parChTrans1D1">
+    <dgm:scene3d>
+      <a:camera prst="orthographicFront"/>
+      <a:lightRig rig="threePt" dir="t"/>
+    </dgm:scene3d>
+    <dgm:sp3d/>
+    <dgm:txPr/>
+    <dgm:style>
+      <a:lnRef idx="2">
+        <a:scrgbClr r="0" g="0" b="0"/>
+      </a:lnRef>
+      <a:fillRef idx="0">
+        <a:scrgbClr r="0" g="0" b="0"/>
+      </a:fillRef>
+      <a:effectRef idx="0">
+        <a:scrgbClr r="0" g="0" b="0"/>
+      </a:effectRef>
+      <a:fontRef idx="minor"/>
+    </dgm:style>
+  </dgm:styleLbl>
+  <dgm:styleLbl name="parChTrans1D2">
+    <dgm:scene3d>
+      <a:camera prst="orthographicFront"/>
+      <a:lightRig rig="threePt" dir="t"/>
+    </dgm:scene3d>
+    <dgm:sp3d/>
+    <dgm:txPr/>
+    <dgm:style>
+      <a:lnRef idx="2">
+        <a:scrgbClr r="0" g="0" b="0"/>
+      </a:lnRef>
+      <a:fillRef idx="0">
+        <a:scrgbClr r="0" g="0" b="0"/>
+      </a:fillRef>
+      <a:effectRef idx="0">
+        <a:scrgbClr r="0" g="0" b="0"/>
+      </a:effectRef>
+      <a:fontRef idx="minor"/>
+    </dgm:style>
+  </dgm:styleLbl>
+  <dgm:styleLbl name="parChTrans1D3">
+    <dgm:scene3d>
+      <a:camera prst="orthographicFront"/>
+      <a:lightRig rig="threePt" dir="t"/>
+    </dgm:scene3d>
+    <dgm:sp3d/>
+    <dgm:txPr/>
+    <dgm:style>
+      <a:lnRef idx="2">
+        <a:scrgbClr r="0" g="0" b="0"/>
+      </a:lnRef>
+      <a:fillRef idx="0">
+        <a:scrgbClr r="0" g="0" b="0"/>
+      </a:fillRef>
+      <a:effectRef idx="0">
+        <a:scrgbClr r="0" g="0" b="0"/>
+      </a:effectRef>
+      <a:fontRef idx="minor"/>
+    </dgm:style>
+  </dgm:styleLbl>
+  <dgm:styleLbl name="parChTrans1D4">
+    <dgm:scene3d>
+      <a:camera prst="orthographicFront"/>
+      <a:lightRig rig="threePt" dir="t"/>
+    </dgm:scene3d>
+    <dgm:sp3d/>
+    <dgm:txPr/>
+    <dgm:style>
+      <a:lnRef idx="2">
+        <a:scrgbClr r="0" g="0" b="0"/>
+      </a:lnRef>
+      <a:fillRef idx="0">
+        <a:scrgbClr r="0" g="0" b="0"/>
+      </a:fillRef>
+      <a:effectRef idx="0">
+        <a:scrgbClr r="0" g="0" b="0"/>
+      </a:effectRef>
+      <a:fontRef idx="minor"/>
+    </dgm:style>
+  </dgm:styleLbl>
+  <dgm:styleLbl name="fgAcc1">
+    <dgm:scene3d>
+      <a:camera prst="orthographicFront"/>
+      <a:lightRig rig="threePt" dir="t"/>
+    </dgm:scene3d>
+    <dgm:sp3d/>
+    <dgm:txPr/>
+    <dgm:style>
+      <a:lnRef idx="2">
+        <a:scrgbClr r="0" g="0" b="0"/>
+      </a:lnRef>
+      <a:fillRef idx="1">
+        <a:scrgbClr r="0" g="0" b="0"/>
+      </a:fillRef>
+      <a:effectRef idx="0">
+        <a:scrgbClr r="0" g="0" b="0"/>
+      </a:effectRef>
+      <a:fontRef idx="minor"/>
+    </dgm:style>
+  </dgm:styleLbl>
+  <dgm:styleLbl name="conFgAcc1">
+    <dgm:scene3d>
+      <a:camera prst="orthographicFront"/>
+      <a:lightRig rig="threePt" dir="t"/>
+    </dgm:scene3d>
+    <dgm:sp3d/>
+    <dgm:txPr/>
+    <dgm:style>
+      <a:lnRef idx="2">
+        <a:scrgbClr r="0" g="0" b="0"/>
+      </a:lnRef>
+      <a:fillRef idx="1">
+        <a:scrgbClr r="0" g="0" b="0"/>
+      </a:fillRef>
+      <a:effectRef idx="0">
+        <a:scrgbClr r="0" g="0" b="0"/>
+      </a:effectRef>
+      <a:fontRef idx="minor"/>
+    </dgm:style>
+  </dgm:styleLbl>
+  <dgm:styleLbl name="alignAcc1">
+    <dgm:scene3d>
+      <a:camera prst="orthographicFront"/>
+      <a:lightRig rig="threePt" dir="t"/>
+    </dgm:scene3d>
+    <dgm:sp3d/>
+    <dgm:txPr/>
+    <dgm:style>
+      <a:lnRef idx="2">
+        <a:scrgbClr r="0" g="0" b="0"/>
+      </a:lnRef>
+      <a:fillRef idx="1">
+        <a:scrgbClr r="0" g="0" b="0"/>
+      </a:fillRef>
+      <a:effectRef idx="0">
+        <a:scrgbClr r="0" g="0" b="0"/>
+      </a:effectRef>
+      <a:fontRef idx="minor"/>
+    </dgm:style>
+  </dgm:styleLbl>
+  <dgm:styleLbl name="trAlignAcc1">
+    <dgm:scene3d>
+      <a:camera prst="orthographicFront"/>
+      <a:lightRig rig="threePt" dir="t"/>
+    </dgm:scene3d>
+    <dgm:sp3d/>
+    <dgm:txPr/>
+    <dgm:style>
+      <a:lnRef idx="1">
+        <a:scrgbClr r="0" g="0" b="0"/>
+      </a:lnRef>
+      <a:fillRef idx="1">
+        <a:scrgbClr r="0" g="0" b="0"/>
+      </a:fillRef>
+      <a:effectRef idx="0">
+        <a:scrgbClr r="0" g="0" b="0"/>
+      </a:effectRef>
+      <a:fontRef idx="minor"/>
+    </dgm:style>
+  </dgm:styleLbl>
+  <dgm:styleLbl name="bgAcc1">
+    <dgm:scene3d>
+      <a:camera prst="orthographicFront"/>
+      <a:lightRig rig="threePt" dir="t"/>
+    </dgm:scene3d>
+    <dgm:sp3d/>
+    <dgm:txPr/>
+    <dgm:style>
+      <a:lnRef idx="2">
+        <a:scrgbClr r="0" g="0" b="0"/>
+      </a:lnRef>
+      <a:fillRef idx="1">
+        <a:scrgbClr r="0" g="0" b="0"/>
+      </a:fillRef>
+      <a:effectRef idx="0">
+        <a:scrgbClr r="0" g="0" b="0"/>
+      </a:effectRef>
+      <a:fontRef idx="minor"/>
+    </dgm:style>
+  </dgm:styleLbl>
+  <dgm:styleLbl name="solidFgAcc1">
+    <dgm:scene3d>
+      <a:camera prst="orthographicFront"/>
+      <a:lightRig rig="threePt" dir="t"/>
+    </dgm:scene3d>
+    <dgm:sp3d/>
+    <dgm:txPr/>
+    <dgm:style>
+      <a:lnRef idx="2">
+        <a:scrgbClr r="0" g="0" b="0"/>
+      </a:lnRef>
+      <a:fillRef idx="1">
+        <a:scrgbClr r="0" g="0" b="0"/>
+      </a:fillRef>
+      <a:effectRef idx="0">
+        <a:scrgbClr r="0" g="0" b="0"/>
+      </a:effectRef>
+      <a:fontRef idx="minor"/>
+    </dgm:style>
+  </dgm:styleLbl>
+  <dgm:styleLbl name="solidAlignAcc1">
+    <dgm:scene3d>
+      <a:camera prst="orthographicFront"/>
+      <a:lightRig rig="threePt" dir="t"/>
+    </dgm:scene3d>
+    <dgm:sp3d/>
+    <dgm:txPr/>
+    <dgm:style>
+      <a:lnRef idx="2">
+        <a:scrgbClr r="0" g="0" b="0"/>
+      </a:lnRef>
+      <a:fillRef idx="1">
+        <a:scrgbClr r="0" g="0" b="0"/>
+      </a:fillRef>
+      <a:effectRef idx="0">
+        <a:scrgbClr r="0" g="0" b="0"/>
+      </a:effectRef>
+      <a:fontRef idx="minor"/>
+    </dgm:style>
+  </dgm:styleLbl>
+  <dgm:styleLbl name="solidBgAcc1">
+    <dgm:scene3d>
+      <a:camera prst="orthographicFront"/>
+      <a:lightRig rig="threePt" dir="t"/>
+    </dgm:scene3d>
+    <dgm:sp3d/>
+    <dgm:txPr/>
+    <dgm:style>
+      <a:lnRef idx="2">
+        <a:scrgbClr r="0" g="0" b="0"/>
+      </a:lnRef>
+      <a:fillRef idx="1">
+        <a:scrgbClr r="0" g="0" b="0"/>
+      </a:fillRef>
+      <a:effectRef idx="0">
+        <a:scrgbClr r="0" g="0" b="0"/>
+      </a:effectRef>
+      <a:fontRef idx="minor"/>
+    </dgm:style>
+  </dgm:styleLbl>
+  <dgm:styleLbl name="fgAccFollowNode1">
+    <dgm:scene3d>
+      <a:camera prst="orthographicFront"/>
+      <a:lightRig rig="threePt" dir="t"/>
+    </dgm:scene3d>
+    <dgm:sp3d/>
+    <dgm:txPr/>
+    <dgm:style>
+      <a:lnRef idx="2">
+        <a:scrgbClr r="0" g="0" b="0"/>
+      </a:lnRef>
+      <a:fillRef idx="1">
+        <a:scrgbClr r="0" g="0" b="0"/>
+      </a:fillRef>
+      <a:effectRef idx="0">
+        <a:scrgbClr r="0" g="0" b="0"/>
+      </a:effectRef>
+      <a:fontRef idx="minor"/>
+    </dgm:style>
+  </dgm:styleLbl>
+  <dgm:styleLbl name="alignAccFollowNode1">
+    <dgm:scene3d>
+      <a:camera prst="orthographicFront"/>
+      <a:lightRig rig="threePt" dir="t"/>
+    </dgm:scene3d>
+    <dgm:sp3d/>
+    <dgm:txPr/>
+    <dgm:style>
+      <a:lnRef idx="2">
+        <a:scrgbClr r="0" g="0" b="0"/>
+      </a:lnRef>
+      <a:fillRef idx="1">
+        <a:scrgbClr r="0" g="0" b="0"/>
+      </a:fillRef>
+      <a:effectRef idx="0">
+        <a:scrgbClr r="0" g="0" b="0"/>
+      </a:effectRef>
+      <a:fontRef idx="minor"/>
+    </dgm:style>
+  </dgm:styleLbl>
+  <dgm:styleLbl name="bgAccFollowNode1">
+    <dgm:scene3d>
+      <a:camera prst="orthographicFront"/>
+      <a:lightRig rig="threePt" dir="t"/>
+    </dgm:scene3d>
+    <dgm:sp3d/>
+    <dgm:txPr/>
+    <dgm:style>
+      <a:lnRef idx="2">
+        <a:scrgbClr r="0" g="0" b="0"/>
+      </a:lnRef>
+      <a:fillRef idx="1">
+        <a:scrgbClr r="0" g="0" b="0"/>
+      </a:fillRef>
+      <a:effectRef idx="0">
+        <a:scrgbClr r="0" g="0" b="0"/>
+      </a:effectRef>
+      <a:fontRef idx="minor"/>
+    </dgm:style>
+  </dgm:styleLbl>
+  <dgm:styleLbl name="fgAcc0">
+    <dgm:scene3d>
+      <a:camera prst="orthographicFront"/>
+      <a:lightRig rig="threePt" dir="t"/>
+    </dgm:scene3d>
+    <dgm:sp3d/>
+    <dgm:txPr/>
+    <dgm:style>
+      <a:lnRef idx="2">
+        <a:scrgbClr r="0" g="0" b="0"/>
+      </a:lnRef>
+      <a:fillRef idx="1">
+        <a:scrgbClr r="0" g="0" b="0"/>
+      </a:fillRef>
+      <a:effectRef idx="0">
+        <a:scrgbClr r="0" g="0" b="0"/>
+      </a:effectRef>
+      <a:fontRef idx="minor"/>
+    </dgm:style>
+  </dgm:styleLbl>
+  <dgm:styleLbl name="fgAcc2">
+    <dgm:scene3d>
+      <a:camera prst="orthographicFront"/>
+      <a:lightRig rig="threePt" dir="t"/>
+    </dgm:scene3d>
+    <dgm:sp3d/>
+    <dgm:txPr/>
+    <dgm:style>
+      <a:lnRef idx="2">
+        <a:scrgbClr r="0" g="0" b="0"/>
+      </a:lnRef>
+      <a:fillRef idx="1">
+        <a:scrgbClr r="0" g="0" b="0"/>
+      </a:fillRef>
+      <a:effectRef idx="0">
+        <a:scrgbClr r="0" g="0" b="0"/>
+      </a:effectRef>
+      <a:fontRef idx="minor"/>
+    </dgm:style>
+  </dgm:styleLbl>
+  <dgm:styleLbl name="fgAcc3">
+    <dgm:scene3d>
+      <a:camera prst="orthographicFront"/>
+      <a:lightRig rig="threePt" dir="t"/>
+    </dgm:scene3d>
+    <dgm:sp3d/>
+    <dgm:txPr/>
+    <dgm:style>
+      <a:lnRef idx="2">
+        <a:scrgbClr r="0" g="0" b="0"/>
+      </a:lnRef>
+      <a:fillRef idx="1">
+        <a:scrgbClr r="0" g="0" b="0"/>
+      </a:fillRef>
+      <a:effectRef idx="0">
+        <a:scrgbClr r="0" g="0" b="0"/>
+      </a:effectRef>
+      <a:fontRef idx="minor"/>
+    </dgm:style>
+  </dgm:styleLbl>
+  <dgm:styleLbl name="fgAcc4">
+    <dgm:scene3d>
+      <a:camera prst="orthographicFront"/>
+      <a:lightRig rig="threePt" dir="t"/>
+    </dgm:scene3d>
+    <dgm:sp3d/>
+    <dgm:txPr/>
+    <dgm:style>
+      <a:lnRef idx="2">
+        <a:scrgbClr r="0" g="0" b="0"/>
+      </a:lnRef>
+      <a:fillRef idx="1">
+        <a:scrgbClr r="0" g="0" b="0"/>
+      </a:fillRef>
+      <a:effectRef idx="0">
+        <a:scrgbClr r="0" g="0" b="0"/>
+      </a:effectRef>
+      <a:fontRef idx="minor"/>
+    </dgm:style>
+  </dgm:styleLbl>
+  <dgm:styleLbl name="bgShp">
+    <dgm:scene3d>
+      <a:camera prst="orthographicFront"/>
+      <a:lightRig rig="threePt" dir="t"/>
+    </dgm:scene3d>
+    <dgm:sp3d/>
+    <dgm:txPr/>
+    <dgm:style>
+      <a:lnRef idx="0">
+        <a:scrgbClr r="0" g="0" b="0"/>
+      </a:lnRef>
+      <a:fillRef idx="1">
+        <a:scrgbClr r="0" g="0" b="0"/>
+      </a:fillRef>
+      <a:effectRef idx="0">
+        <a:scrgbClr r="0" g="0" b="0"/>
+      </a:effectRef>
+      <a:fontRef idx="minor"/>
+    </dgm:style>
+  </dgm:styleLbl>
+  <dgm:styleLbl name="dkBgShp">
+    <dgm:scene3d>
+      <a:camera prst="orthographicFront"/>
+      <a:lightRig rig="threePt" dir="t"/>
+    </dgm:scene3d>
+    <dgm:sp3d/>
+    <dgm:txPr/>
+    <dgm:style>
+      <a:lnRef idx="0">
+        <a:scrgbClr r="0" g="0" b="0"/>
+      </a:lnRef>
+      <a:fillRef idx="1">
+        <a:scrgbClr r="0" g="0" b="0"/>
+      </a:fillRef>
+      <a:effectRef idx="0">
+        <a:scrgbClr r="0" g="0" b="0"/>
+      </a:effectRef>
+      <a:fontRef idx="minor"/>
+    </dgm:style>
+  </dgm:styleLbl>
+  <dgm:styleLbl name="trBgShp">
+    <dgm:scene3d>
+      <a:camera prst="orthographicFront"/>
+      <a:lightRig rig="threePt" dir="t"/>
+    </dgm:scene3d>
+    <dgm:sp3d/>
+    <dgm:txPr/>
+    <dgm:style>
+      <a:lnRef idx="0">
+        <a:scrgbClr r="0" g="0" b="0"/>
+      </a:lnRef>
+      <a:fillRef idx="1">
+        <a:scrgbClr r="0" g="0" b="0"/>
+      </a:fillRef>
+      <a:effectRef idx="0">
+        <a:scrgbClr r="0" g="0" b="0"/>
+      </a:effectRef>
+      <a:fontRef idx="minor"/>
+    </dgm:style>
+  </dgm:styleLbl>
+  <dgm:styleLbl name="fgShp">
+    <dgm:scene3d>
+      <a:camera prst="orthographicFront"/>
+      <a:lightRig rig="threePt" dir="t"/>
+    </dgm:scene3d>
+    <dgm:sp3d/>
+    <dgm:txPr/>
+    <dgm:style>
+      <a:lnRef idx="2">
+        <a:scrgbClr r="0" g="0" b="0"/>
+      </a:lnRef>
+      <a:fillRef idx="1">
+        <a:scrgbClr r="0" g="0" b="0"/>
+      </a:fillRef>
+      <a:effectRef idx="0">
+        <a:scrgbClr r="0" g="0" b="0"/>
+      </a:effectRef>
+      <a:fontRef idx="minor"/>
+    </dgm:style>
+  </dgm:styleLbl>
+  <dgm:styleLbl name="revTx">
+    <dgm:scene3d>
+      <a:camera prst="orthographicFront"/>
+      <a:lightRig rig="threePt" dir="t"/>
+    </dgm:scene3d>
+    <dgm:sp3d/>
+    <dgm:txPr/>
+    <dgm:style>
+      <a:lnRef idx="0">
+        <a:scrgbClr r="0" g="0" b="0"/>
+      </a:lnRef>
+      <a:fillRef idx="0">
+        <a:scrgbClr r="0" g="0" b="0"/>
+      </a:fillRef>
+      <a:effectRef idx="0">
+        <a:scrgbClr r="0" g="0" b="0"/>
+      </a:effectRef>
+      <a:fontRef idx="minor"/>
+    </dgm:style>
+  </dgm:styleLbl>
+</dgm:styleDef>
+</file>
+
+<file path=ppt/notesMasters/notesMaster1.xml><?xml version="1.0" encoding="utf-8"?>
+<p:notesMaster xmlns:a="http://schemas.openxmlformats.org/drawingml/2006/main" xmlns:r="http://schemas.openxmlformats.org/officeDocument/2006/relationships" xmlns:p="http://schemas.openxmlformats.org/presentationml/2006/main">
+  <p:cSld>
+    <p:bg>
+      <p:bgRef idx="1001">
+        <a:schemeClr val="bg1"/>
+      </p:bgRef>
+    </p:bg>
+    <p:spTree>
+      <p:nvGrpSpPr>
+        <p:cNvPr id="1" name=""/>
+        <p:cNvGrpSpPr/>
+        <p:nvPr/>
+      </p:nvGrpSpPr>
+      <p:grpSpPr>
+        <a:xfrm>
+          <a:off x="0" y="0"/>
+          <a:ext cx="0" cy="0"/>
+          <a:chOff x="0" y="0"/>
+          <a:chExt cx="0" cy="0"/>
+        </a:xfrm>
+      </p:grpSpPr>
+      <p:sp>
+        <p:nvSpPr>
+          <p:cNvPr id="2" name="Kopfzeilenplatzhalter 1"/>
+          <p:cNvSpPr>
+            <a:spLocks noGrp="1"/>
+          </p:cNvSpPr>
+          <p:nvPr>
+            <p:ph type="hdr" sz="quarter"/>
+          </p:nvPr>
+        </p:nvSpPr>
+        <p:spPr>
+          <a:xfrm>
+            <a:off x="0" y="0"/>
+            <a:ext cx="2971800" cy="457200"/>
+          </a:xfrm>
+          <a:prstGeom prst="rect">
+            <a:avLst/>
+          </a:prstGeom>
+        </p:spPr>
+        <p:txBody>
+          <a:bodyPr vert="horz" lIns="91440" tIns="45720" rIns="91440" bIns="45720" rtlCol="0"/>
+          <a:lstStyle>
+            <a:lvl1pPr algn="l">
+              <a:defRPr sz="1200"/>
+            </a:lvl1pPr>
+          </a:lstStyle>
+          <a:p>
+            <a:endParaRPr lang="de-DE"/>
+          </a:p>
+        </p:txBody>
+      </p:sp>
+      <p:sp>
+        <p:nvSpPr>
+          <p:cNvPr id="3" name="Datumsplatzhalter 2"/>
+          <p:cNvSpPr>
+            <a:spLocks noGrp="1"/>
+          </p:cNvSpPr>
+          <p:nvPr>
+            <p:ph type="dt" idx="1"/>
+          </p:nvPr>
+        </p:nvSpPr>
+        <p:spPr>
+          <a:xfrm>
+            <a:off x="3884613" y="0"/>
+            <a:ext cx="2971800" cy="457200"/>
+          </a:xfrm>
+          <a:prstGeom prst="rect">
+            <a:avLst/>
+          </a:prstGeom>
+        </p:spPr>
+        <p:txBody>
+          <a:bodyPr vert="horz" lIns="91440" tIns="45720" rIns="91440" bIns="45720" rtlCol="0"/>
+          <a:lstStyle>
+            <a:lvl1pPr algn="r">
+              <a:defRPr sz="1200"/>
+            </a:lvl1pPr>
+          </a:lstStyle>
+          <a:p>
+            <a:fld id="{F4B90EF7-BB12-4174-8E78-3050A209DE8F}" type="datetimeFigureOut">
+              <a:rPr lang="de-DE" smtClean="0"/>
+              <a:t>02.07.2017</a:t>
+            </a:fld>
+            <a:endParaRPr lang="de-DE"/>
+          </a:p>
+        </p:txBody>
+      </p:sp>
+      <p:sp>
+        <p:nvSpPr>
+          <p:cNvPr id="4" name="Folienbildplatzhalter 3"/>
+          <p:cNvSpPr>
+            <a:spLocks noGrp="1" noRot="1" noChangeAspect="1"/>
+          </p:cNvSpPr>
+          <p:nvPr>
+            <p:ph type="sldImg" idx="2"/>
+          </p:nvPr>
+        </p:nvSpPr>
+        <p:spPr>
+          <a:xfrm>
+            <a:off x="-323850" y="685800"/>
+            <a:ext cx="7505700" cy="3429000"/>
+          </a:xfrm>
+          <a:prstGeom prst="rect">
+            <a:avLst/>
+          </a:prstGeom>
+          <a:noFill/>
+          <a:ln w="12700">
+            <a:solidFill>
+              <a:prstClr val="black"/>
+            </a:solidFill>
+          </a:ln>
+        </p:spPr>
+        <p:txBody>
+          <a:bodyPr vert="horz" lIns="91440" tIns="45720" rIns="91440" bIns="45720" rtlCol="0" anchor="ctr"/>
+          <a:lstStyle/>
+          <a:p>
+            <a:endParaRPr lang="de-DE"/>
+          </a:p>
+        </p:txBody>
+      </p:sp>
+      <p:sp>
+        <p:nvSpPr>
+          <p:cNvPr id="5" name="Notizenplatzhalter 4"/>
+          <p:cNvSpPr>
+            <a:spLocks noGrp="1"/>
+          </p:cNvSpPr>
+          <p:nvPr>
+            <p:ph type="body" sz="quarter" idx="3"/>
+          </p:nvPr>
+        </p:nvSpPr>
+        <p:spPr>
+          <a:xfrm>
+            <a:off x="685800" y="4343400"/>
+            <a:ext cx="5486400" cy="4114800"/>
+          </a:xfrm>
+          <a:prstGeom prst="rect">
+            <a:avLst/>
+          </a:prstGeom>
+        </p:spPr>
+        <p:txBody>
+          <a:bodyPr vert="horz" lIns="91440" tIns="45720" rIns="91440" bIns="45720" rtlCol="0">
+            <a:normAutofit/>
+          </a:bodyPr>
+          <a:lstStyle/>
+          <a:p>
+            <a:pPr lvl="0"/>
+            <a:r>
+              <a:rPr lang="de-DE" smtClean="0"/>
+              <a:t>Textmasterformate durch Klicken bearbeiten</a:t>
+            </a:r>
+          </a:p>
+          <a:p>
+            <a:pPr lvl="1"/>
+            <a:r>
+              <a:rPr lang="de-DE" smtClean="0"/>
+              <a:t>Zweite Ebene</a:t>
+            </a:r>
+          </a:p>
+          <a:p>
+            <a:pPr lvl="2"/>
+            <a:r>
+              <a:rPr lang="de-DE" smtClean="0"/>
+              <a:t>Dritte Ebene</a:t>
+            </a:r>
+          </a:p>
+          <a:p>
+            <a:pPr lvl="3"/>
+            <a:r>
+              <a:rPr lang="de-DE" smtClean="0"/>
+              <a:t>Vierte Ebene</a:t>
+            </a:r>
+          </a:p>
+          <a:p>
+            <a:pPr lvl="4"/>
+            <a:r>
+              <a:rPr lang="de-DE" smtClean="0"/>
+              <a:t>Fünfte Ebene</a:t>
+            </a:r>
+            <a:endParaRPr lang="de-DE"/>
+          </a:p>
+        </p:txBody>
+      </p:sp>
+      <p:sp>
+        <p:nvSpPr>
+          <p:cNvPr id="6" name="Fußzeilenplatzhalter 5"/>
+          <p:cNvSpPr>
+            <a:spLocks noGrp="1"/>
+          </p:cNvSpPr>
+          <p:nvPr>
+            <p:ph type="ftr" sz="quarter" idx="4"/>
+          </p:nvPr>
+        </p:nvSpPr>
+        <p:spPr>
+          <a:xfrm>
+            <a:off x="0" y="8685213"/>
+            <a:ext cx="2971800" cy="457200"/>
+          </a:xfrm>
+          <a:prstGeom prst="rect">
+            <a:avLst/>
+          </a:prstGeom>
+        </p:spPr>
+        <p:txBody>
+          <a:bodyPr vert="horz" lIns="91440" tIns="45720" rIns="91440" bIns="45720" rtlCol="0" anchor="b"/>
+          <a:lstStyle>
+            <a:lvl1pPr algn="l">
+              <a:defRPr sz="1200"/>
+            </a:lvl1pPr>
+          </a:lstStyle>
+          <a:p>
+            <a:endParaRPr lang="de-DE"/>
+          </a:p>
+        </p:txBody>
+      </p:sp>
+      <p:sp>
+        <p:nvSpPr>
+          <p:cNvPr id="7" name="Foliennummernplatzhalter 6"/>
+          <p:cNvSpPr>
+            <a:spLocks noGrp="1"/>
+          </p:cNvSpPr>
+          <p:nvPr>
+            <p:ph type="sldNum" sz="quarter" idx="5"/>
+          </p:nvPr>
+        </p:nvSpPr>
+        <p:spPr>
+          <a:xfrm>
+            <a:off x="3884613" y="8685213"/>
+            <a:ext cx="2971800" cy="457200"/>
+          </a:xfrm>
+          <a:prstGeom prst="rect">
+            <a:avLst/>
+          </a:prstGeom>
+        </p:spPr>
+        <p:txBody>
+          <a:bodyPr vert="horz" lIns="91440" tIns="45720" rIns="91440" bIns="45720" rtlCol="0" anchor="b"/>
+          <a:lstStyle>
+            <a:lvl1pPr algn="r">
+              <a:defRPr sz="1200"/>
+            </a:lvl1pPr>
+          </a:lstStyle>
+          <a:p>
+            <a:fld id="{FD4F6F16-A4A9-48CB-84F1-DC17FD0163F2}" type="slidenum">
+              <a:rPr lang="de-DE" smtClean="0"/>
+              <a:t>‹Nr.›</a:t>
+            </a:fld>
+            <a:endParaRPr lang="de-DE"/>
+          </a:p>
+        </p:txBody>
+      </p:sp>
+    </p:spTree>
+  </p:cSld>
+  <p:clrMap bg1="lt1" tx1="dk1" bg2="lt2" tx2="dk2" accent1="accent1" accent2="accent2" accent3="accent3" accent4="accent4" accent5="accent5" accent6="accent6" hlink="hlink" folHlink="folHlink"/>
+  <p:notesStyle>
+    <a:lvl1pPr marL="0" algn="l" defTabSz="914400" rtl="0" eaLnBrk="1" latinLnBrk="0" hangingPunct="1">
+      <a:defRPr sz="1200" kern="1200">
+        <a:solidFill>
+          <a:schemeClr val="tx1"/>
+        </a:solidFill>
+        <a:latin typeface="+mn-lt"/>
+        <a:ea typeface="+mn-ea"/>
+        <a:cs typeface="+mn-cs"/>
+      </a:defRPr>
+    </a:lvl1pPr>
+    <a:lvl2pPr marL="457200" algn="l" defTabSz="914400" rtl="0" eaLnBrk="1" latinLnBrk="0" hangingPunct="1">
+      <a:defRPr sz="1200" kern="1200">
+        <a:solidFill>
+          <a:schemeClr val="tx1"/>
+        </a:solidFill>
+        <a:latin typeface="+mn-lt"/>
+        <a:ea typeface="+mn-ea"/>
+        <a:cs typeface="+mn-cs"/>
+      </a:defRPr>
+    </a:lvl2pPr>
+    <a:lvl3pPr marL="914400" algn="l" defTabSz="914400" rtl="0" eaLnBrk="1" latinLnBrk="0" hangingPunct="1">
+      <a:defRPr sz="1200" kern="1200">
+        <a:solidFill>
+          <a:schemeClr val="tx1"/>
+        </a:solidFill>
+        <a:latin typeface="+mn-lt"/>
+        <a:ea typeface="+mn-ea"/>
+        <a:cs typeface="+mn-cs"/>
+      </a:defRPr>
+    </a:lvl3pPr>
+    <a:lvl4pPr marL="1371600" algn="l" defTabSz="914400" rtl="0" eaLnBrk="1" latinLnBrk="0" hangingPunct="1">
+      <a:defRPr sz="1200" kern="1200">
+        <a:solidFill>
+          <a:schemeClr val="tx1"/>
+        </a:solidFill>
+        <a:latin typeface="+mn-lt"/>
+        <a:ea typeface="+mn-ea"/>
+        <a:cs typeface="+mn-cs"/>
+      </a:defRPr>
+    </a:lvl4pPr>
+    <a:lvl5pPr marL="1828800" algn="l" defTabSz="914400" rtl="0" eaLnBrk="1" latinLnBrk="0" hangingPunct="1">
+      <a:defRPr sz="1200" kern="1200">
+        <a:solidFill>
+          <a:schemeClr val="tx1"/>
+        </a:solidFill>
+        <a:latin typeface="+mn-lt"/>
+        <a:ea typeface="+mn-ea"/>
+        <a:cs typeface="+mn-cs"/>
+      </a:defRPr>
+    </a:lvl5pPr>
+    <a:lvl6pPr marL="2286000" algn="l" defTabSz="914400" rtl="0" eaLnBrk="1" latinLnBrk="0" hangingPunct="1">
+      <a:defRPr sz="1200" kern="1200">
+        <a:solidFill>
+          <a:schemeClr val="tx1"/>
+        </a:solidFill>
+        <a:latin typeface="+mn-lt"/>
+        <a:ea typeface="+mn-ea"/>
+        <a:cs typeface="+mn-cs"/>
+      </a:defRPr>
+    </a:lvl6pPr>
+    <a:lvl7pPr marL="2743200" algn="l" defTabSz="914400" rtl="0" eaLnBrk="1" latinLnBrk="0" hangingPunct="1">
+      <a:defRPr sz="1200" kern="1200">
+        <a:solidFill>
+          <a:schemeClr val="tx1"/>
+        </a:solidFill>
+        <a:latin typeface="+mn-lt"/>
+        <a:ea typeface="+mn-ea"/>
+        <a:cs typeface="+mn-cs"/>
+      </a:defRPr>
+    </a:lvl7pPr>
+    <a:lvl8pPr marL="3200400" algn="l" defTabSz="914400" rtl="0" eaLnBrk="1" latinLnBrk="0" hangingPunct="1">
+      <a:defRPr sz="1200" kern="1200">
+        <a:solidFill>
+          <a:schemeClr val="tx1"/>
+        </a:solidFill>
+        <a:latin typeface="+mn-lt"/>
+        <a:ea typeface="+mn-ea"/>
+        <a:cs typeface="+mn-cs"/>
+      </a:defRPr>
+    </a:lvl8pPr>
+    <a:lvl9pPr marL="3657600" algn="l" defTabSz="914400" rtl="0" eaLnBrk="1" latinLnBrk="0" hangingPunct="1">
+      <a:defRPr sz="1200" kern="1200">
+        <a:solidFill>
+          <a:schemeClr val="tx1"/>
+        </a:solidFill>
+        <a:latin typeface="+mn-lt"/>
+        <a:ea typeface="+mn-ea"/>
+        <a:cs typeface="+mn-cs"/>
+      </a:defRPr>
+    </a:lvl9pPr>
+  </p:notesStyle>
+</p:notesMaster>
+</file>
+
+<file path=ppt/notesSlides/notesSlide1.xml><?xml version="1.0" encoding="utf-8"?>
+<p:notes xmlns:a="http://schemas.openxmlformats.org/drawingml/2006/main" xmlns:r="http://schemas.openxmlformats.org/officeDocument/2006/relationships" xmlns:p="http://schemas.openxmlformats.org/presentationml/2006/main">
+  <p:cSld>
+    <p:spTree>
+      <p:nvGrpSpPr>
+        <p:cNvPr id="1" name=""/>
+        <p:cNvGrpSpPr/>
+        <p:nvPr/>
+      </p:nvGrpSpPr>
+      <p:grpSpPr>
+        <a:xfrm>
+          <a:off x="0" y="0"/>
+          <a:ext cx="0" cy="0"/>
+          <a:chOff x="0" y="0"/>
+          <a:chExt cx="0" cy="0"/>
+        </a:xfrm>
+      </p:grpSpPr>
+      <p:sp>
+        <p:nvSpPr>
+          <p:cNvPr id="2" name="Folienbildplatzhalter 1"/>
+          <p:cNvSpPr>
+            <a:spLocks noGrp="1" noRot="1" noChangeAspect="1"/>
+          </p:cNvSpPr>
+          <p:nvPr>
+            <p:ph type="sldImg"/>
+          </p:nvPr>
+        </p:nvSpPr>
+        <p:spPr/>
+      </p:sp>
+      <p:sp>
+        <p:nvSpPr>
+          <p:cNvPr id="3" name="Notizenplatzhalter 2"/>
+          <p:cNvSpPr>
+            <a:spLocks noGrp="1"/>
+          </p:cNvSpPr>
+          <p:nvPr>
+            <p:ph type="body" idx="1"/>
+          </p:nvPr>
+        </p:nvSpPr>
+        <p:spPr/>
+        <p:txBody>
+          <a:bodyPr>
+            <a:normAutofit/>
+          </a:bodyPr>
+          <a:lstStyle/>
+          <a:p>
+            <a:endParaRPr lang="de-DE"/>
+          </a:p>
+        </p:txBody>
+      </p:sp>
+      <p:sp>
+        <p:nvSpPr>
+          <p:cNvPr id="4" name="Foliennummernplatzhalter 3"/>
+          <p:cNvSpPr>
+            <a:spLocks noGrp="1"/>
+          </p:cNvSpPr>
+          <p:nvPr>
+            <p:ph type="sldNum" sz="quarter" idx="10"/>
+          </p:nvPr>
+        </p:nvSpPr>
+        <p:spPr/>
+        <p:txBody>
+          <a:bodyPr/>
+          <a:lstStyle/>
+          <a:p>
+            <a:fld id="{FD4F6F16-A4A9-48CB-84F1-DC17FD0163F2}" type="slidenum">
+              <a:rPr lang="de-DE" smtClean="0"/>
+              <a:t>1</a:t>
+            </a:fld>
+            <a:endParaRPr lang="de-DE"/>
+          </a:p>
+        </p:txBody>
+      </p:sp>
+    </p:spTree>
+  </p:cSld>
+  <p:clrMapOvr>
+    <a:masterClrMapping/>
+  </p:clrMapOvr>
+</p:notes>
+</file>
+
+<file path=ppt/notesSlides/notesSlide2.xml><?xml version="1.0" encoding="utf-8"?>
+<p:notes xmlns:a="http://schemas.openxmlformats.org/drawingml/2006/main" xmlns:r="http://schemas.openxmlformats.org/officeDocument/2006/relationships" xmlns:p="http://schemas.openxmlformats.org/presentationml/2006/main">
+  <p:cSld>
+    <p:spTree>
+      <p:nvGrpSpPr>
+        <p:cNvPr id="1" name=""/>
+        <p:cNvGrpSpPr/>
+        <p:nvPr/>
+      </p:nvGrpSpPr>
+      <p:grpSpPr>
+        <a:xfrm>
+          <a:off x="0" y="0"/>
+          <a:ext cx="0" cy="0"/>
+          <a:chOff x="0" y="0"/>
+          <a:chExt cx="0" cy="0"/>
+        </a:xfrm>
+      </p:grpSpPr>
+      <p:sp>
+        <p:nvSpPr>
+          <p:cNvPr id="2" name="Folienbildplatzhalter 1"/>
+          <p:cNvSpPr>
+            <a:spLocks noGrp="1" noRot="1" noChangeAspect="1"/>
+          </p:cNvSpPr>
+          <p:nvPr>
+            <p:ph type="sldImg"/>
+          </p:nvPr>
+        </p:nvSpPr>
+        <p:spPr/>
+      </p:sp>
+      <p:sp>
+        <p:nvSpPr>
+          <p:cNvPr id="3" name="Notizenplatzhalter 2"/>
+          <p:cNvSpPr>
+            <a:spLocks noGrp="1"/>
+          </p:cNvSpPr>
+          <p:nvPr>
+            <p:ph type="body" idx="1"/>
+          </p:nvPr>
+        </p:nvSpPr>
+        <p:spPr/>
+        <p:txBody>
+          <a:bodyPr>
+            <a:normAutofit/>
+          </a:bodyPr>
+          <a:lstStyle/>
+          <a:p>
+            <a:endParaRPr lang="de-DE"/>
+          </a:p>
+        </p:txBody>
+      </p:sp>
+      <p:sp>
+        <p:nvSpPr>
+          <p:cNvPr id="4" name="Foliennummernplatzhalter 3"/>
+          <p:cNvSpPr>
+            <a:spLocks noGrp="1"/>
+          </p:cNvSpPr>
+          <p:nvPr>
+            <p:ph type="sldNum" sz="quarter" idx="10"/>
+          </p:nvPr>
+        </p:nvSpPr>
+        <p:spPr/>
+        <p:txBody>
+          <a:bodyPr/>
+          <a:lstStyle/>
+          <a:p>
+            <a:fld id="{FD4F6F16-A4A9-48CB-84F1-DC17FD0163F2}" type="slidenum">
+              <a:rPr lang="de-DE" smtClean="0"/>
+              <a:t>2</a:t>
+            </a:fld>
+            <a:endParaRPr lang="de-DE"/>
+          </a:p>
+        </p:txBody>
+      </p:sp>
+    </p:spTree>
+  </p:cSld>
+  <p:clrMapOvr>
+    <a:masterClrMapping/>
+  </p:clrMapOvr>
+</p:notes>
+</file>
+
 <file path=ppt/slideLayouts/slideLayout1.xml><?xml version="1.0" encoding="utf-8"?>
 <p:sldLayout xmlns:a="http://schemas.openxmlformats.org/drawingml/2006/main" xmlns:r="http://schemas.openxmlformats.org/officeDocument/2006/relationships" xmlns:p="http://schemas.openxmlformats.org/presentationml/2006/main" type="title" preserve="1">
   <p:cSld name="Title Slide">
@@ -2962,7 +6133,8 @@
           <a:p>
             <a:fld id="{386DBA8E-C001-4E68-8804-59F1C445E801}" type="datetimeFigureOut">
               <a:rPr lang="en-US" smtClean="0"/>
-              <a:t>2/28/2017</a:t>
+              <a:pPr/>
+              <a:t>7/2/2017</a:t>
             </a:fld>
             <a:endParaRPr lang="en-US"/>
           </a:p>
@@ -3004,7 +6176,8 @@
           <a:p>
             <a:fld id="{A746E901-D716-41C0-9E0F-C60D13567B4A}" type="slidenum">
               <a:rPr lang="en-US" smtClean="0"/>
-              <a:t>‹#›</a:t>
+              <a:pPr/>
+              <a:t>‹Nr.›</a:t>
             </a:fld>
             <a:endParaRPr lang="en-US"/>
           </a:p>
@@ -3013,7 +6186,7 @@
     </p:spTree>
     <p:extLst>
       <p:ext uri="{BB962C8B-B14F-4D97-AF65-F5344CB8AC3E}">
-        <p14:creationId xmlns:p14="http://schemas.microsoft.com/office/powerpoint/2010/main" val="2863952165"/>
+        <p14:creationId xmlns:p14="http://schemas.microsoft.com/office/powerpoint/2010/main" xmlns="" val="2863952165"/>
       </p:ext>
     </p:extLst>
   </p:cSld>
@@ -3132,7 +6305,8 @@
           <a:p>
             <a:fld id="{386DBA8E-C001-4E68-8804-59F1C445E801}" type="datetimeFigureOut">
               <a:rPr lang="en-US" smtClean="0"/>
-              <a:t>2/28/2017</a:t>
+              <a:pPr/>
+              <a:t>7/2/2017</a:t>
             </a:fld>
             <a:endParaRPr lang="en-US"/>
           </a:p>
@@ -3174,7 +6348,8 @@
           <a:p>
             <a:fld id="{A746E901-D716-41C0-9E0F-C60D13567B4A}" type="slidenum">
               <a:rPr lang="en-US" smtClean="0"/>
-              <a:t>‹#›</a:t>
+              <a:pPr/>
+              <a:t>‹Nr.›</a:t>
             </a:fld>
             <a:endParaRPr lang="en-US"/>
           </a:p>
@@ -3183,7 +6358,7 @@
     </p:spTree>
     <p:extLst>
       <p:ext uri="{BB962C8B-B14F-4D97-AF65-F5344CB8AC3E}">
-        <p14:creationId xmlns:p14="http://schemas.microsoft.com/office/powerpoint/2010/main" val="2133585190"/>
+        <p14:creationId xmlns:p14="http://schemas.microsoft.com/office/powerpoint/2010/main" xmlns="" val="2133585190"/>
       </p:ext>
     </p:extLst>
   </p:cSld>
@@ -3312,7 +6487,8 @@
           <a:p>
             <a:fld id="{386DBA8E-C001-4E68-8804-59F1C445E801}" type="datetimeFigureOut">
               <a:rPr lang="en-US" smtClean="0"/>
-              <a:t>2/28/2017</a:t>
+              <a:pPr/>
+              <a:t>7/2/2017</a:t>
             </a:fld>
             <a:endParaRPr lang="en-US"/>
           </a:p>
@@ -3354,7 +6530,8 @@
           <a:p>
             <a:fld id="{A746E901-D716-41C0-9E0F-C60D13567B4A}" type="slidenum">
               <a:rPr lang="en-US" smtClean="0"/>
-              <a:t>‹#›</a:t>
+              <a:pPr/>
+              <a:t>‹Nr.›</a:t>
             </a:fld>
             <a:endParaRPr lang="en-US"/>
           </a:p>
@@ -3363,7 +6540,7 @@
     </p:spTree>
     <p:extLst>
       <p:ext uri="{BB962C8B-B14F-4D97-AF65-F5344CB8AC3E}">
-        <p14:creationId xmlns:p14="http://schemas.microsoft.com/office/powerpoint/2010/main" val="1606662952"/>
+        <p14:creationId xmlns:p14="http://schemas.microsoft.com/office/powerpoint/2010/main" xmlns="" val="1606662952"/>
       </p:ext>
     </p:extLst>
   </p:cSld>
@@ -3482,7 +6659,8 @@
           <a:p>
             <a:fld id="{386DBA8E-C001-4E68-8804-59F1C445E801}" type="datetimeFigureOut">
               <a:rPr lang="en-US" smtClean="0"/>
-              <a:t>2/28/2017</a:t>
+              <a:pPr/>
+              <a:t>7/2/2017</a:t>
             </a:fld>
             <a:endParaRPr lang="en-US"/>
           </a:p>
@@ -3524,7 +6702,8 @@
           <a:p>
             <a:fld id="{A746E901-D716-41C0-9E0F-C60D13567B4A}" type="slidenum">
               <a:rPr lang="en-US" smtClean="0"/>
-              <a:t>‹#›</a:t>
+              <a:pPr/>
+              <a:t>‹Nr.›</a:t>
             </a:fld>
             <a:endParaRPr lang="en-US"/>
           </a:p>
@@ -3533,7 +6712,7 @@
     </p:spTree>
     <p:extLst>
       <p:ext uri="{BB962C8B-B14F-4D97-AF65-F5344CB8AC3E}">
-        <p14:creationId xmlns:p14="http://schemas.microsoft.com/office/powerpoint/2010/main" val="2705505806"/>
+        <p14:creationId xmlns:p14="http://schemas.microsoft.com/office/powerpoint/2010/main" xmlns="" val="2705505806"/>
       </p:ext>
     </p:extLst>
   </p:cSld>
@@ -3728,7 +6907,8 @@
           <a:p>
             <a:fld id="{386DBA8E-C001-4E68-8804-59F1C445E801}" type="datetimeFigureOut">
               <a:rPr lang="en-US" smtClean="0"/>
-              <a:t>2/28/2017</a:t>
+              <a:pPr/>
+              <a:t>7/2/2017</a:t>
             </a:fld>
             <a:endParaRPr lang="en-US"/>
           </a:p>
@@ -3770,7 +6950,8 @@
           <a:p>
             <a:fld id="{A746E901-D716-41C0-9E0F-C60D13567B4A}" type="slidenum">
               <a:rPr lang="en-US" smtClean="0"/>
-              <a:t>‹#›</a:t>
+              <a:pPr/>
+              <a:t>‹Nr.›</a:t>
             </a:fld>
             <a:endParaRPr lang="en-US"/>
           </a:p>
@@ -3779,7 +6960,7 @@
     </p:spTree>
     <p:extLst>
       <p:ext uri="{BB962C8B-B14F-4D97-AF65-F5344CB8AC3E}">
-        <p14:creationId xmlns:p14="http://schemas.microsoft.com/office/powerpoint/2010/main" val="238253875"/>
+        <p14:creationId xmlns:p14="http://schemas.microsoft.com/office/powerpoint/2010/main" xmlns="" val="238253875"/>
       </p:ext>
     </p:extLst>
   </p:cSld>
@@ -4016,7 +7197,8 @@
           <a:p>
             <a:fld id="{386DBA8E-C001-4E68-8804-59F1C445E801}" type="datetimeFigureOut">
               <a:rPr lang="en-US" smtClean="0"/>
-              <a:t>2/28/2017</a:t>
+              <a:pPr/>
+              <a:t>7/2/2017</a:t>
             </a:fld>
             <a:endParaRPr lang="en-US"/>
           </a:p>
@@ -4058,7 +7240,8 @@
           <a:p>
             <a:fld id="{A746E901-D716-41C0-9E0F-C60D13567B4A}" type="slidenum">
               <a:rPr lang="en-US" smtClean="0"/>
-              <a:t>‹#›</a:t>
+              <a:pPr/>
+              <a:t>‹Nr.›</a:t>
             </a:fld>
             <a:endParaRPr lang="en-US"/>
           </a:p>
@@ -4067,7 +7250,7 @@
     </p:spTree>
     <p:extLst>
       <p:ext uri="{BB962C8B-B14F-4D97-AF65-F5344CB8AC3E}">
-        <p14:creationId xmlns:p14="http://schemas.microsoft.com/office/powerpoint/2010/main" val="3259131391"/>
+        <p14:creationId xmlns:p14="http://schemas.microsoft.com/office/powerpoint/2010/main" xmlns="" val="3259131391"/>
       </p:ext>
     </p:extLst>
   </p:cSld>
@@ -4443,7 +7626,8 @@
           <a:p>
             <a:fld id="{386DBA8E-C001-4E68-8804-59F1C445E801}" type="datetimeFigureOut">
               <a:rPr lang="en-US" smtClean="0"/>
-              <a:t>2/28/2017</a:t>
+              <a:pPr/>
+              <a:t>7/2/2017</a:t>
             </a:fld>
             <a:endParaRPr lang="en-US"/>
           </a:p>
@@ -4485,7 +7669,8 @@
           <a:p>
             <a:fld id="{A746E901-D716-41C0-9E0F-C60D13567B4A}" type="slidenum">
               <a:rPr lang="en-US" smtClean="0"/>
-              <a:t>‹#›</a:t>
+              <a:pPr/>
+              <a:t>‹Nr.›</a:t>
             </a:fld>
             <a:endParaRPr lang="en-US"/>
           </a:p>
@@ -4494,7 +7679,7 @@
     </p:spTree>
     <p:extLst>
       <p:ext uri="{BB962C8B-B14F-4D97-AF65-F5344CB8AC3E}">
-        <p14:creationId xmlns:p14="http://schemas.microsoft.com/office/powerpoint/2010/main" val="375435350"/>
+        <p14:creationId xmlns:p14="http://schemas.microsoft.com/office/powerpoint/2010/main" xmlns="" val="375435350"/>
       </p:ext>
     </p:extLst>
   </p:cSld>
@@ -4561,7 +7746,8 @@
           <a:p>
             <a:fld id="{386DBA8E-C001-4E68-8804-59F1C445E801}" type="datetimeFigureOut">
               <a:rPr lang="en-US" smtClean="0"/>
-              <a:t>2/28/2017</a:t>
+              <a:pPr/>
+              <a:t>7/2/2017</a:t>
             </a:fld>
             <a:endParaRPr lang="en-US"/>
           </a:p>
@@ -4603,7 +7789,8 @@
           <a:p>
             <a:fld id="{A746E901-D716-41C0-9E0F-C60D13567B4A}" type="slidenum">
               <a:rPr lang="en-US" smtClean="0"/>
-              <a:t>‹#›</a:t>
+              <a:pPr/>
+              <a:t>‹Nr.›</a:t>
             </a:fld>
             <a:endParaRPr lang="en-US"/>
           </a:p>
@@ -4612,7 +7799,7 @@
     </p:spTree>
     <p:extLst>
       <p:ext uri="{BB962C8B-B14F-4D97-AF65-F5344CB8AC3E}">
-        <p14:creationId xmlns:p14="http://schemas.microsoft.com/office/powerpoint/2010/main" val="1696591400"/>
+        <p14:creationId xmlns:p14="http://schemas.microsoft.com/office/powerpoint/2010/main" xmlns="" val="1696591400"/>
       </p:ext>
     </p:extLst>
   </p:cSld>
@@ -4656,7 +7843,8 @@
           <a:p>
             <a:fld id="{386DBA8E-C001-4E68-8804-59F1C445E801}" type="datetimeFigureOut">
               <a:rPr lang="en-US" smtClean="0"/>
-              <a:t>2/28/2017</a:t>
+              <a:pPr/>
+              <a:t>7/2/2017</a:t>
             </a:fld>
             <a:endParaRPr lang="en-US"/>
           </a:p>
@@ -4698,7 +7886,8 @@
           <a:p>
             <a:fld id="{A746E901-D716-41C0-9E0F-C60D13567B4A}" type="slidenum">
               <a:rPr lang="en-US" smtClean="0"/>
-              <a:t>‹#›</a:t>
+              <a:pPr/>
+              <a:t>‹Nr.›</a:t>
             </a:fld>
             <a:endParaRPr lang="en-US"/>
           </a:p>
@@ -4707,7 +7896,7 @@
     </p:spTree>
     <p:extLst>
       <p:ext uri="{BB962C8B-B14F-4D97-AF65-F5344CB8AC3E}">
-        <p14:creationId xmlns:p14="http://schemas.microsoft.com/office/powerpoint/2010/main" val="2675070685"/>
+        <p14:creationId xmlns:p14="http://schemas.microsoft.com/office/powerpoint/2010/main" xmlns="" val="2675070685"/>
       </p:ext>
     </p:extLst>
   </p:cSld>
@@ -4933,7 +8122,8 @@
           <a:p>
             <a:fld id="{386DBA8E-C001-4E68-8804-59F1C445E801}" type="datetimeFigureOut">
               <a:rPr lang="en-US" smtClean="0"/>
-              <a:t>2/28/2017</a:t>
+              <a:pPr/>
+              <a:t>7/2/2017</a:t>
             </a:fld>
             <a:endParaRPr lang="en-US"/>
           </a:p>
@@ -4975,7 +8165,8 @@
           <a:p>
             <a:fld id="{A746E901-D716-41C0-9E0F-C60D13567B4A}" type="slidenum">
               <a:rPr lang="en-US" smtClean="0"/>
-              <a:t>‹#›</a:t>
+              <a:pPr/>
+              <a:t>‹Nr.›</a:t>
             </a:fld>
             <a:endParaRPr lang="en-US"/>
           </a:p>
@@ -4984,7 +8175,7 @@
     </p:spTree>
     <p:extLst>
       <p:ext uri="{BB962C8B-B14F-4D97-AF65-F5344CB8AC3E}">
-        <p14:creationId xmlns:p14="http://schemas.microsoft.com/office/powerpoint/2010/main" val="371003852"/>
+        <p14:creationId xmlns:p14="http://schemas.microsoft.com/office/powerpoint/2010/main" xmlns="" val="371003852"/>
       </p:ext>
     </p:extLst>
   </p:cSld>
@@ -5186,7 +8377,8 @@
           <a:p>
             <a:fld id="{386DBA8E-C001-4E68-8804-59F1C445E801}" type="datetimeFigureOut">
               <a:rPr lang="en-US" smtClean="0"/>
-              <a:t>2/28/2017</a:t>
+              <a:pPr/>
+              <a:t>7/2/2017</a:t>
             </a:fld>
             <a:endParaRPr lang="en-US"/>
           </a:p>
@@ -5228,7 +8420,8 @@
           <a:p>
             <a:fld id="{A746E901-D716-41C0-9E0F-C60D13567B4A}" type="slidenum">
               <a:rPr lang="en-US" smtClean="0"/>
-              <a:t>‹#›</a:t>
+              <a:pPr/>
+              <a:t>‹Nr.›</a:t>
             </a:fld>
             <a:endParaRPr lang="en-US"/>
           </a:p>
@@ -5237,7 +8430,7 @@
     </p:spTree>
     <p:extLst>
       <p:ext uri="{BB962C8B-B14F-4D97-AF65-F5344CB8AC3E}">
-        <p14:creationId xmlns:p14="http://schemas.microsoft.com/office/powerpoint/2010/main" val="3653087689"/>
+        <p14:creationId xmlns:p14="http://schemas.microsoft.com/office/powerpoint/2010/main" xmlns="" val="3653087689"/>
       </p:ext>
     </p:extLst>
   </p:cSld>
@@ -5399,7 +8592,8 @@
           <a:p>
             <a:fld id="{386DBA8E-C001-4E68-8804-59F1C445E801}" type="datetimeFigureOut">
               <a:rPr lang="en-US" smtClean="0"/>
-              <a:t>2/28/2017</a:t>
+              <a:pPr/>
+              <a:t>7/2/2017</a:t>
             </a:fld>
             <a:endParaRPr lang="en-US"/>
           </a:p>
@@ -5477,7 +8671,8 @@
           <a:p>
             <a:fld id="{A746E901-D716-41C0-9E0F-C60D13567B4A}" type="slidenum">
               <a:rPr lang="en-US" smtClean="0"/>
-              <a:t>‹#›</a:t>
+              <a:pPr/>
+              <a:t>‹Nr.›</a:t>
             </a:fld>
             <a:endParaRPr lang="en-US"/>
           </a:p>
@@ -5486,7 +8681,7 @@
     </p:spTree>
     <p:extLst>
       <p:ext uri="{BB962C8B-B14F-4D97-AF65-F5344CB8AC3E}">
-        <p14:creationId xmlns:p14="http://schemas.microsoft.com/office/powerpoint/2010/main" val="2762370001"/>
+        <p14:creationId xmlns:p14="http://schemas.microsoft.com/office/powerpoint/2010/main" xmlns="" val="2762370001"/>
       </p:ext>
     </p:extLst>
   </p:cSld>
@@ -5760,6 +8955,718 @@
 <file path=ppt/slides/slide1.xml><?xml version="1.0" encoding="utf-8"?>
 <p:sld xmlns:a="http://schemas.openxmlformats.org/drawingml/2006/main" xmlns:r="http://schemas.openxmlformats.org/officeDocument/2006/relationships" xmlns:p="http://schemas.openxmlformats.org/presentationml/2006/main">
   <p:cSld>
+    <p:bg>
+      <p:bgPr>
+        <a:solidFill>
+          <a:schemeClr val="tx1"/>
+        </a:solidFill>
+        <a:effectLst/>
+      </p:bgPr>
+    </p:bg>
+    <p:spTree>
+      <p:nvGrpSpPr>
+        <p:cNvPr id="1" name=""/>
+        <p:cNvGrpSpPr/>
+        <p:nvPr/>
+      </p:nvGrpSpPr>
+      <p:grpSpPr>
+        <a:xfrm>
+          <a:off x="0" y="0"/>
+          <a:ext cx="0" cy="0"/>
+          <a:chOff x="0" y="0"/>
+          <a:chExt cx="0" cy="0"/>
+        </a:xfrm>
+      </p:grpSpPr>
+      <p:sp>
+        <p:nvSpPr>
+          <p:cNvPr id="4" name="Rectangle 3"/>
+          <p:cNvSpPr/>
+          <p:nvPr/>
+        </p:nvSpPr>
+        <p:spPr>
+          <a:xfrm>
+            <a:off x="-324123" y="683840"/>
+            <a:ext cx="6724322" cy="1257639"/>
+          </a:xfrm>
+          <a:prstGeom prst="roundRect">
+            <a:avLst>
+              <a:gd name="adj" fmla="val 4379"/>
+            </a:avLst>
+          </a:prstGeom>
+          <a:solidFill>
+            <a:schemeClr val="bg1"/>
+          </a:solidFill>
+          <a:ln>
+            <a:noFill/>
+          </a:ln>
+        </p:spPr>
+        <p:style>
+          <a:lnRef idx="2">
+            <a:schemeClr val="accent2"/>
+          </a:lnRef>
+          <a:fillRef idx="1">
+            <a:schemeClr val="lt1"/>
+          </a:fillRef>
+          <a:effectRef idx="0">
+            <a:schemeClr val="accent2"/>
+          </a:effectRef>
+          <a:fontRef idx="minor">
+            <a:schemeClr val="dk1"/>
+          </a:fontRef>
+        </p:style>
+        <p:txBody>
+          <a:bodyPr lIns="91420" tIns="45712" rIns="91420" bIns="45712" rtlCol="0" anchor="ctr"/>
+          <a:lstStyle/>
+          <a:p>
+            <a:pPr algn="ctr"/>
+            <a:endParaRPr lang="en-US"/>
+          </a:p>
+        </p:txBody>
+      </p:sp>
+      <p:graphicFrame>
+        <p:nvGraphicFramePr>
+          <p:cNvPr id="5" name="Diagram 4"/>
+          <p:cNvGraphicFramePr/>
+          <p:nvPr>
+            <p:extLst>
+              <p:ext uri="{D42A27DB-BD31-4B8C-83A1-F6EECF244321}">
+                <p14:modId xmlns:p14="http://schemas.microsoft.com/office/powerpoint/2010/main" xmlns="" val="1167990110"/>
+              </p:ext>
+            </p:extLst>
+          </p:nvPr>
+        </p:nvGraphicFramePr>
+        <p:xfrm>
+          <a:off x="-251744" y="1509463"/>
+          <a:ext cx="6579935" cy="288001"/>
+        </p:xfrm>
+        <a:graphic>
+          <a:graphicData uri="http://schemas.openxmlformats.org/drawingml/2006/diagram">
+            <dgm:relIds xmlns:dgm="http://schemas.openxmlformats.org/drawingml/2006/diagram" xmlns:r="http://schemas.openxmlformats.org/officeDocument/2006/relationships" r:dm="rId3" r:lo="rId4" r:qs="rId5" r:cs="rId6"/>
+          </a:graphicData>
+        </a:graphic>
+      </p:graphicFrame>
+      <p:pic>
+        <p:nvPicPr>
+          <p:cNvPr id="17" name="Picture 3"/>
+          <p:cNvPicPr>
+            <a:picLocks noChangeAspect="1" noChangeArrowheads="1"/>
+          </p:cNvPicPr>
+          <p:nvPr/>
+        </p:nvPicPr>
+        <p:blipFill rotWithShape="1">
+          <a:blip r:embed="rId8" cstate="print">
+            <a:extLst>
+              <a:ext uri="{28A0092B-C50C-407E-A947-70E740481C1C}">
+                <a14:useLocalDpi xmlns:a14="http://schemas.microsoft.com/office/drawing/2010/main" xmlns="" val="0"/>
+              </a:ext>
+            </a:extLst>
+          </a:blip>
+          <a:srcRect/>
+          <a:stretch/>
+        </p:blipFill>
+        <p:spPr bwMode="auto">
+          <a:xfrm>
+            <a:off x="2799799" y="861360"/>
+            <a:ext cx="338481" cy="396000"/>
+          </a:xfrm>
+          <a:prstGeom prst="rect">
+            <a:avLst/>
+          </a:prstGeom>
+          <a:noFill/>
+          <a:ln>
+            <a:noFill/>
+          </a:ln>
+          <a:extLst>
+            <a:ext uri="{909E8E84-426E-40DD-AFC4-6F175D3DCCD1}">
+              <a14:hiddenFill xmlns:a14="http://schemas.microsoft.com/office/drawing/2010/main" xmlns="">
+                <a:solidFill>
+                  <a:schemeClr val="accent1"/>
+                </a:solidFill>
+              </a14:hiddenFill>
+            </a:ext>
+            <a:ext uri="{91240B29-F687-4F45-9708-019B960494DF}">
+              <a14:hiddenLine xmlns:a14="http://schemas.microsoft.com/office/drawing/2010/main" xmlns="" w="9525">
+                <a:solidFill>
+                  <a:schemeClr val="tx1"/>
+                </a:solidFill>
+                <a:miter lim="800000"/>
+                <a:headEnd/>
+                <a:tailEnd/>
+              </a14:hiddenLine>
+            </a:ext>
+          </a:extLst>
+        </p:spPr>
+      </p:pic>
+      <p:pic>
+        <p:nvPicPr>
+          <p:cNvPr id="21" name="Picture 22" descr="http://www.swtestacademy.com/wp-content/uploads/2016/03/eslint_logo.png"/>
+          <p:cNvPicPr>
+            <a:picLocks noChangeAspect="1" noChangeArrowheads="1"/>
+          </p:cNvPicPr>
+          <p:nvPr/>
+        </p:nvPicPr>
+        <p:blipFill rotWithShape="1">
+          <a:blip r:embed="rId9" cstate="print">
+            <a:extLst>
+              <a:ext uri="{28A0092B-C50C-407E-A947-70E740481C1C}">
+                <a14:useLocalDpi xmlns:a14="http://schemas.microsoft.com/office/drawing/2010/main" xmlns="" val="0"/>
+              </a:ext>
+            </a:extLst>
+          </a:blip>
+          <a:srcRect/>
+          <a:stretch/>
+        </p:blipFill>
+        <p:spPr bwMode="auto">
+          <a:xfrm>
+            <a:off x="1344781" y="883044"/>
+            <a:ext cx="358270" cy="360000"/>
+          </a:xfrm>
+          <a:prstGeom prst="rect">
+            <a:avLst/>
+          </a:prstGeom>
+          <a:noFill/>
+          <a:extLst>
+            <a:ext uri="{909E8E84-426E-40DD-AFC4-6F175D3DCCD1}">
+              <a14:hiddenFill xmlns:a14="http://schemas.microsoft.com/office/drawing/2010/main" xmlns="">
+                <a:solidFill>
+                  <a:srgbClr val="FFFFFF"/>
+                </a:solidFill>
+              </a14:hiddenFill>
+            </a:ext>
+          </a:extLst>
+        </p:spPr>
+      </p:pic>
+      <p:pic>
+        <p:nvPicPr>
+          <p:cNvPr id="22" name="Picture 24" descr="http://idangero.us/swiper/i/logo-f7.png"/>
+          <p:cNvPicPr>
+            <a:picLocks noChangeAspect="1" noChangeArrowheads="1"/>
+          </p:cNvPicPr>
+          <p:nvPr/>
+        </p:nvPicPr>
+        <p:blipFill>
+          <a:blip r:embed="rId10" cstate="print">
+            <a:extLst>
+              <a:ext uri="{28A0092B-C50C-407E-A947-70E740481C1C}">
+                <a14:useLocalDpi xmlns:a14="http://schemas.microsoft.com/office/drawing/2010/main" xmlns="" val="0"/>
+              </a:ext>
+            </a:extLst>
+          </a:blip>
+          <a:srcRect/>
+          <a:stretch>
+            <a:fillRect/>
+          </a:stretch>
+        </p:blipFill>
+        <p:spPr bwMode="auto">
+          <a:xfrm>
+            <a:off x="29587" y="879257"/>
+            <a:ext cx="360040" cy="360041"/>
+          </a:xfrm>
+          <a:prstGeom prst="rect">
+            <a:avLst/>
+          </a:prstGeom>
+          <a:noFill/>
+          <a:extLst>
+            <a:ext uri="{909E8E84-426E-40DD-AFC4-6F175D3DCCD1}">
+              <a14:hiddenFill xmlns:a14="http://schemas.microsoft.com/office/drawing/2010/main" xmlns="">
+                <a:solidFill>
+                  <a:srgbClr val="FFFFFF"/>
+                </a:solidFill>
+              </a14:hiddenFill>
+            </a:ext>
+          </a:extLst>
+        </p:spPr>
+      </p:pic>
+      <p:pic>
+        <p:nvPicPr>
+          <p:cNvPr id="23" name="Picture 26" descr="https://vuejs.org/images/logo.png"/>
+          <p:cNvPicPr>
+            <a:picLocks noChangeAspect="1" noChangeArrowheads="1"/>
+          </p:cNvPicPr>
+          <p:nvPr/>
+        </p:nvPicPr>
+        <p:blipFill>
+          <a:blip r:embed="rId11" cstate="print">
+            <a:extLst>
+              <a:ext uri="{28A0092B-C50C-407E-A947-70E740481C1C}">
+                <a14:useLocalDpi xmlns:a14="http://schemas.microsoft.com/office/drawing/2010/main" xmlns="" val="0"/>
+              </a:ext>
+            </a:extLst>
+          </a:blip>
+          <a:srcRect/>
+          <a:stretch>
+            <a:fillRect/>
+          </a:stretch>
+        </p:blipFill>
+        <p:spPr bwMode="auto">
+          <a:xfrm>
+            <a:off x="514593" y="879257"/>
+            <a:ext cx="360000" cy="360000"/>
+          </a:xfrm>
+          <a:prstGeom prst="rect">
+            <a:avLst/>
+          </a:prstGeom>
+          <a:noFill/>
+          <a:extLst>
+            <a:ext uri="{909E8E84-426E-40DD-AFC4-6F175D3DCCD1}">
+              <a14:hiddenFill xmlns:a14="http://schemas.microsoft.com/office/drawing/2010/main" xmlns="">
+                <a:solidFill>
+                  <a:srgbClr val="FFFFFF"/>
+                </a:solidFill>
+              </a14:hiddenFill>
+            </a:ext>
+          </a:extLst>
+        </p:spPr>
+      </p:pic>
+      <p:pic>
+        <p:nvPicPr>
+          <p:cNvPr id="24" name="Picture 28" descr="https://cdn.auth0.com/blog/converting-your-app-to-mobile/logo.png"/>
+          <p:cNvPicPr>
+            <a:picLocks noChangeAspect="1" noChangeArrowheads="1"/>
+          </p:cNvPicPr>
+          <p:nvPr/>
+        </p:nvPicPr>
+        <p:blipFill rotWithShape="1">
+          <a:blip r:embed="rId12" cstate="print">
+            <a:extLst>
+              <a:ext uri="{28A0092B-C50C-407E-A947-70E740481C1C}">
+                <a14:useLocalDpi xmlns:a14="http://schemas.microsoft.com/office/drawing/2010/main" xmlns="" val="0"/>
+              </a:ext>
+            </a:extLst>
+          </a:blip>
+          <a:srcRect/>
+          <a:stretch/>
+        </p:blipFill>
+        <p:spPr bwMode="auto">
+          <a:xfrm>
+            <a:off x="3250897" y="842358"/>
+            <a:ext cx="429687" cy="432000"/>
+          </a:xfrm>
+          <a:prstGeom prst="rect">
+            <a:avLst/>
+          </a:prstGeom>
+          <a:noFill/>
+          <a:extLst>
+            <a:ext uri="{909E8E84-426E-40DD-AFC4-6F175D3DCCD1}">
+              <a14:hiddenFill xmlns:a14="http://schemas.microsoft.com/office/drawing/2010/main" xmlns="">
+                <a:solidFill>
+                  <a:srgbClr val="FFFFFF"/>
+                </a:solidFill>
+              </a14:hiddenFill>
+            </a:ext>
+          </a:extLst>
+        </p:spPr>
+      </p:pic>
+      <p:sp>
+        <p:nvSpPr>
+          <p:cNvPr id="25" name="Chevron 1"/>
+          <p:cNvSpPr/>
+          <p:nvPr/>
+        </p:nvSpPr>
+        <p:spPr>
+          <a:xfrm>
+            <a:off x="1069449" y="845733"/>
+            <a:ext cx="112266" cy="447675"/>
+          </a:xfrm>
+          <a:prstGeom prst="chevron">
+            <a:avLst>
+              <a:gd name="adj" fmla="val 85273"/>
+            </a:avLst>
+          </a:prstGeom>
+          <a:solidFill>
+            <a:schemeClr val="accent1">
+              <a:lumMod val="20000"/>
+              <a:lumOff val="80000"/>
+            </a:schemeClr>
+          </a:solidFill>
+          <a:ln>
+            <a:noFill/>
+          </a:ln>
+        </p:spPr>
+        <p:style>
+          <a:lnRef idx="2">
+            <a:schemeClr val="accent1">
+              <a:shade val="50000"/>
+            </a:schemeClr>
+          </a:lnRef>
+          <a:fillRef idx="1">
+            <a:schemeClr val="accent1"/>
+          </a:fillRef>
+          <a:effectRef idx="0">
+            <a:schemeClr val="accent1"/>
+          </a:effectRef>
+          <a:fontRef idx="minor">
+            <a:schemeClr val="lt1"/>
+          </a:fontRef>
+        </p:style>
+        <p:txBody>
+          <a:bodyPr rtlCol="0" anchor="ctr"/>
+          <a:lstStyle/>
+          <a:p>
+            <a:pPr algn="ctr"/>
+            <a:endParaRPr lang="en-US">
+              <a:solidFill>
+                <a:schemeClr val="tx1"/>
+              </a:solidFill>
+            </a:endParaRPr>
+          </a:p>
+        </p:txBody>
+      </p:sp>
+      <p:sp>
+        <p:nvSpPr>
+          <p:cNvPr id="26" name="Chevron 18"/>
+          <p:cNvSpPr/>
+          <p:nvPr/>
+        </p:nvSpPr>
+        <p:spPr>
+          <a:xfrm>
+            <a:off x="2459826" y="845733"/>
+            <a:ext cx="112266" cy="447675"/>
+          </a:xfrm>
+          <a:prstGeom prst="chevron">
+            <a:avLst>
+              <a:gd name="adj" fmla="val 85273"/>
+            </a:avLst>
+          </a:prstGeom>
+          <a:solidFill>
+            <a:schemeClr val="accent1">
+              <a:lumMod val="20000"/>
+              <a:lumOff val="80000"/>
+            </a:schemeClr>
+          </a:solidFill>
+          <a:ln>
+            <a:noFill/>
+          </a:ln>
+        </p:spPr>
+        <p:style>
+          <a:lnRef idx="2">
+            <a:schemeClr val="accent1">
+              <a:shade val="50000"/>
+            </a:schemeClr>
+          </a:lnRef>
+          <a:fillRef idx="1">
+            <a:schemeClr val="accent1"/>
+          </a:fillRef>
+          <a:effectRef idx="0">
+            <a:schemeClr val="accent1"/>
+          </a:effectRef>
+          <a:fontRef idx="minor">
+            <a:schemeClr val="lt1"/>
+          </a:fontRef>
+        </p:style>
+        <p:txBody>
+          <a:bodyPr rtlCol="0" anchor="ctr"/>
+          <a:lstStyle/>
+          <a:p>
+            <a:pPr algn="ctr"/>
+            <a:endParaRPr lang="en-US">
+              <a:solidFill>
+                <a:schemeClr val="tx1"/>
+              </a:solidFill>
+            </a:endParaRPr>
+          </a:p>
+        </p:txBody>
+      </p:sp>
+      <p:sp>
+        <p:nvSpPr>
+          <p:cNvPr id="27" name="Chevron 19"/>
+          <p:cNvSpPr/>
+          <p:nvPr/>
+        </p:nvSpPr>
+        <p:spPr>
+          <a:xfrm>
+            <a:off x="3855853" y="845733"/>
+            <a:ext cx="112266" cy="447675"/>
+          </a:xfrm>
+          <a:prstGeom prst="chevron">
+            <a:avLst>
+              <a:gd name="adj" fmla="val 85273"/>
+            </a:avLst>
+          </a:prstGeom>
+          <a:solidFill>
+            <a:schemeClr val="accent1">
+              <a:lumMod val="20000"/>
+              <a:lumOff val="80000"/>
+            </a:schemeClr>
+          </a:solidFill>
+          <a:ln>
+            <a:noFill/>
+          </a:ln>
+        </p:spPr>
+        <p:style>
+          <a:lnRef idx="2">
+            <a:schemeClr val="accent1">
+              <a:shade val="50000"/>
+            </a:schemeClr>
+          </a:lnRef>
+          <a:fillRef idx="1">
+            <a:schemeClr val="accent1"/>
+          </a:fillRef>
+          <a:effectRef idx="0">
+            <a:schemeClr val="accent1"/>
+          </a:effectRef>
+          <a:fontRef idx="minor">
+            <a:schemeClr val="lt1"/>
+          </a:fontRef>
+        </p:style>
+        <p:txBody>
+          <a:bodyPr rtlCol="0" anchor="ctr"/>
+          <a:lstStyle/>
+          <a:p>
+            <a:pPr algn="ctr"/>
+            <a:endParaRPr lang="en-US">
+              <a:solidFill>
+                <a:schemeClr val="tx1"/>
+              </a:solidFill>
+            </a:endParaRPr>
+          </a:p>
+        </p:txBody>
+      </p:sp>
+      <p:pic>
+        <p:nvPicPr>
+          <p:cNvPr id="28" name="Picture 2" descr="app-store-download.png"/>
+          <p:cNvPicPr>
+            <a:picLocks noChangeAspect="1" noChangeArrowheads="1"/>
+          </p:cNvPicPr>
+          <p:nvPr/>
+        </p:nvPicPr>
+        <p:blipFill>
+          <a:blip r:embed="rId13" cstate="print">
+            <a:extLst>
+              <a:ext uri="{28A0092B-C50C-407E-A947-70E740481C1C}">
+                <a14:useLocalDpi xmlns:a14="http://schemas.microsoft.com/office/drawing/2010/main" xmlns="" val="0"/>
+              </a:ext>
+            </a:extLst>
+          </a:blip>
+          <a:srcRect/>
+          <a:stretch>
+            <a:fillRect/>
+          </a:stretch>
+        </p:blipFill>
+        <p:spPr bwMode="auto">
+          <a:xfrm>
+            <a:off x="4239960" y="806420"/>
+            <a:ext cx="864095" cy="256204"/>
+          </a:xfrm>
+          <a:prstGeom prst="rect">
+            <a:avLst/>
+          </a:prstGeom>
+          <a:noFill/>
+          <a:extLst>
+            <a:ext uri="{909E8E84-426E-40DD-AFC4-6F175D3DCCD1}">
+              <a14:hiddenFill xmlns:a14="http://schemas.microsoft.com/office/drawing/2010/main" xmlns="">
+                <a:solidFill>
+                  <a:srgbClr val="FFFFFF"/>
+                </a:solidFill>
+              </a14:hiddenFill>
+            </a:ext>
+          </a:extLst>
+        </p:spPr>
+      </p:pic>
+      <p:pic>
+        <p:nvPicPr>
+          <p:cNvPr id="29" name="Picture 4" descr="https://raw.githubusercontent.com/scriptPilot/app-framework/dev-1.3/media/google-play-download.png"/>
+          <p:cNvPicPr>
+            <a:picLocks noChangeAspect="1" noChangeArrowheads="1"/>
+          </p:cNvPicPr>
+          <p:nvPr/>
+        </p:nvPicPr>
+        <p:blipFill>
+          <a:blip r:embed="rId14" cstate="print">
+            <a:extLst>
+              <a:ext uri="{28A0092B-C50C-407E-A947-70E740481C1C}">
+                <a14:useLocalDpi xmlns:a14="http://schemas.microsoft.com/office/drawing/2010/main" xmlns="" val="0"/>
+              </a:ext>
+            </a:extLst>
+          </a:blip>
+          <a:srcRect/>
+          <a:stretch>
+            <a:fillRect/>
+          </a:stretch>
+        </p:blipFill>
+        <p:spPr bwMode="auto">
+          <a:xfrm>
+            <a:off x="4239959" y="1108026"/>
+            <a:ext cx="864096" cy="257390"/>
+          </a:xfrm>
+          <a:prstGeom prst="rect">
+            <a:avLst/>
+          </a:prstGeom>
+          <a:noFill/>
+          <a:extLst>
+            <a:ext uri="{909E8E84-426E-40DD-AFC4-6F175D3DCCD1}">
+              <a14:hiddenFill xmlns:a14="http://schemas.microsoft.com/office/drawing/2010/main" xmlns="">
+                <a:solidFill>
+                  <a:srgbClr val="FFFFFF"/>
+                </a:solidFill>
+              </a14:hiddenFill>
+            </a:ext>
+          </a:extLst>
+        </p:spPr>
+      </p:pic>
+      <p:pic>
+        <p:nvPicPr>
+          <p:cNvPr id="30" name="Picture 9" descr="https://i0.wp.com/www.artit-k.com/wp-content/uploads/2016/07/Cover-Firebase_Hosting.png?fit=650%2C300"/>
+          <p:cNvPicPr>
+            <a:picLocks noChangeAspect="1" noChangeArrowheads="1"/>
+          </p:cNvPicPr>
+          <p:nvPr/>
+        </p:nvPicPr>
+        <p:blipFill rotWithShape="1">
+          <a:blip r:embed="rId15" cstate="print">
+            <a:extLst>
+              <a:ext uri="{28A0092B-C50C-407E-A947-70E740481C1C}">
+                <a14:useLocalDpi xmlns:a14="http://schemas.microsoft.com/office/drawing/2010/main" xmlns="" val="0"/>
+              </a:ext>
+            </a:extLst>
+          </a:blip>
+          <a:srcRect t="5051" b="31822"/>
+          <a:stretch/>
+        </p:blipFill>
+        <p:spPr bwMode="auto">
+          <a:xfrm>
+            <a:off x="5248072" y="802958"/>
+            <a:ext cx="803194" cy="234000"/>
+          </a:xfrm>
+          <a:prstGeom prst="roundRect">
+            <a:avLst>
+              <a:gd name="adj" fmla="val 8525"/>
+            </a:avLst>
+          </a:prstGeom>
+          <a:noFill/>
+          <a:ln w="9525">
+            <a:solidFill>
+              <a:srgbClr val="FFC000"/>
+            </a:solidFill>
+          </a:ln>
+          <a:extLst>
+            <a:ext uri="{909E8E84-426E-40DD-AFC4-6F175D3DCCD1}">
+              <a14:hiddenFill xmlns:a14="http://schemas.microsoft.com/office/drawing/2010/main" xmlns="">
+                <a:solidFill>
+                  <a:srgbClr val="FFFFFF"/>
+                </a:solidFill>
+              </a14:hiddenFill>
+            </a:ext>
+          </a:extLst>
+        </p:spPr>
+      </p:pic>
+      <p:sp>
+        <p:nvSpPr>
+          <p:cNvPr id="31" name="Rounded Rectangle 9"/>
+          <p:cNvSpPr/>
+          <p:nvPr/>
+        </p:nvSpPr>
+        <p:spPr>
+          <a:xfrm>
+            <a:off x="5248071" y="1120816"/>
+            <a:ext cx="810000" cy="234000"/>
+          </a:xfrm>
+          <a:prstGeom prst="roundRect">
+            <a:avLst>
+              <a:gd name="adj" fmla="val 10214"/>
+            </a:avLst>
+          </a:prstGeom>
+          <a:ln w="9525">
+            <a:solidFill>
+              <a:schemeClr val="accent3">
+                <a:lumMod val="75000"/>
+              </a:schemeClr>
+            </a:solidFill>
+          </a:ln>
+        </p:spPr>
+        <p:style>
+          <a:lnRef idx="2">
+            <a:schemeClr val="accent6"/>
+          </a:lnRef>
+          <a:fillRef idx="1">
+            <a:schemeClr val="lt1"/>
+          </a:fillRef>
+          <a:effectRef idx="0">
+            <a:schemeClr val="accent6"/>
+          </a:effectRef>
+          <a:fontRef idx="minor">
+            <a:schemeClr val="dk1"/>
+          </a:fontRef>
+        </p:style>
+        <p:txBody>
+          <a:bodyPr lIns="91420" tIns="45712" rIns="91420" bIns="45712" rtlCol="0" anchor="ctr"/>
+          <a:lstStyle/>
+          <a:p>
+            <a:pPr algn="ctr"/>
+            <a:r>
+              <a:rPr lang="de-DE" sz="1100" b="1" dirty="0" smtClean="0">
+                <a:solidFill>
+                  <a:schemeClr val="accent3">
+                    <a:lumMod val="50000"/>
+                  </a:schemeClr>
+                </a:solidFill>
+                <a:latin typeface="+mj-lt"/>
+                <a:ea typeface="Verdana" panose="020B0604030504040204" pitchFamily="34" charset="0"/>
+                <a:cs typeface="Verdana" panose="020B0604030504040204" pitchFamily="34" charset="0"/>
+              </a:rPr>
+              <a:t>FTP Server</a:t>
+            </a:r>
+            <a:endParaRPr lang="en-US" sz="1100" b="1" dirty="0">
+              <a:solidFill>
+                <a:schemeClr val="accent3">
+                  <a:lumMod val="50000"/>
+                </a:schemeClr>
+              </a:solidFill>
+              <a:latin typeface="+mj-lt"/>
+              <a:ea typeface="Verdana" panose="020B0604030504040204" pitchFamily="34" charset="0"/>
+              <a:cs typeface="Verdana" panose="020B0604030504040204" pitchFamily="34" charset="0"/>
+            </a:endParaRPr>
+          </a:p>
+        </p:txBody>
+      </p:sp>
+      <p:pic>
+        <p:nvPicPr>
+          <p:cNvPr id="1029" name="Picture 5"/>
+          <p:cNvPicPr>
+            <a:picLocks noChangeAspect="1" noChangeArrowheads="1"/>
+          </p:cNvPicPr>
+          <p:nvPr/>
+        </p:nvPicPr>
+        <p:blipFill>
+          <a:blip r:embed="rId16" cstate="print"/>
+          <a:srcRect l="7471" t="30020" r="79800" b="45371"/>
+          <a:stretch>
+            <a:fillRect/>
+          </a:stretch>
+        </p:blipFill>
+        <p:spPr bwMode="auto">
+          <a:xfrm>
+            <a:off x="1839312" y="851835"/>
+            <a:ext cx="364320" cy="396000"/>
+          </a:xfrm>
+          <a:prstGeom prst="rect">
+            <a:avLst/>
+          </a:prstGeom>
+          <a:noFill/>
+          <a:ln w="9525">
+            <a:noFill/>
+            <a:miter lim="800000"/>
+            <a:headEnd/>
+            <a:tailEnd/>
+          </a:ln>
+        </p:spPr>
+      </p:pic>
+    </p:spTree>
+    <p:extLst>
+      <p:ext uri="{BB962C8B-B14F-4D97-AF65-F5344CB8AC3E}">
+        <p14:creationId xmlns:p14="http://schemas.microsoft.com/office/powerpoint/2010/main" xmlns="" val="1003733918"/>
+      </p:ext>
+    </p:extLst>
+  </p:cSld>
+  <p:clrMapOvr>
+    <a:masterClrMapping/>
+  </p:clrMapOvr>
+</p:sld>
+</file>
+
+<file path=ppt/slides/slide2.xml><?xml version="1.0" encoding="utf-8"?>
+<p:sld xmlns:a="http://schemas.openxmlformats.org/drawingml/2006/main" xmlns:r="http://schemas.openxmlformats.org/officeDocument/2006/relationships" xmlns:p="http://schemas.openxmlformats.org/presentationml/2006/main">
+  <p:cSld>
     <p:spTree>
       <p:nvGrpSpPr>
         <p:cNvPr id="1" name=""/>
@@ -5827,7 +9734,7 @@
           <p:nvPr>
             <p:extLst>
               <p:ext uri="{D42A27DB-BD31-4B8C-83A1-F6EECF244321}">
-                <p14:modId xmlns:p14="http://schemas.microsoft.com/office/powerpoint/2010/main" val="1167990110"/>
+                <p14:modId xmlns:p14="http://schemas.microsoft.com/office/powerpoint/2010/main" xmlns="" val="1167990110"/>
               </p:ext>
             </p:extLst>
           </p:nvPr>
@@ -5838,7 +9745,7 @@
         </p:xfrm>
         <a:graphic>
           <a:graphicData uri="http://schemas.openxmlformats.org/drawingml/2006/diagram">
-            <dgm:relIds xmlns:dgm="http://schemas.openxmlformats.org/drawingml/2006/diagram" xmlns:r="http://schemas.openxmlformats.org/officeDocument/2006/relationships" r:dm="rId2" r:lo="rId3" r:qs="rId4" r:cs="rId5"/>
+            <dgm:relIds xmlns:dgm="http://schemas.openxmlformats.org/drawingml/2006/diagram" xmlns:r="http://schemas.openxmlformats.org/officeDocument/2006/relationships" r:dm="rId3" r:lo="rId4" r:qs="rId5" r:cs="rId6"/>
           </a:graphicData>
         </a:graphic>
       </p:graphicFrame>
@@ -5851,10 +9758,10 @@
           <p:nvPr/>
         </p:nvPicPr>
         <p:blipFill rotWithShape="1">
-          <a:blip r:embed="rId7" cstate="print">
+          <a:blip r:embed="rId8" cstate="print">
             <a:extLst>
               <a:ext uri="{28A0092B-C50C-407E-A947-70E740481C1C}">
-                <a14:useLocalDpi xmlns:a14="http://schemas.microsoft.com/office/drawing/2010/main" val="0"/>
+                <a14:useLocalDpi xmlns:a14="http://schemas.microsoft.com/office/drawing/2010/main" xmlns="" val="0"/>
               </a:ext>
             </a:extLst>
           </a:blip>
@@ -5875,14 +9782,14 @@
           </a:ln>
           <a:extLst>
             <a:ext uri="{909E8E84-426E-40DD-AFC4-6F175D3DCCD1}">
-              <a14:hiddenFill xmlns:a14="http://schemas.microsoft.com/office/drawing/2010/main">
+              <a14:hiddenFill xmlns:a14="http://schemas.microsoft.com/office/drawing/2010/main" xmlns="">
                 <a:solidFill>
                   <a:schemeClr val="accent1"/>
                 </a:solidFill>
               </a14:hiddenFill>
             </a:ext>
             <a:ext uri="{91240B29-F687-4F45-9708-019B960494DF}">
-              <a14:hiddenLine xmlns:a14="http://schemas.microsoft.com/office/drawing/2010/main" w="9525">
+              <a14:hiddenLine xmlns:a14="http://schemas.microsoft.com/office/drawing/2010/main" xmlns="" w="9525">
                 <a:solidFill>
                   <a:schemeClr val="tx1"/>
                 </a:solidFill>
@@ -5903,10 +9810,10 @@
           <p:nvPr/>
         </p:nvPicPr>
         <p:blipFill rotWithShape="1">
-          <a:blip r:embed="rId8" cstate="print">
+          <a:blip r:embed="rId9" cstate="print">
             <a:extLst>
               <a:ext uri="{28A0092B-C50C-407E-A947-70E740481C1C}">
-                <a14:useLocalDpi xmlns:a14="http://schemas.microsoft.com/office/drawing/2010/main" val="0"/>
+                <a14:useLocalDpi xmlns:a14="http://schemas.microsoft.com/office/drawing/2010/main" xmlns="" val="0"/>
               </a:ext>
             </a:extLst>
           </a:blip>
@@ -5927,14 +9834,14 @@
           </a:ln>
           <a:extLst>
             <a:ext uri="{909E8E84-426E-40DD-AFC4-6F175D3DCCD1}">
-              <a14:hiddenFill xmlns:a14="http://schemas.microsoft.com/office/drawing/2010/main">
+              <a14:hiddenFill xmlns:a14="http://schemas.microsoft.com/office/drawing/2010/main" xmlns="">
                 <a:solidFill>
                   <a:schemeClr val="accent1"/>
                 </a:solidFill>
               </a14:hiddenFill>
             </a:ext>
             <a:ext uri="{91240B29-F687-4F45-9708-019B960494DF}">
-              <a14:hiddenLine xmlns:a14="http://schemas.microsoft.com/office/drawing/2010/main" w="9525">
+              <a14:hiddenLine xmlns:a14="http://schemas.microsoft.com/office/drawing/2010/main" xmlns="" w="9525">
                 <a:solidFill>
                   <a:schemeClr val="tx1"/>
                 </a:solidFill>
@@ -5955,10 +9862,10 @@
           <p:nvPr/>
         </p:nvPicPr>
         <p:blipFill rotWithShape="1">
-          <a:blip r:embed="rId9" cstate="print">
+          <a:blip r:embed="rId10" cstate="print">
             <a:extLst>
               <a:ext uri="{28A0092B-C50C-407E-A947-70E740481C1C}">
-                <a14:useLocalDpi xmlns:a14="http://schemas.microsoft.com/office/drawing/2010/main" val="0"/>
+                <a14:useLocalDpi xmlns:a14="http://schemas.microsoft.com/office/drawing/2010/main" xmlns="" val="0"/>
               </a:ext>
             </a:extLst>
           </a:blip>
@@ -5976,7 +9883,7 @@
           <a:noFill/>
           <a:extLst>
             <a:ext uri="{909E8E84-426E-40DD-AFC4-6F175D3DCCD1}">
-              <a14:hiddenFill xmlns:a14="http://schemas.microsoft.com/office/drawing/2010/main">
+              <a14:hiddenFill xmlns:a14="http://schemas.microsoft.com/office/drawing/2010/main" xmlns="">
                 <a:solidFill>
                   <a:srgbClr val="FFFFFF"/>
                 </a:solidFill>
@@ -5994,10 +9901,10 @@
           <p:nvPr/>
         </p:nvPicPr>
         <p:blipFill>
-          <a:blip r:embed="rId10" cstate="print">
+          <a:blip r:embed="rId11" cstate="print">
             <a:extLst>
               <a:ext uri="{28A0092B-C50C-407E-A947-70E740481C1C}">
-                <a14:useLocalDpi xmlns:a14="http://schemas.microsoft.com/office/drawing/2010/main" val="0"/>
+                <a14:useLocalDpi xmlns:a14="http://schemas.microsoft.com/office/drawing/2010/main" xmlns="" val="0"/>
               </a:ext>
             </a:extLst>
           </a:blip>
@@ -6017,7 +9924,7 @@
           <a:noFill/>
           <a:extLst>
             <a:ext uri="{909E8E84-426E-40DD-AFC4-6F175D3DCCD1}">
-              <a14:hiddenFill xmlns:a14="http://schemas.microsoft.com/office/drawing/2010/main">
+              <a14:hiddenFill xmlns:a14="http://schemas.microsoft.com/office/drawing/2010/main" xmlns="">
                 <a:solidFill>
                   <a:srgbClr val="FFFFFF"/>
                 </a:solidFill>
@@ -6035,10 +9942,10 @@
           <p:nvPr/>
         </p:nvPicPr>
         <p:blipFill>
-          <a:blip r:embed="rId11" cstate="print">
+          <a:blip r:embed="rId12" cstate="print">
             <a:extLst>
               <a:ext uri="{28A0092B-C50C-407E-A947-70E740481C1C}">
-                <a14:useLocalDpi xmlns:a14="http://schemas.microsoft.com/office/drawing/2010/main" val="0"/>
+                <a14:useLocalDpi xmlns:a14="http://schemas.microsoft.com/office/drawing/2010/main" xmlns="" val="0"/>
               </a:ext>
             </a:extLst>
           </a:blip>
@@ -6058,7 +9965,7 @@
           <a:noFill/>
           <a:extLst>
             <a:ext uri="{909E8E84-426E-40DD-AFC4-6F175D3DCCD1}">
-              <a14:hiddenFill xmlns:a14="http://schemas.microsoft.com/office/drawing/2010/main">
+              <a14:hiddenFill xmlns:a14="http://schemas.microsoft.com/office/drawing/2010/main" xmlns="">
                 <a:solidFill>
                   <a:srgbClr val="FFFFFF"/>
                 </a:solidFill>
@@ -6076,10 +9983,10 @@
           <p:nvPr/>
         </p:nvPicPr>
         <p:blipFill rotWithShape="1">
-          <a:blip r:embed="rId12" cstate="print">
+          <a:blip r:embed="rId13" cstate="print">
             <a:extLst>
               <a:ext uri="{28A0092B-C50C-407E-A947-70E740481C1C}">
-                <a14:useLocalDpi xmlns:a14="http://schemas.microsoft.com/office/drawing/2010/main" val="0"/>
+                <a14:useLocalDpi xmlns:a14="http://schemas.microsoft.com/office/drawing/2010/main" xmlns="" val="0"/>
               </a:ext>
             </a:extLst>
           </a:blip>
@@ -6097,7 +10004,7 @@
           <a:noFill/>
           <a:extLst>
             <a:ext uri="{909E8E84-426E-40DD-AFC4-6F175D3DCCD1}">
-              <a14:hiddenFill xmlns:a14="http://schemas.microsoft.com/office/drawing/2010/main">
+              <a14:hiddenFill xmlns:a14="http://schemas.microsoft.com/office/drawing/2010/main" xmlns="">
                 <a:solidFill>
                   <a:srgbClr val="FFFFFF"/>
                 </a:solidFill>
@@ -6280,10 +10187,10 @@
           <p:nvPr/>
         </p:nvPicPr>
         <p:blipFill>
-          <a:blip r:embed="rId13" cstate="print">
+          <a:blip r:embed="rId14" cstate="print">
             <a:extLst>
               <a:ext uri="{28A0092B-C50C-407E-A947-70E740481C1C}">
-                <a14:useLocalDpi xmlns:a14="http://schemas.microsoft.com/office/drawing/2010/main" val="0"/>
+                <a14:useLocalDpi xmlns:a14="http://schemas.microsoft.com/office/drawing/2010/main" xmlns="" val="0"/>
               </a:ext>
             </a:extLst>
           </a:blip>
@@ -6303,7 +10210,7 @@
           <a:noFill/>
           <a:extLst>
             <a:ext uri="{909E8E84-426E-40DD-AFC4-6F175D3DCCD1}">
-              <a14:hiddenFill xmlns:a14="http://schemas.microsoft.com/office/drawing/2010/main">
+              <a14:hiddenFill xmlns:a14="http://schemas.microsoft.com/office/drawing/2010/main" xmlns="">
                 <a:solidFill>
                   <a:srgbClr val="FFFFFF"/>
                 </a:solidFill>
@@ -6321,10 +10228,10 @@
           <p:nvPr/>
         </p:nvPicPr>
         <p:blipFill>
-          <a:blip r:embed="rId14" cstate="print">
+          <a:blip r:embed="rId15" cstate="print">
             <a:extLst>
               <a:ext uri="{28A0092B-C50C-407E-A947-70E740481C1C}">
-                <a14:useLocalDpi xmlns:a14="http://schemas.microsoft.com/office/drawing/2010/main" val="0"/>
+                <a14:useLocalDpi xmlns:a14="http://schemas.microsoft.com/office/drawing/2010/main" xmlns="" val="0"/>
               </a:ext>
             </a:extLst>
           </a:blip>
@@ -6344,7 +10251,7 @@
           <a:noFill/>
           <a:extLst>
             <a:ext uri="{909E8E84-426E-40DD-AFC4-6F175D3DCCD1}">
-              <a14:hiddenFill xmlns:a14="http://schemas.microsoft.com/office/drawing/2010/main">
+              <a14:hiddenFill xmlns:a14="http://schemas.microsoft.com/office/drawing/2010/main" xmlns="">
                 <a:solidFill>
                   <a:srgbClr val="FFFFFF"/>
                 </a:solidFill>
@@ -6362,10 +10269,10 @@
           <p:nvPr/>
         </p:nvPicPr>
         <p:blipFill rotWithShape="1">
-          <a:blip r:embed="rId15" cstate="print">
+          <a:blip r:embed="rId16" cstate="print">
             <a:extLst>
               <a:ext uri="{28A0092B-C50C-407E-A947-70E740481C1C}">
-                <a14:useLocalDpi xmlns:a14="http://schemas.microsoft.com/office/drawing/2010/main" val="0"/>
+                <a14:useLocalDpi xmlns:a14="http://schemas.microsoft.com/office/drawing/2010/main" xmlns="" val="0"/>
               </a:ext>
             </a:extLst>
           </a:blip>
@@ -6390,7 +10297,7 @@
           </a:ln>
           <a:extLst>
             <a:ext uri="{909E8E84-426E-40DD-AFC4-6F175D3DCCD1}">
-              <a14:hiddenFill xmlns:a14="http://schemas.microsoft.com/office/drawing/2010/main">
+              <a14:hiddenFill xmlns:a14="http://schemas.microsoft.com/office/drawing/2010/main" xmlns="">
                 <a:solidFill>
                   <a:srgbClr val="FFFFFF"/>
                 </a:solidFill>
@@ -6471,7 +10378,7 @@
     </p:spTree>
     <p:extLst>
       <p:ext uri="{BB962C8B-B14F-4D97-AF65-F5344CB8AC3E}">
-        <p14:creationId xmlns:p14="http://schemas.microsoft.com/office/powerpoint/2010/main" val="1003733918"/>
+        <p14:creationId xmlns:p14="http://schemas.microsoft.com/office/powerpoint/2010/main" xmlns="" val="1003733918"/>
       </p:ext>
     </p:extLst>
   </p:cSld>
@@ -6764,4 +10671,287 @@
   <a:objectDefaults/>
   <a:extraClrSchemeLst/>
 </a:theme>
+</file>
+
+<file path=ppt/theme/theme2.xml><?xml version="1.0" encoding="utf-8"?>
+<a:theme xmlns:a="http://schemas.openxmlformats.org/drawingml/2006/main" name="Larissa-Design">
+  <a:themeElements>
+    <a:clrScheme name="Larissa">
+      <a:dk1>
+        <a:sysClr val="windowText" lastClr="000000"/>
+      </a:dk1>
+      <a:lt1>
+        <a:sysClr val="window" lastClr="FFFFFF"/>
+      </a:lt1>
+      <a:dk2>
+        <a:srgbClr val="1F497D"/>
+      </a:dk2>
+      <a:lt2>
+        <a:srgbClr val="EEECE1"/>
+      </a:lt2>
+      <a:accent1>
+        <a:srgbClr val="4F81BD"/>
+      </a:accent1>
+      <a:accent2>
+        <a:srgbClr val="C0504D"/>
+      </a:accent2>
+      <a:accent3>
+        <a:srgbClr val="9BBB59"/>
+      </a:accent3>
+      <a:accent4>
+        <a:srgbClr val="8064A2"/>
+      </a:accent4>
+      <a:accent5>
+        <a:srgbClr val="4BACC6"/>
+      </a:accent5>
+      <a:accent6>
+        <a:srgbClr val="F79646"/>
+      </a:accent6>
+      <a:hlink>
+        <a:srgbClr val="0000FF"/>
+      </a:hlink>
+      <a:folHlink>
+        <a:srgbClr val="800080"/>
+      </a:folHlink>
+    </a:clrScheme>
+    <a:fontScheme name="Larissa">
+      <a:majorFont>
+        <a:latin typeface="Calibri"/>
+        <a:ea typeface=""/>
+        <a:cs typeface=""/>
+        <a:font script="Jpan" typeface="ＭＳ Ｐゴシック"/>
+        <a:font script="Hang" typeface="맑은 고딕"/>
+        <a:font script="Hans" typeface="宋体"/>
+        <a:font script="Hant" typeface="新細明體"/>
+        <a:font script="Arab" typeface="Times New Roman"/>
+        <a:font script="Hebr" typeface="Times New Roman"/>
+        <a:font script="Thai" typeface="Angsana New"/>
+        <a:font script="Ethi" typeface="Nyala"/>
+        <a:font script="Beng" typeface="Vrinda"/>
+        <a:font script="Gujr" typeface="Shruti"/>
+        <a:font script="Khmr" typeface="MoolBoran"/>
+        <a:font script="Knda" typeface="Tunga"/>
+        <a:font script="Guru" typeface="Raavi"/>
+        <a:font script="Cans" typeface="Euphemia"/>
+        <a:font script="Cher" typeface="Plantagenet Cherokee"/>
+        <a:font script="Yiii" typeface="Microsoft Yi Baiti"/>
+        <a:font script="Tibt" typeface="Microsoft Himalaya"/>
+        <a:font script="Thaa" typeface="MV Boli"/>
+        <a:font script="Deva" typeface="Mangal"/>
+        <a:font script="Telu" typeface="Gautami"/>
+        <a:font script="Taml" typeface="Latha"/>
+        <a:font script="Syrc" typeface="Estrangelo Edessa"/>
+        <a:font script="Orya" typeface="Kalinga"/>
+        <a:font script="Mlym" typeface="Kartika"/>
+        <a:font script="Laoo" typeface="DokChampa"/>
+        <a:font script="Sinh" typeface="Iskoola Pota"/>
+        <a:font script="Mong" typeface="Mongolian Baiti"/>
+        <a:font script="Viet" typeface="Times New Roman"/>
+        <a:font script="Uigh" typeface="Microsoft Uighur"/>
+      </a:majorFont>
+      <a:minorFont>
+        <a:latin typeface="Calibri"/>
+        <a:ea typeface=""/>
+        <a:cs typeface=""/>
+        <a:font script="Jpan" typeface="ＭＳ Ｐゴシック"/>
+        <a:font script="Hang" typeface="맑은 고딕"/>
+        <a:font script="Hans" typeface="宋体"/>
+        <a:font script="Hant" typeface="新細明體"/>
+        <a:font script="Arab" typeface="Arial"/>
+        <a:font script="Hebr" typeface="Arial"/>
+        <a:font script="Thai" typeface="Cordia New"/>
+        <a:font script="Ethi" typeface="Nyala"/>
+        <a:font script="Beng" typeface="Vrinda"/>
+        <a:font script="Gujr" typeface="Shruti"/>
+        <a:font script="Khmr" typeface="DaunPenh"/>
+        <a:font script="Knda" typeface="Tunga"/>
+        <a:font script="Guru" typeface="Raavi"/>
+        <a:font script="Cans" typeface="Euphemia"/>
+        <a:font script="Cher" typeface="Plantagenet Cherokee"/>
+        <a:font script="Yiii" typeface="Microsoft Yi Baiti"/>
+        <a:font script="Tibt" typeface="Microsoft Himalaya"/>
+        <a:font script="Thaa" typeface="MV Boli"/>
+        <a:font script="Deva" typeface="Mangal"/>
+        <a:font script="Telu" typeface="Gautami"/>
+        <a:font script="Taml" typeface="Latha"/>
+        <a:font script="Syrc" typeface="Estrangelo Edessa"/>
+        <a:font script="Orya" typeface="Kalinga"/>
+        <a:font script="Mlym" typeface="Kartika"/>
+        <a:font script="Laoo" typeface="DokChampa"/>
+        <a:font script="Sinh" typeface="Iskoola Pota"/>
+        <a:font script="Mong" typeface="Mongolian Baiti"/>
+        <a:font script="Viet" typeface="Arial"/>
+        <a:font script="Uigh" typeface="Microsoft Uighur"/>
+      </a:minorFont>
+    </a:fontScheme>
+    <a:fmtScheme name="Larissa">
+      <a:fillStyleLst>
+        <a:solidFill>
+          <a:schemeClr val="phClr"/>
+        </a:solidFill>
+        <a:gradFill rotWithShape="1">
+          <a:gsLst>
+            <a:gs pos="0">
+              <a:schemeClr val="phClr">
+                <a:tint val="50000"/>
+                <a:satMod val="300000"/>
+              </a:schemeClr>
+            </a:gs>
+            <a:gs pos="35000">
+              <a:schemeClr val="phClr">
+                <a:tint val="37000"/>
+                <a:satMod val="300000"/>
+              </a:schemeClr>
+            </a:gs>
+            <a:gs pos="100000">
+              <a:schemeClr val="phClr">
+                <a:tint val="15000"/>
+                <a:satMod val="350000"/>
+              </a:schemeClr>
+            </a:gs>
+          </a:gsLst>
+          <a:lin ang="16200000" scaled="1"/>
+        </a:gradFill>
+        <a:gradFill rotWithShape="1">
+          <a:gsLst>
+            <a:gs pos="0">
+              <a:schemeClr val="phClr">
+                <a:shade val="51000"/>
+                <a:satMod val="130000"/>
+              </a:schemeClr>
+            </a:gs>
+            <a:gs pos="80000">
+              <a:schemeClr val="phClr">
+                <a:shade val="93000"/>
+                <a:satMod val="130000"/>
+              </a:schemeClr>
+            </a:gs>
+            <a:gs pos="100000">
+              <a:schemeClr val="phClr">
+                <a:shade val="94000"/>
+                <a:satMod val="135000"/>
+              </a:schemeClr>
+            </a:gs>
+          </a:gsLst>
+          <a:lin ang="16200000" scaled="0"/>
+        </a:gradFill>
+      </a:fillStyleLst>
+      <a:lnStyleLst>
+        <a:ln w="9525" cap="flat" cmpd="sng" algn="ctr">
+          <a:solidFill>
+            <a:schemeClr val="phClr">
+              <a:shade val="95000"/>
+              <a:satMod val="105000"/>
+            </a:schemeClr>
+          </a:solidFill>
+          <a:prstDash val="solid"/>
+        </a:ln>
+        <a:ln w="25400" cap="flat" cmpd="sng" algn="ctr">
+          <a:solidFill>
+            <a:schemeClr val="phClr"/>
+          </a:solidFill>
+          <a:prstDash val="solid"/>
+        </a:ln>
+        <a:ln w="38100" cap="flat" cmpd="sng" algn="ctr">
+          <a:solidFill>
+            <a:schemeClr val="phClr"/>
+          </a:solidFill>
+          <a:prstDash val="solid"/>
+        </a:ln>
+      </a:lnStyleLst>
+      <a:effectStyleLst>
+        <a:effectStyle>
+          <a:effectLst>
+            <a:outerShdw blurRad="40000" dist="20000" dir="5400000" rotWithShape="0">
+              <a:srgbClr val="000000">
+                <a:alpha val="38000"/>
+              </a:srgbClr>
+            </a:outerShdw>
+          </a:effectLst>
+        </a:effectStyle>
+        <a:effectStyle>
+          <a:effectLst>
+            <a:outerShdw blurRad="40000" dist="23000" dir="5400000" rotWithShape="0">
+              <a:srgbClr val="000000">
+                <a:alpha val="35000"/>
+              </a:srgbClr>
+            </a:outerShdw>
+          </a:effectLst>
+        </a:effectStyle>
+        <a:effectStyle>
+          <a:effectLst>
+            <a:outerShdw blurRad="40000" dist="23000" dir="5400000" rotWithShape="0">
+              <a:srgbClr val="000000">
+                <a:alpha val="35000"/>
+              </a:srgbClr>
+            </a:outerShdw>
+          </a:effectLst>
+          <a:scene3d>
+            <a:camera prst="orthographicFront">
+              <a:rot lat="0" lon="0" rev="0"/>
+            </a:camera>
+            <a:lightRig rig="threePt" dir="t">
+              <a:rot lat="0" lon="0" rev="1200000"/>
+            </a:lightRig>
+          </a:scene3d>
+          <a:sp3d>
+            <a:bevelT w="63500" h="25400"/>
+          </a:sp3d>
+        </a:effectStyle>
+      </a:effectStyleLst>
+      <a:bgFillStyleLst>
+        <a:solidFill>
+          <a:schemeClr val="phClr"/>
+        </a:solidFill>
+        <a:gradFill rotWithShape="1">
+          <a:gsLst>
+            <a:gs pos="0">
+              <a:schemeClr val="phClr">
+                <a:tint val="40000"/>
+                <a:satMod val="350000"/>
+              </a:schemeClr>
+            </a:gs>
+            <a:gs pos="40000">
+              <a:schemeClr val="phClr">
+                <a:tint val="45000"/>
+                <a:shade val="99000"/>
+                <a:satMod val="350000"/>
+              </a:schemeClr>
+            </a:gs>
+            <a:gs pos="100000">
+              <a:schemeClr val="phClr">
+                <a:shade val="20000"/>
+                <a:satMod val="255000"/>
+              </a:schemeClr>
+            </a:gs>
+          </a:gsLst>
+          <a:path path="circle">
+            <a:fillToRect l="50000" t="-80000" r="50000" b="180000"/>
+          </a:path>
+        </a:gradFill>
+        <a:gradFill rotWithShape="1">
+          <a:gsLst>
+            <a:gs pos="0">
+              <a:schemeClr val="phClr">
+                <a:tint val="80000"/>
+                <a:satMod val="300000"/>
+              </a:schemeClr>
+            </a:gs>
+            <a:gs pos="100000">
+              <a:schemeClr val="phClr">
+                <a:shade val="30000"/>
+                <a:satMod val="200000"/>
+              </a:schemeClr>
+            </a:gs>
+          </a:gsLst>
+          <a:path path="circle">
+            <a:fillToRect l="50000" t="50000" r="50000" b="50000"/>
+          </a:path>
+        </a:gradFill>
+      </a:bgFillStyleLst>
+    </a:fmtScheme>
+  </a:themeElements>
+  <a:objectDefaults/>
+  <a:extraClrSchemeLst/>
+</a:theme>
 </file>